--- a/중간프로젝트2차_금융상품 분석툴20191224.pptx
+++ b/중간프로젝트2차_금융상품 분석툴20191224.pptx
@@ -6,6 +6,7 @@
   </p:sldMasterIdLst>
   <p:sldIdLst>
     <p:sldId id="256" r:id="rId2"/>
+    <p:sldId id="258" r:id="rId3"/>
   </p:sldIdLst>
   <p:sldSz cx="9144000" cy="6858000" type="screen4x3"/>
   <p:notesSz cx="6858000" cy="9144000"/>
@@ -413,7 +414,7 @@
           <a:p>
             <a:fld id="{83FFDC18-3446-49FF-8821-C5722B72D633}" type="datetimeFigureOut">
               <a:rPr lang="ko-KR" altLang="en-US" smtClean="0"/>
-              <a:t>2019-12-24</a:t>
+              <a:t>2019-12-26</a:t>
             </a:fld>
             <a:endParaRPr lang="ko-KR" altLang="en-US"/>
           </a:p>
@@ -598,7 +599,7 @@
           <a:p>
             <a:fld id="{83FFDC18-3446-49FF-8821-C5722B72D633}" type="datetimeFigureOut">
               <a:rPr lang="ko-KR" altLang="en-US" smtClean="0"/>
-              <a:t>2019-12-24</a:t>
+              <a:t>2019-12-26</a:t>
             </a:fld>
             <a:endParaRPr lang="ko-KR" altLang="en-US"/>
           </a:p>
@@ -783,7 +784,7 @@
           <a:p>
             <a:fld id="{83FFDC18-3446-49FF-8821-C5722B72D633}" type="datetimeFigureOut">
               <a:rPr lang="ko-KR" altLang="en-US" smtClean="0"/>
-              <a:t>2019-12-24</a:t>
+              <a:t>2019-12-26</a:t>
             </a:fld>
             <a:endParaRPr lang="ko-KR" altLang="en-US"/>
           </a:p>
@@ -968,7 +969,7 @@
           <a:p>
             <a:fld id="{83FFDC18-3446-49FF-8821-C5722B72D633}" type="datetimeFigureOut">
               <a:rPr lang="ko-KR" altLang="en-US" smtClean="0"/>
-              <a:t>2019-12-24</a:t>
+              <a:t>2019-12-26</a:t>
             </a:fld>
             <a:endParaRPr lang="ko-KR" altLang="en-US"/>
           </a:p>
@@ -1349,7 +1350,7 @@
           <a:p>
             <a:fld id="{83FFDC18-3446-49FF-8821-C5722B72D633}" type="datetimeFigureOut">
               <a:rPr lang="ko-KR" altLang="en-US" smtClean="0"/>
-              <a:t>2019-12-24</a:t>
+              <a:t>2019-12-26</a:t>
             </a:fld>
             <a:endParaRPr lang="ko-KR" altLang="en-US"/>
           </a:p>
@@ -1618,7 +1619,7 @@
           <a:p>
             <a:fld id="{83FFDC18-3446-49FF-8821-C5722B72D633}" type="datetimeFigureOut">
               <a:rPr lang="ko-KR" altLang="en-US" smtClean="0"/>
-              <a:t>2019-12-24</a:t>
+              <a:t>2019-12-26</a:t>
             </a:fld>
             <a:endParaRPr lang="ko-KR" altLang="en-US"/>
           </a:p>
@@ -2003,7 +2004,7 @@
           <a:p>
             <a:fld id="{83FFDC18-3446-49FF-8821-C5722B72D633}" type="datetimeFigureOut">
               <a:rPr lang="ko-KR" altLang="en-US" smtClean="0"/>
-              <a:t>2019-12-24</a:t>
+              <a:t>2019-12-26</a:t>
             </a:fld>
             <a:endParaRPr lang="ko-KR" altLang="en-US"/>
           </a:p>
@@ -2124,7 +2125,7 @@
           <a:p>
             <a:fld id="{83FFDC18-3446-49FF-8821-C5722B72D633}" type="datetimeFigureOut">
               <a:rPr lang="ko-KR" altLang="en-US" smtClean="0"/>
-              <a:t>2019-12-24</a:t>
+              <a:t>2019-12-26</a:t>
             </a:fld>
             <a:endParaRPr lang="ko-KR" altLang="en-US"/>
           </a:p>
@@ -2304,7 +2305,7 @@
           <a:p>
             <a:fld id="{83FFDC18-3446-49FF-8821-C5722B72D633}" type="datetimeFigureOut">
               <a:rPr lang="ko-KR" altLang="en-US" smtClean="0"/>
-              <a:t>2019-12-24</a:t>
+              <a:t>2019-12-26</a:t>
             </a:fld>
             <a:endParaRPr lang="ko-KR" altLang="en-US"/>
           </a:p>
@@ -2638,7 +2639,7 @@
           <a:p>
             <a:fld id="{83FFDC18-3446-49FF-8821-C5722B72D633}" type="datetimeFigureOut">
               <a:rPr lang="ko-KR" altLang="en-US" smtClean="0"/>
-              <a:t>2019-12-24</a:t>
+              <a:t>2019-12-26</a:t>
             </a:fld>
             <a:endParaRPr lang="ko-KR" altLang="en-US"/>
           </a:p>
@@ -3007,7 +3008,7 @@
           <a:p>
             <a:fld id="{83FFDC18-3446-49FF-8821-C5722B72D633}" type="datetimeFigureOut">
               <a:rPr lang="ko-KR" altLang="en-US" smtClean="0"/>
-              <a:t>2019-12-24</a:t>
+              <a:t>2019-12-26</a:t>
             </a:fld>
             <a:endParaRPr lang="ko-KR" altLang="en-US"/>
           </a:p>
@@ -3425,7 +3426,7 @@
           <a:p>
             <a:fld id="{83FFDC18-3446-49FF-8821-C5722B72D633}" type="datetimeFigureOut">
               <a:rPr lang="ko-KR" altLang="en-US" smtClean="0"/>
-              <a:t>2019-12-24</a:t>
+              <a:t>2019-12-26</a:t>
             </a:fld>
             <a:endParaRPr lang="ko-KR" altLang="en-US"/>
           </a:p>
@@ -3936,6 +3937,175 @@
 </p:sld>
 </file>
 
+<file path=ppt/slides/slide2.xml><?xml version="1.0" encoding="utf-8"?>
+<p:sld xmlns:a="http://schemas.openxmlformats.org/drawingml/2006/main" xmlns:r="http://schemas.openxmlformats.org/officeDocument/2006/relationships" xmlns:p="http://schemas.openxmlformats.org/presentationml/2006/main">
+  <p:cSld>
+    <p:spTree>
+      <p:nvGrpSpPr>
+        <p:cNvPr id="1" name=""/>
+        <p:cNvGrpSpPr/>
+        <p:nvPr/>
+      </p:nvGrpSpPr>
+      <p:grpSpPr>
+        <a:xfrm>
+          <a:off x="0" y="0"/>
+          <a:ext cx="0" cy="0"/>
+          <a:chOff x="0" y="0"/>
+          <a:chExt cx="0" cy="0"/>
+        </a:xfrm>
+      </p:grpSpPr>
+      <p:sp>
+        <p:nvSpPr>
+          <p:cNvPr id="2" name="제목 1"/>
+          <p:cNvSpPr>
+            <a:spLocks noGrp="1"/>
+          </p:cNvSpPr>
+          <p:nvPr>
+            <p:ph type="title"/>
+          </p:nvPr>
+        </p:nvSpPr>
+        <p:spPr>
+          <a:xfrm>
+            <a:off x="502920" y="4869160"/>
+            <a:ext cx="8183880" cy="1051560"/>
+          </a:xfrm>
+        </p:spPr>
+        <p:txBody>
+          <a:bodyPr/>
+          <a:lstStyle/>
+          <a:p>
+            <a:r>
+              <a:rPr lang="ko-KR" altLang="en-US" dirty="0" smtClean="0"/>
+              <a:t>주제</a:t>
+            </a:r>
+            <a:endParaRPr lang="ko-KR" altLang="en-US" dirty="0"/>
+          </a:p>
+        </p:txBody>
+      </p:sp>
+      <p:sp>
+        <p:nvSpPr>
+          <p:cNvPr id="3" name="내용 개체 틀 2"/>
+          <p:cNvSpPr>
+            <a:spLocks noGrp="1"/>
+          </p:cNvSpPr>
+          <p:nvPr>
+            <p:ph idx="1"/>
+          </p:nvPr>
+        </p:nvSpPr>
+        <p:spPr/>
+        <p:txBody>
+          <a:bodyPr/>
+          <a:lstStyle/>
+          <a:p>
+            <a:r>
+              <a:rPr lang="ko-KR" altLang="en-US" dirty="0" smtClean="0"/>
+              <a:t>인터넷으로 특정 금융 상품의 시세정보를 </a:t>
+            </a:r>
+            <a:r>
+              <a:rPr lang="en-US" altLang="ko-KR" dirty="0" smtClean="0"/>
+              <a:t/>
+            </a:r>
+            <a:br>
+              <a:rPr lang="en-US" altLang="ko-KR" dirty="0" smtClean="0"/>
+            </a:br>
+            <a:r>
+              <a:rPr lang="ko-KR" altLang="en-US" dirty="0" smtClean="0"/>
+              <a:t>받아와 분석하고 결과를 그래프와 수치로 </a:t>
+            </a:r>
+            <a:r>
+              <a:rPr lang="en-US" altLang="ko-KR" dirty="0" smtClean="0"/>
+              <a:t/>
+            </a:r>
+            <a:br>
+              <a:rPr lang="en-US" altLang="ko-KR" dirty="0" smtClean="0"/>
+            </a:br>
+            <a:r>
+              <a:rPr lang="ko-KR" altLang="en-US" dirty="0" smtClean="0"/>
+              <a:t>보여주는 어플리케이션</a:t>
+            </a:r>
+            <a:r>
+              <a:rPr lang="en-US" altLang="ko-KR" dirty="0" smtClean="0"/>
+              <a:t/>
+            </a:r>
+            <a:br>
+              <a:rPr lang="en-US" altLang="ko-KR" dirty="0" smtClean="0"/>
+            </a:br>
+            <a:endParaRPr lang="en-US" altLang="ko-KR" dirty="0" smtClean="0"/>
+          </a:p>
+          <a:p>
+            <a:r>
+              <a:rPr lang="en-US" altLang="ko-KR" dirty="0" smtClean="0"/>
+              <a:t>Python</a:t>
+            </a:r>
+            <a:r>
+              <a:rPr lang="ko-KR" altLang="en-US" dirty="0" smtClean="0"/>
+              <a:t>과 관련 패키지를 사용하여 </a:t>
+            </a:r>
+            <a:r>
+              <a:rPr lang="en-US" altLang="ko-KR" dirty="0" smtClean="0"/>
+              <a:t/>
+            </a:r>
+            <a:br>
+              <a:rPr lang="en-US" altLang="ko-KR" dirty="0" smtClean="0"/>
+            </a:br>
+            <a:r>
+              <a:rPr lang="ko-KR" altLang="en-US" dirty="0" smtClean="0"/>
+              <a:t>기능과 </a:t>
+            </a:r>
+            <a:r>
+              <a:rPr lang="en-US" altLang="ko-KR" dirty="0" smtClean="0"/>
+              <a:t>GUI</a:t>
+            </a:r>
+            <a:r>
+              <a:rPr lang="ko-KR" altLang="en-US" dirty="0" smtClean="0"/>
+              <a:t>구현</a:t>
+            </a:r>
+            <a:r>
+              <a:rPr lang="en-US" altLang="ko-KR" dirty="0" smtClean="0"/>
+              <a:t/>
+            </a:r>
+            <a:br>
+              <a:rPr lang="en-US" altLang="ko-KR" dirty="0" smtClean="0"/>
+            </a:br>
+            <a:endParaRPr lang="en-US" altLang="ko-KR" dirty="0" smtClean="0"/>
+          </a:p>
+          <a:p>
+            <a:r>
+              <a:rPr lang="ko-KR" altLang="en-US" dirty="0" smtClean="0"/>
+              <a:t>독립적으로 실행이 가능한 </a:t>
+            </a:r>
+            <a:r>
+              <a:rPr lang="en-US" altLang="ko-KR" dirty="0" smtClean="0"/>
+              <a:t/>
+            </a:r>
+            <a:br>
+              <a:rPr lang="en-US" altLang="ko-KR" dirty="0" smtClean="0"/>
+            </a:br>
+            <a:r>
+              <a:rPr lang="ko-KR" altLang="en-US" dirty="0" err="1" smtClean="0"/>
+              <a:t>배포형</a:t>
+            </a:r>
+            <a:r>
+              <a:rPr lang="ko-KR" altLang="en-US" dirty="0" smtClean="0"/>
+              <a:t> 어플리케이션</a:t>
+            </a:r>
+            <a:endParaRPr lang="ko-KR" altLang="en-US" dirty="0"/>
+          </a:p>
+        </p:txBody>
+      </p:sp>
+    </p:spTree>
+    <p:extLst>
+      <p:ext uri="{BB962C8B-B14F-4D97-AF65-F5344CB8AC3E}">
+        <p14:creationId xmlns:p14="http://schemas.microsoft.com/office/powerpoint/2010/main" val="3810244062"/>
+      </p:ext>
+    </p:extLst>
+  </p:cSld>
+  <p:clrMapOvr>
+    <a:masterClrMapping/>
+  </p:clrMapOvr>
+</p:sld>
+</file>
+
 <file path=ppt/theme/theme1.xml><?xml version="1.0" encoding="utf-8"?>
 <a:theme xmlns:a="http://schemas.openxmlformats.org/drawingml/2006/main" name="모양">
   <a:themeElements>

--- a/중간프로젝트2차_금융상품 분석툴20191224.pptx
+++ b/중간프로젝트2차_금융상품 분석툴20191224.pptx
@@ -7,6 +7,9 @@
   <p:sldIdLst>
     <p:sldId id="256" r:id="rId2"/>
     <p:sldId id="258" r:id="rId3"/>
+    <p:sldId id="259" r:id="rId4"/>
+    <p:sldId id="260" r:id="rId5"/>
+    <p:sldId id="261" r:id="rId6"/>
   </p:sldIdLst>
   <p:sldSz cx="9144000" cy="6858000" type="screen4x3"/>
   <p:notesSz cx="6858000" cy="9144000"/>
@@ -414,7 +417,7 @@
           <a:p>
             <a:fld id="{83FFDC18-3446-49FF-8821-C5722B72D633}" type="datetimeFigureOut">
               <a:rPr lang="ko-KR" altLang="en-US" smtClean="0"/>
-              <a:t>2019-12-26</a:t>
+              <a:t>2019-12-27</a:t>
             </a:fld>
             <a:endParaRPr lang="ko-KR" altLang="en-US"/>
           </a:p>
@@ -599,7 +602,7 @@
           <a:p>
             <a:fld id="{83FFDC18-3446-49FF-8821-C5722B72D633}" type="datetimeFigureOut">
               <a:rPr lang="ko-KR" altLang="en-US" smtClean="0"/>
-              <a:t>2019-12-26</a:t>
+              <a:t>2019-12-27</a:t>
             </a:fld>
             <a:endParaRPr lang="ko-KR" altLang="en-US"/>
           </a:p>
@@ -784,7 +787,7 @@
           <a:p>
             <a:fld id="{83FFDC18-3446-49FF-8821-C5722B72D633}" type="datetimeFigureOut">
               <a:rPr lang="ko-KR" altLang="en-US" smtClean="0"/>
-              <a:t>2019-12-26</a:t>
+              <a:t>2019-12-27</a:t>
             </a:fld>
             <a:endParaRPr lang="ko-KR" altLang="en-US"/>
           </a:p>
@@ -969,7 +972,7 @@
           <a:p>
             <a:fld id="{83FFDC18-3446-49FF-8821-C5722B72D633}" type="datetimeFigureOut">
               <a:rPr lang="ko-KR" altLang="en-US" smtClean="0"/>
-              <a:t>2019-12-26</a:t>
+              <a:t>2019-12-27</a:t>
             </a:fld>
             <a:endParaRPr lang="ko-KR" altLang="en-US"/>
           </a:p>
@@ -1350,7 +1353,7 @@
           <a:p>
             <a:fld id="{83FFDC18-3446-49FF-8821-C5722B72D633}" type="datetimeFigureOut">
               <a:rPr lang="ko-KR" altLang="en-US" smtClean="0"/>
-              <a:t>2019-12-26</a:t>
+              <a:t>2019-12-27</a:t>
             </a:fld>
             <a:endParaRPr lang="ko-KR" altLang="en-US"/>
           </a:p>
@@ -1619,7 +1622,7 @@
           <a:p>
             <a:fld id="{83FFDC18-3446-49FF-8821-C5722B72D633}" type="datetimeFigureOut">
               <a:rPr lang="ko-KR" altLang="en-US" smtClean="0"/>
-              <a:t>2019-12-26</a:t>
+              <a:t>2019-12-27</a:t>
             </a:fld>
             <a:endParaRPr lang="ko-KR" altLang="en-US"/>
           </a:p>
@@ -2004,7 +2007,7 @@
           <a:p>
             <a:fld id="{83FFDC18-3446-49FF-8821-C5722B72D633}" type="datetimeFigureOut">
               <a:rPr lang="ko-KR" altLang="en-US" smtClean="0"/>
-              <a:t>2019-12-26</a:t>
+              <a:t>2019-12-27</a:t>
             </a:fld>
             <a:endParaRPr lang="ko-KR" altLang="en-US"/>
           </a:p>
@@ -2125,7 +2128,7 @@
           <a:p>
             <a:fld id="{83FFDC18-3446-49FF-8821-C5722B72D633}" type="datetimeFigureOut">
               <a:rPr lang="ko-KR" altLang="en-US" smtClean="0"/>
-              <a:t>2019-12-26</a:t>
+              <a:t>2019-12-27</a:t>
             </a:fld>
             <a:endParaRPr lang="ko-KR" altLang="en-US"/>
           </a:p>
@@ -2305,7 +2308,7 @@
           <a:p>
             <a:fld id="{83FFDC18-3446-49FF-8821-C5722B72D633}" type="datetimeFigureOut">
               <a:rPr lang="ko-KR" altLang="en-US" smtClean="0"/>
-              <a:t>2019-12-26</a:t>
+              <a:t>2019-12-27</a:t>
             </a:fld>
             <a:endParaRPr lang="ko-KR" altLang="en-US"/>
           </a:p>
@@ -2639,7 +2642,7 @@
           <a:p>
             <a:fld id="{83FFDC18-3446-49FF-8821-C5722B72D633}" type="datetimeFigureOut">
               <a:rPr lang="ko-KR" altLang="en-US" smtClean="0"/>
-              <a:t>2019-12-26</a:t>
+              <a:t>2019-12-27</a:t>
             </a:fld>
             <a:endParaRPr lang="ko-KR" altLang="en-US"/>
           </a:p>
@@ -3008,7 +3011,7 @@
           <a:p>
             <a:fld id="{83FFDC18-3446-49FF-8821-C5722B72D633}" type="datetimeFigureOut">
               <a:rPr lang="ko-KR" altLang="en-US" smtClean="0"/>
-              <a:t>2019-12-26</a:t>
+              <a:t>2019-12-27</a:t>
             </a:fld>
             <a:endParaRPr lang="ko-KR" altLang="en-US"/>
           </a:p>
@@ -3426,7 +3429,7 @@
           <a:p>
             <a:fld id="{83FFDC18-3446-49FF-8821-C5722B72D633}" type="datetimeFigureOut">
               <a:rPr lang="ko-KR" altLang="en-US" smtClean="0"/>
-              <a:t>2019-12-26</a:t>
+              <a:t>2019-12-27</a:t>
             </a:fld>
             <a:endParaRPr lang="ko-KR" altLang="en-US"/>
           </a:p>
@@ -3966,7 +3969,7 @@
         </p:nvSpPr>
         <p:spPr>
           <a:xfrm>
-            <a:off x="502920" y="4869160"/>
+            <a:off x="467544" y="5013176"/>
             <a:ext cx="8183880" cy="1051560"/>
           </a:xfrm>
         </p:spPr>
@@ -3976,7 +3979,11 @@
           <a:p>
             <a:r>
               <a:rPr lang="ko-KR" altLang="en-US" dirty="0" smtClean="0"/>
-              <a:t>주제</a:t>
+              <a:t>개</a:t>
+            </a:r>
+            <a:r>
+              <a:rPr lang="ko-KR" altLang="en-US" dirty="0"/>
+              <a:t>요</a:t>
             </a:r>
             <a:endParaRPr lang="ko-KR" altLang="en-US" dirty="0"/>
           </a:p>
@@ -3999,7 +4006,11 @@
           <a:p>
             <a:r>
               <a:rPr lang="ko-KR" altLang="en-US" dirty="0" smtClean="0"/>
-              <a:t>인터넷으로 특정 금융 상품의 시세정보를 </a:t>
+              <a:t>인터넷으로 특정 금융 상품의 </a:t>
+            </a:r>
+            <a:r>
+              <a:rPr lang="ko-KR" altLang="en-US" dirty="0" smtClean="0"/>
+              <a:t>시세정보를 </a:t>
             </a:r>
             <a:r>
               <a:rPr lang="en-US" altLang="ko-KR" dirty="0" smtClean="0"/>
@@ -4097,6 +4108,473 @@
     <p:extLst>
       <p:ext uri="{BB962C8B-B14F-4D97-AF65-F5344CB8AC3E}">
         <p14:creationId xmlns:p14="http://schemas.microsoft.com/office/powerpoint/2010/main" val="3810244062"/>
+      </p:ext>
+    </p:extLst>
+  </p:cSld>
+  <p:clrMapOvr>
+    <a:masterClrMapping/>
+  </p:clrMapOvr>
+</p:sld>
+</file>
+
+<file path=ppt/slides/slide3.xml><?xml version="1.0" encoding="utf-8"?>
+<p:sld xmlns:a="http://schemas.openxmlformats.org/drawingml/2006/main" xmlns:r="http://schemas.openxmlformats.org/officeDocument/2006/relationships" xmlns:p="http://schemas.openxmlformats.org/presentationml/2006/main">
+  <p:cSld>
+    <p:spTree>
+      <p:nvGrpSpPr>
+        <p:cNvPr id="1" name=""/>
+        <p:cNvGrpSpPr/>
+        <p:nvPr/>
+      </p:nvGrpSpPr>
+      <p:grpSpPr>
+        <a:xfrm>
+          <a:off x="0" y="0"/>
+          <a:ext cx="0" cy="0"/>
+          <a:chOff x="0" y="0"/>
+          <a:chExt cx="0" cy="0"/>
+        </a:xfrm>
+      </p:grpSpPr>
+      <p:sp>
+        <p:nvSpPr>
+          <p:cNvPr id="2" name="제목 1"/>
+          <p:cNvSpPr>
+            <a:spLocks noGrp="1"/>
+          </p:cNvSpPr>
+          <p:nvPr>
+            <p:ph type="title"/>
+          </p:nvPr>
+        </p:nvSpPr>
+        <p:spPr/>
+        <p:txBody>
+          <a:bodyPr/>
+          <a:lstStyle/>
+          <a:p>
+            <a:r>
+              <a:rPr lang="ko-KR" altLang="en-US" dirty="0" smtClean="0"/>
+              <a:t>소개</a:t>
+            </a:r>
+            <a:endParaRPr lang="ko-KR" altLang="en-US" dirty="0"/>
+          </a:p>
+        </p:txBody>
+      </p:sp>
+      <p:sp>
+        <p:nvSpPr>
+          <p:cNvPr id="3" name="내용 개체 틀 2"/>
+          <p:cNvSpPr>
+            <a:spLocks noGrp="1"/>
+          </p:cNvSpPr>
+          <p:nvPr>
+            <p:ph idx="1"/>
+          </p:nvPr>
+        </p:nvSpPr>
+        <p:spPr/>
+        <p:txBody>
+          <a:bodyPr/>
+          <a:lstStyle/>
+          <a:p>
+            <a:r>
+              <a:rPr lang="ko-KR" altLang="en-US" dirty="0" smtClean="0"/>
+              <a:t>상품의 코드 또는 심볼을 입력하고 </a:t>
+            </a:r>
+            <a:r>
+              <a:rPr lang="en-US" altLang="ko-KR" dirty="0" smtClean="0"/>
+              <a:t>start </a:t>
+            </a:r>
+            <a:r>
+              <a:rPr lang="ko-KR" altLang="en-US" dirty="0" smtClean="0"/>
+              <a:t>버튼은 누르면</a:t>
+            </a:r>
+            <a:endParaRPr lang="en-US" altLang="ko-KR" dirty="0" smtClean="0"/>
+          </a:p>
+          <a:p>
+            <a:endParaRPr lang="ko-KR" altLang="en-US" dirty="0"/>
+          </a:p>
+        </p:txBody>
+      </p:sp>
+    </p:spTree>
+    <p:extLst>
+      <p:ext uri="{BB962C8B-B14F-4D97-AF65-F5344CB8AC3E}">
+        <p14:creationId xmlns:p14="http://schemas.microsoft.com/office/powerpoint/2010/main" val="2289831057"/>
+      </p:ext>
+    </p:extLst>
+  </p:cSld>
+  <p:clrMapOvr>
+    <a:masterClrMapping/>
+  </p:clrMapOvr>
+</p:sld>
+</file>
+
+<file path=ppt/slides/slide4.xml><?xml version="1.0" encoding="utf-8"?>
+<p:sld xmlns:a="http://schemas.openxmlformats.org/drawingml/2006/main" xmlns:r="http://schemas.openxmlformats.org/officeDocument/2006/relationships" xmlns:p="http://schemas.openxmlformats.org/presentationml/2006/main">
+  <p:cSld>
+    <p:spTree>
+      <p:nvGrpSpPr>
+        <p:cNvPr id="1" name=""/>
+        <p:cNvGrpSpPr/>
+        <p:nvPr/>
+      </p:nvGrpSpPr>
+      <p:grpSpPr>
+        <a:xfrm>
+          <a:off x="0" y="0"/>
+          <a:ext cx="0" cy="0"/>
+          <a:chOff x="0" y="0"/>
+          <a:chExt cx="0" cy="0"/>
+        </a:xfrm>
+      </p:grpSpPr>
+      <p:sp>
+        <p:nvSpPr>
+          <p:cNvPr id="2" name="제목 1"/>
+          <p:cNvSpPr>
+            <a:spLocks noGrp="1"/>
+          </p:cNvSpPr>
+          <p:nvPr>
+            <p:ph type="title"/>
+          </p:nvPr>
+        </p:nvSpPr>
+        <p:spPr/>
+        <p:txBody>
+          <a:bodyPr/>
+          <a:lstStyle/>
+          <a:p>
+            <a:r>
+              <a:rPr lang="ko-KR" altLang="en-US" dirty="0" smtClean="0"/>
+              <a:t>내</a:t>
+            </a:r>
+            <a:r>
+              <a:rPr lang="ko-KR" altLang="en-US" dirty="0"/>
+              <a:t>용</a:t>
+            </a:r>
+          </a:p>
+        </p:txBody>
+      </p:sp>
+      <p:sp>
+        <p:nvSpPr>
+          <p:cNvPr id="3" name="내용 개체 틀 2"/>
+          <p:cNvSpPr>
+            <a:spLocks noGrp="1"/>
+          </p:cNvSpPr>
+          <p:nvPr>
+            <p:ph idx="1"/>
+          </p:nvPr>
+        </p:nvSpPr>
+        <p:spPr/>
+        <p:txBody>
+          <a:bodyPr/>
+          <a:lstStyle/>
+          <a:p>
+            <a:r>
+              <a:rPr lang="ko-KR" altLang="en-US" dirty="0" smtClean="0"/>
+              <a:t>개발 언어</a:t>
+            </a:r>
+            <a:endParaRPr lang="en-US" altLang="ko-KR" dirty="0" smtClean="0"/>
+          </a:p>
+          <a:p>
+            <a:pPr lvl="1"/>
+            <a:r>
+              <a:rPr lang="en-US" altLang="ko-KR" dirty="0" smtClean="0"/>
+              <a:t>Python</a:t>
+            </a:r>
+          </a:p>
+          <a:p>
+            <a:pPr lvl="1"/>
+            <a:endParaRPr lang="en-US" altLang="ko-KR" dirty="0" smtClean="0"/>
+          </a:p>
+          <a:p>
+            <a:r>
+              <a:rPr lang="ko-KR" altLang="en-US" dirty="0" smtClean="0"/>
+              <a:t>라이브러리</a:t>
+            </a:r>
+            <a:r>
+              <a:rPr lang="en-US" altLang="ko-KR" dirty="0" smtClean="0"/>
+              <a:t>, </a:t>
+            </a:r>
+            <a:r>
+              <a:rPr lang="ko-KR" altLang="en-US" dirty="0" smtClean="0"/>
+              <a:t>툴</a:t>
+            </a:r>
+            <a:endParaRPr lang="en-US" altLang="ko-KR" dirty="0" smtClean="0"/>
+          </a:p>
+          <a:p>
+            <a:pPr lvl="1"/>
+            <a:r>
+              <a:rPr lang="en-US" altLang="ko-KR" dirty="0" smtClean="0"/>
+              <a:t>pandas, </a:t>
+            </a:r>
+            <a:r>
+              <a:rPr lang="en-US" altLang="ko-KR" dirty="0" err="1" smtClean="0"/>
+              <a:t>numpy</a:t>
+            </a:r>
+            <a:r>
+              <a:rPr lang="en-US" altLang="ko-KR" dirty="0" smtClean="0"/>
+              <a:t> :  </a:t>
+            </a:r>
+            <a:r>
+              <a:rPr lang="ko-KR" altLang="en-US" dirty="0" smtClean="0"/>
+              <a:t>데이터 </a:t>
+            </a:r>
+            <a:r>
+              <a:rPr lang="ko-KR" altLang="en-US" dirty="0" err="1" smtClean="0"/>
+              <a:t>처리및</a:t>
+            </a:r>
+            <a:r>
+              <a:rPr lang="ko-KR" altLang="en-US" dirty="0" smtClean="0"/>
+              <a:t>  통</a:t>
+            </a:r>
+            <a:r>
+              <a:rPr lang="ko-KR" altLang="en-US" dirty="0"/>
+              <a:t>계</a:t>
+            </a:r>
+            <a:r>
+              <a:rPr lang="ko-KR" altLang="en-US" dirty="0" smtClean="0"/>
+              <a:t>함수</a:t>
+            </a:r>
+            <a:r>
+              <a:rPr lang="en-US" altLang="ko-KR" dirty="0" smtClean="0"/>
+              <a:t> </a:t>
+            </a:r>
+          </a:p>
+          <a:p>
+            <a:pPr lvl="1"/>
+            <a:r>
+              <a:rPr lang="en-US" altLang="ko-KR" dirty="0" smtClean="0"/>
+              <a:t>pandas-</a:t>
+            </a:r>
+            <a:r>
+              <a:rPr lang="en-US" altLang="ko-KR" dirty="0" err="1" smtClean="0"/>
+              <a:t>datareader</a:t>
+            </a:r>
+            <a:r>
+              <a:rPr lang="en-US" altLang="ko-KR" dirty="0" smtClean="0"/>
+              <a:t>:  </a:t>
+            </a:r>
+            <a:r>
+              <a:rPr lang="ko-KR" altLang="en-US" dirty="0" smtClean="0"/>
+              <a:t>시세정보 조회</a:t>
+            </a:r>
+            <a:r>
+              <a:rPr lang="en-US" altLang="ko-KR" dirty="0" smtClean="0"/>
+              <a:t> </a:t>
+            </a:r>
+          </a:p>
+          <a:p>
+            <a:pPr lvl="1"/>
+            <a:r>
+              <a:rPr lang="en-US" altLang="ko-KR" dirty="0" err="1" smtClean="0"/>
+              <a:t>matplotlib</a:t>
+            </a:r>
+            <a:r>
+              <a:rPr lang="en-US" altLang="ko-KR" dirty="0" smtClean="0"/>
+              <a:t> : </a:t>
+            </a:r>
+            <a:r>
+              <a:rPr lang="ko-KR" altLang="en-US" dirty="0" smtClean="0"/>
+              <a:t>차트 그래프</a:t>
+            </a:r>
+            <a:endParaRPr lang="en-US" altLang="ko-KR" dirty="0" smtClean="0"/>
+          </a:p>
+          <a:p>
+            <a:pPr lvl="1"/>
+            <a:r>
+              <a:rPr lang="en-US" altLang="ko-KR" dirty="0" smtClean="0"/>
+              <a:t>PyQt5, PyQt5-tools: GUI </a:t>
+            </a:r>
+            <a:r>
+              <a:rPr lang="ko-KR" altLang="en-US" dirty="0" smtClean="0"/>
+              <a:t>라이브러리</a:t>
+            </a:r>
+            <a:r>
+              <a:rPr lang="en-US" altLang="ko-KR" dirty="0" smtClean="0"/>
+              <a:t>, GUI </a:t>
+            </a:r>
+            <a:r>
+              <a:rPr lang="ko-KR" altLang="en-US" dirty="0" smtClean="0"/>
+              <a:t>툴</a:t>
+            </a:r>
+            <a:endParaRPr lang="en-US" altLang="ko-KR" dirty="0" smtClean="0"/>
+          </a:p>
+          <a:p>
+            <a:pPr lvl="1"/>
+            <a:r>
+              <a:rPr lang="en-US" altLang="ko-KR" dirty="0" err="1" smtClean="0"/>
+              <a:t>pyinstaller</a:t>
+            </a:r>
+            <a:r>
+              <a:rPr lang="en-US" altLang="ko-KR" dirty="0" smtClean="0"/>
+              <a:t> : exe </a:t>
+            </a:r>
+            <a:r>
+              <a:rPr lang="ko-KR" altLang="en-US" dirty="0" err="1" smtClean="0"/>
+              <a:t>배포툴</a:t>
+            </a:r>
+            <a:endParaRPr lang="en-US" altLang="ko-KR" dirty="0" smtClean="0"/>
+          </a:p>
+          <a:p>
+            <a:pPr lvl="1"/>
+            <a:endParaRPr lang="en-US" altLang="ko-KR" dirty="0" smtClean="0"/>
+          </a:p>
+          <a:p>
+            <a:endParaRPr lang="ko-KR" altLang="en-US" dirty="0"/>
+          </a:p>
+        </p:txBody>
+      </p:sp>
+    </p:spTree>
+    <p:extLst>
+      <p:ext uri="{BB962C8B-B14F-4D97-AF65-F5344CB8AC3E}">
+        <p14:creationId xmlns:p14="http://schemas.microsoft.com/office/powerpoint/2010/main" val="796276897"/>
+      </p:ext>
+    </p:extLst>
+  </p:cSld>
+  <p:clrMapOvr>
+    <a:masterClrMapping/>
+  </p:clrMapOvr>
+</p:sld>
+</file>
+
+<file path=ppt/slides/slide5.xml><?xml version="1.0" encoding="utf-8"?>
+<p:sld xmlns:a="http://schemas.openxmlformats.org/drawingml/2006/main" xmlns:r="http://schemas.openxmlformats.org/officeDocument/2006/relationships" xmlns:p="http://schemas.openxmlformats.org/presentationml/2006/main">
+  <p:cSld>
+    <p:spTree>
+      <p:nvGrpSpPr>
+        <p:cNvPr id="1" name=""/>
+        <p:cNvGrpSpPr/>
+        <p:nvPr/>
+      </p:nvGrpSpPr>
+      <p:grpSpPr>
+        <a:xfrm>
+          <a:off x="0" y="0"/>
+          <a:ext cx="0" cy="0"/>
+          <a:chOff x="0" y="0"/>
+          <a:chExt cx="0" cy="0"/>
+        </a:xfrm>
+      </p:grpSpPr>
+      <p:sp>
+        <p:nvSpPr>
+          <p:cNvPr id="2" name="제목 1"/>
+          <p:cNvSpPr>
+            <a:spLocks noGrp="1"/>
+          </p:cNvSpPr>
+          <p:nvPr>
+            <p:ph type="title"/>
+          </p:nvPr>
+        </p:nvSpPr>
+        <p:spPr/>
+        <p:txBody>
+          <a:bodyPr/>
+          <a:lstStyle/>
+          <a:p>
+            <a:r>
+              <a:rPr lang="ko-KR" altLang="en-US" dirty="0" smtClean="0"/>
+              <a:t>활용</a:t>
+            </a:r>
+            <a:endParaRPr lang="ko-KR" altLang="en-US" dirty="0"/>
+          </a:p>
+        </p:txBody>
+      </p:sp>
+      <p:sp>
+        <p:nvSpPr>
+          <p:cNvPr id="3" name="내용 개체 틀 2"/>
+          <p:cNvSpPr>
+            <a:spLocks noGrp="1"/>
+          </p:cNvSpPr>
+          <p:nvPr>
+            <p:ph idx="1"/>
+          </p:nvPr>
+        </p:nvSpPr>
+        <p:spPr/>
+        <p:txBody>
+          <a:bodyPr/>
+          <a:lstStyle/>
+          <a:p>
+            <a:endParaRPr lang="en-US" altLang="ko-KR" dirty="0" smtClean="0"/>
+          </a:p>
+          <a:p>
+            <a:r>
+              <a:rPr lang="ko-KR" altLang="en-US" dirty="0" smtClean="0"/>
+              <a:t>특정 금융상품을 분석할 때 필요한 다른 </a:t>
+            </a:r>
+            <a:r>
+              <a:rPr lang="ko-KR" altLang="en-US" dirty="0"/>
+              <a:t>종목과의 상관관계를 </a:t>
+            </a:r>
+            <a:r>
+              <a:rPr lang="ko-KR" altLang="en-US" dirty="0" smtClean="0"/>
+              <a:t>구체적인 </a:t>
+            </a:r>
+            <a:r>
+              <a:rPr lang="ko-KR" altLang="en-US" dirty="0"/>
+              <a:t>수치와 </a:t>
+            </a:r>
+            <a:r>
+              <a:rPr lang="ko-KR" altLang="en-US" dirty="0" smtClean="0"/>
+              <a:t>그래프정보로 언제 어디서나 </a:t>
+            </a:r>
+            <a:r>
+              <a:rPr lang="en-US" altLang="ko-KR" dirty="0" smtClean="0"/>
+              <a:t/>
+            </a:r>
+            <a:br>
+              <a:rPr lang="en-US" altLang="ko-KR" dirty="0" smtClean="0"/>
+            </a:br>
+            <a:r>
+              <a:rPr lang="ko-KR" altLang="en-US" dirty="0" smtClean="0"/>
+              <a:t>빠르고 간편하게 확인할 수 있다</a:t>
+            </a:r>
+            <a:r>
+              <a:rPr lang="en-US" altLang="ko-KR" dirty="0" smtClean="0"/>
+              <a:t>.</a:t>
+            </a:r>
+            <a:endParaRPr lang="en-US" altLang="ko-KR" dirty="0"/>
+          </a:p>
+          <a:p>
+            <a:endParaRPr lang="en-US" altLang="ko-KR" dirty="0" smtClean="0"/>
+          </a:p>
+          <a:p>
+            <a:r>
+              <a:rPr lang="ko-KR" altLang="en-US" dirty="0" smtClean="0"/>
+              <a:t>상관관계를 확인하여 </a:t>
+            </a:r>
+            <a:r>
+              <a:rPr lang="ko-KR" altLang="en-US" dirty="0" err="1" smtClean="0"/>
+              <a:t>균형잡힌</a:t>
+            </a:r>
+            <a:r>
+              <a:rPr lang="ko-KR" altLang="en-US" dirty="0" smtClean="0"/>
+              <a:t> 금융포트폴리오를 구성할 </a:t>
+            </a:r>
+            <a:r>
+              <a:rPr lang="ko-KR" altLang="en-US" dirty="0" err="1" smtClean="0"/>
+              <a:t>수있도록</a:t>
+            </a:r>
+            <a:r>
+              <a:rPr lang="ko-KR" altLang="en-US" dirty="0" smtClean="0"/>
+              <a:t> 도움을 준다</a:t>
+            </a:r>
+            <a:r>
+              <a:rPr lang="en-US" altLang="ko-KR" dirty="0" smtClean="0"/>
+              <a:t>.</a:t>
+            </a:r>
+          </a:p>
+          <a:p>
+            <a:endParaRPr lang="en-US" altLang="ko-KR" dirty="0" smtClean="0"/>
+          </a:p>
+          <a:p>
+            <a:endParaRPr lang="en-US" altLang="ko-KR" dirty="0"/>
+          </a:p>
+          <a:p>
+            <a:endParaRPr lang="en-US" altLang="ko-KR" dirty="0" smtClean="0"/>
+          </a:p>
+          <a:p>
+            <a:endParaRPr lang="en-US" altLang="ko-KR" dirty="0"/>
+          </a:p>
+          <a:p>
+            <a:endParaRPr lang="ko-KR" altLang="en-US" dirty="0"/>
+          </a:p>
+        </p:txBody>
+      </p:sp>
+    </p:spTree>
+    <p:extLst>
+      <p:ext uri="{BB962C8B-B14F-4D97-AF65-F5344CB8AC3E}">
+        <p14:creationId xmlns:p14="http://schemas.microsoft.com/office/powerpoint/2010/main" val="2478835397"/>
       </p:ext>
     </p:extLst>
   </p:cSld>
@@ -4147,22 +4625,22 @@
         <a:srgbClr val="B26B02"/>
       </a:folHlink>
     </a:clrScheme>
-    <a:fontScheme name="모양">
+    <a:fontScheme name="오렌지">
       <a:majorFont>
-        <a:latin typeface="Verdana"/>
+        <a:latin typeface="Century Schoolbook"/>
         <a:ea typeface=""/>
         <a:cs typeface=""/>
-        <a:font script="Jpan" typeface="ＭＳ ゴシック"/>
-        <a:font script="Hang" typeface="굴림"/>
-        <a:font script="Hans" typeface="微软雅黑"/>
-        <a:font script="Hant" typeface="微軟正黑體"/>
-        <a:font script="Arab" typeface="Tahoma"/>
-        <a:font script="Hebr" typeface="Tahoma"/>
-        <a:font script="Thai" typeface="FreesiaUPC"/>
+        <a:font script="Jpan" typeface="ＭＳ Ｐ明朝"/>
+        <a:font script="Hang" typeface="휴먼매직체"/>
+        <a:font script="Hans" typeface="华文楷体"/>
+        <a:font script="Hant" typeface="新細明體"/>
+        <a:font script="Arab" typeface="Times New Roman"/>
+        <a:font script="Hebr" typeface="Times New Roman"/>
+        <a:font script="Thai" typeface="KodchiangUPC"/>
         <a:font script="Ethi" typeface="Nyala"/>
         <a:font script="Beng" typeface="Vrinda"/>
         <a:font script="Gujr" typeface="Shruti"/>
-        <a:font script="Khmr" typeface="DaunPenh"/>
+        <a:font script="Khmr" typeface="MoolBoran"/>
         <a:font script="Knda" typeface="Tunga"/>
         <a:font script="Guru" typeface="Raavi"/>
         <a:font script="Cans" typeface="Euphemia"/>
@@ -4179,25 +4657,25 @@
         <a:font script="Laoo" typeface="DokChampa"/>
         <a:font script="Sinh" typeface="Iskoola Pota"/>
         <a:font script="Mong" typeface="Mongolian Baiti"/>
-        <a:font script="Viet" typeface="Verdana"/>
+        <a:font script="Viet" typeface="Times New Roman"/>
         <a:font script="Uigh" typeface="Microsoft Uighur"/>
         <a:font script="Geor" typeface="Sylfaen"/>
       </a:majorFont>
       <a:minorFont>
-        <a:latin typeface="Verdana"/>
+        <a:latin typeface="Century Schoolbook"/>
         <a:ea typeface=""/>
         <a:cs typeface=""/>
-        <a:font script="Jpan" typeface="ＭＳ ゴシック"/>
-        <a:font script="Hang" typeface="굴림"/>
-        <a:font script="Hans" typeface="微软雅黑"/>
-        <a:font script="Hant" typeface="微軟正黑體"/>
-        <a:font script="Arab" typeface="Tahoma"/>
-        <a:font script="Hebr" typeface="Tahoma"/>
-        <a:font script="Thai" typeface="FreesiaUPC"/>
+        <a:font script="Jpan" typeface="ＭＳ Ｐ明朝"/>
+        <a:font script="Hang" typeface="휴먼매직체"/>
+        <a:font script="Hans" typeface="宋体"/>
+        <a:font script="Hant" typeface="新細明體"/>
+        <a:font script="Arab" typeface="Times New Roman"/>
+        <a:font script="Hebr" typeface="Times New Roman"/>
+        <a:font script="Thai" typeface="KodchiangUPC"/>
         <a:font script="Ethi" typeface="Nyala"/>
         <a:font script="Beng" typeface="Vrinda"/>
         <a:font script="Gujr" typeface="Shruti"/>
-        <a:font script="Khmr" typeface="DaunPenh"/>
+        <a:font script="Khmr" typeface="MoolBoran"/>
         <a:font script="Knda" typeface="Tunga"/>
         <a:font script="Guru" typeface="Raavi"/>
         <a:font script="Cans" typeface="Euphemia"/>
@@ -4214,7 +4692,7 @@
         <a:font script="Laoo" typeface="DokChampa"/>
         <a:font script="Sinh" typeface="Iskoola Pota"/>
         <a:font script="Mong" typeface="Mongolian Baiti"/>
-        <a:font script="Viet" typeface="Verdana"/>
+        <a:font script="Viet" typeface="Times New Roman"/>
         <a:font script="Uigh" typeface="Microsoft Uighur"/>
         <a:font script="Geor" typeface="Sylfaen"/>
       </a:minorFont>

--- a/중간프로젝트2차_금융상품 분석툴20191224.pptx
+++ b/중간프로젝트2차_금융상품 분석툴20191224.pptx
@@ -417,7 +417,7 @@
           <a:p>
             <a:fld id="{83FFDC18-3446-49FF-8821-C5722B72D633}" type="datetimeFigureOut">
               <a:rPr lang="ko-KR" altLang="en-US" smtClean="0"/>
-              <a:t>2019-12-27</a:t>
+              <a:t>2019-12-29</a:t>
             </a:fld>
             <a:endParaRPr lang="ko-KR" altLang="en-US"/>
           </a:p>
@@ -602,7 +602,7 @@
           <a:p>
             <a:fld id="{83FFDC18-3446-49FF-8821-C5722B72D633}" type="datetimeFigureOut">
               <a:rPr lang="ko-KR" altLang="en-US" smtClean="0"/>
-              <a:t>2019-12-27</a:t>
+              <a:t>2019-12-29</a:t>
             </a:fld>
             <a:endParaRPr lang="ko-KR" altLang="en-US"/>
           </a:p>
@@ -787,7 +787,7 @@
           <a:p>
             <a:fld id="{83FFDC18-3446-49FF-8821-C5722B72D633}" type="datetimeFigureOut">
               <a:rPr lang="ko-KR" altLang="en-US" smtClean="0"/>
-              <a:t>2019-12-27</a:t>
+              <a:t>2019-12-29</a:t>
             </a:fld>
             <a:endParaRPr lang="ko-KR" altLang="en-US"/>
           </a:p>
@@ -972,7 +972,7 @@
           <a:p>
             <a:fld id="{83FFDC18-3446-49FF-8821-C5722B72D633}" type="datetimeFigureOut">
               <a:rPr lang="ko-KR" altLang="en-US" smtClean="0"/>
-              <a:t>2019-12-27</a:t>
+              <a:t>2019-12-29</a:t>
             </a:fld>
             <a:endParaRPr lang="ko-KR" altLang="en-US"/>
           </a:p>
@@ -1353,7 +1353,7 @@
           <a:p>
             <a:fld id="{83FFDC18-3446-49FF-8821-C5722B72D633}" type="datetimeFigureOut">
               <a:rPr lang="ko-KR" altLang="en-US" smtClean="0"/>
-              <a:t>2019-12-27</a:t>
+              <a:t>2019-12-29</a:t>
             </a:fld>
             <a:endParaRPr lang="ko-KR" altLang="en-US"/>
           </a:p>
@@ -1622,7 +1622,7 @@
           <a:p>
             <a:fld id="{83FFDC18-3446-49FF-8821-C5722B72D633}" type="datetimeFigureOut">
               <a:rPr lang="ko-KR" altLang="en-US" smtClean="0"/>
-              <a:t>2019-12-27</a:t>
+              <a:t>2019-12-29</a:t>
             </a:fld>
             <a:endParaRPr lang="ko-KR" altLang="en-US"/>
           </a:p>
@@ -2007,7 +2007,7 @@
           <a:p>
             <a:fld id="{83FFDC18-3446-49FF-8821-C5722B72D633}" type="datetimeFigureOut">
               <a:rPr lang="ko-KR" altLang="en-US" smtClean="0"/>
-              <a:t>2019-12-27</a:t>
+              <a:t>2019-12-29</a:t>
             </a:fld>
             <a:endParaRPr lang="ko-KR" altLang="en-US"/>
           </a:p>
@@ -2128,7 +2128,7 @@
           <a:p>
             <a:fld id="{83FFDC18-3446-49FF-8821-C5722B72D633}" type="datetimeFigureOut">
               <a:rPr lang="ko-KR" altLang="en-US" smtClean="0"/>
-              <a:t>2019-12-27</a:t>
+              <a:t>2019-12-29</a:t>
             </a:fld>
             <a:endParaRPr lang="ko-KR" altLang="en-US"/>
           </a:p>
@@ -2308,7 +2308,7 @@
           <a:p>
             <a:fld id="{83FFDC18-3446-49FF-8821-C5722B72D633}" type="datetimeFigureOut">
               <a:rPr lang="ko-KR" altLang="en-US" smtClean="0"/>
-              <a:t>2019-12-27</a:t>
+              <a:t>2019-12-29</a:t>
             </a:fld>
             <a:endParaRPr lang="ko-KR" altLang="en-US"/>
           </a:p>
@@ -2642,7 +2642,7 @@
           <a:p>
             <a:fld id="{83FFDC18-3446-49FF-8821-C5722B72D633}" type="datetimeFigureOut">
               <a:rPr lang="ko-KR" altLang="en-US" smtClean="0"/>
-              <a:t>2019-12-27</a:t>
+              <a:t>2019-12-29</a:t>
             </a:fld>
             <a:endParaRPr lang="ko-KR" altLang="en-US"/>
           </a:p>
@@ -3011,7 +3011,7 @@
           <a:p>
             <a:fld id="{83FFDC18-3446-49FF-8821-C5722B72D633}" type="datetimeFigureOut">
               <a:rPr lang="ko-KR" altLang="en-US" smtClean="0"/>
-              <a:t>2019-12-27</a:t>
+              <a:t>2019-12-29</a:t>
             </a:fld>
             <a:endParaRPr lang="ko-KR" altLang="en-US"/>
           </a:p>
@@ -3429,7 +3429,7 @@
           <a:p>
             <a:fld id="{83FFDC18-3446-49FF-8821-C5722B72D633}" type="datetimeFigureOut">
               <a:rPr lang="ko-KR" altLang="en-US" smtClean="0"/>
-              <a:t>2019-12-27</a:t>
+              <a:t>2019-12-29</a:t>
             </a:fld>
             <a:endParaRPr lang="ko-KR" altLang="en-US"/>
           </a:p>
@@ -3985,7 +3985,6 @@
               <a:rPr lang="ko-KR" altLang="en-US" dirty="0"/>
               <a:t>요</a:t>
             </a:r>
-            <a:endParaRPr lang="ko-KR" altLang="en-US" dirty="0"/>
           </a:p>
         </p:txBody>
       </p:sp>
@@ -4006,11 +4005,7 @@
           <a:p>
             <a:r>
               <a:rPr lang="ko-KR" altLang="en-US" dirty="0" smtClean="0"/>
-              <a:t>인터넷으로 특정 금융 상품의 </a:t>
-            </a:r>
-            <a:r>
-              <a:rPr lang="ko-KR" altLang="en-US" dirty="0" smtClean="0"/>
-              <a:t>시세정보를 </a:t>
+              <a:t>인터넷으로 특정 금융 상품의 시세정보를 </a:t>
             </a:r>
             <a:r>
               <a:rPr lang="en-US" altLang="ko-KR" dirty="0" smtClean="0"/>
@@ -4257,14 +4252,28 @@
             <p:ph idx="1"/>
           </p:nvPr>
         </p:nvSpPr>
-        <p:spPr/>
-        <p:txBody>
-          <a:bodyPr/>
+        <p:spPr>
+          <a:xfrm>
+            <a:off x="502920" y="530352"/>
+            <a:ext cx="8183880" cy="4626840"/>
+          </a:xfrm>
+        </p:spPr>
+        <p:txBody>
+          <a:bodyPr>
+            <a:normAutofit fontScale="92500" lnSpcReduction="20000"/>
+          </a:bodyPr>
           <a:lstStyle/>
           <a:p>
+            <a:endParaRPr lang="en-US" altLang="ko-KR" dirty="0" smtClean="0"/>
+          </a:p>
+          <a:p>
             <a:r>
               <a:rPr lang="ko-KR" altLang="en-US" dirty="0" smtClean="0"/>
-              <a:t>개발 언어</a:t>
+              <a:t>개발 </a:t>
+            </a:r>
+            <a:r>
+              <a:rPr lang="ko-KR" altLang="en-US" dirty="0" smtClean="0"/>
+              <a:t>언어</a:t>
             </a:r>
             <a:endParaRPr lang="en-US" altLang="ko-KR" dirty="0" smtClean="0"/>
           </a:p>
@@ -4410,6 +4419,43 @@
           </a:p>
           <a:p>
             <a:pPr lvl="1"/>
+            <a:endParaRPr lang="en-US" altLang="ko-KR" dirty="0"/>
+          </a:p>
+          <a:p>
+            <a:r>
+              <a:rPr lang="ko-KR" altLang="en-US" dirty="0" smtClean="0"/>
+              <a:t>심볼 데이터</a:t>
+            </a:r>
+            <a:endParaRPr lang="en-US" altLang="ko-KR" dirty="0" smtClean="0"/>
+          </a:p>
+          <a:p>
+            <a:pPr lvl="1"/>
+            <a:r>
+              <a:rPr lang="en-US" altLang="ko-KR" dirty="0">
+                <a:hlinkClick r:id="rId2"/>
+              </a:rPr>
+              <a:t>https://kind.krx.co.kr</a:t>
+            </a:r>
+            <a:r>
+              <a:rPr lang="en-US" altLang="ko-KR" dirty="0"/>
+              <a:t> </a:t>
+            </a:r>
+            <a:r>
+              <a:rPr lang="en-US" altLang="ko-KR" dirty="0" smtClean="0"/>
+              <a:t>, </a:t>
+            </a:r>
+            <a:r>
+              <a:rPr lang="en-US" altLang="ko-KR" dirty="0" smtClean="0">
+                <a:hlinkClick r:id="rId3"/>
+              </a:rPr>
+              <a:t>www.nasdaq.com</a:t>
+            </a:r>
+            <a:r>
+              <a:rPr lang="en-US" altLang="ko-KR" dirty="0">
+                <a:hlinkClick r:id="rId3"/>
+              </a:rPr>
+              <a:t>/</a:t>
+            </a:r>
             <a:endParaRPr lang="en-US" altLang="ko-KR" dirty="0" smtClean="0"/>
           </a:p>
           <a:p>
@@ -4482,7 +4528,9 @@
         </p:nvSpPr>
         <p:spPr/>
         <p:txBody>
-          <a:bodyPr/>
+          <a:bodyPr>
+            <a:normAutofit fontScale="92500" lnSpcReduction="20000"/>
+          </a:bodyPr>
           <a:lstStyle/>
           <a:p>
             <a:endParaRPr lang="en-US" altLang="ko-KR" dirty="0" smtClean="0"/>
@@ -4490,23 +4538,19 @@
           <a:p>
             <a:r>
               <a:rPr lang="ko-KR" altLang="en-US" dirty="0" smtClean="0"/>
-              <a:t>특정 금융상품을 분석할 때 필요한 다른 </a:t>
+              <a:t>특정 </a:t>
+            </a:r>
+            <a:r>
+              <a:rPr lang="ko-KR" altLang="en-US" dirty="0" smtClean="0"/>
+              <a:t>금융상품과 다른 </a:t>
             </a:r>
             <a:r>
               <a:rPr lang="ko-KR" altLang="en-US" dirty="0"/>
-              <a:t>종목과의 상관관계를 </a:t>
+              <a:t>종목과의 </a:t>
             </a:r>
             <a:r>
               <a:rPr lang="ko-KR" altLang="en-US" dirty="0" smtClean="0"/>
-              <a:t>구체적인 </a:t>
-            </a:r>
-            <a:r>
-              <a:rPr lang="ko-KR" altLang="en-US" dirty="0"/>
-              <a:t>수치와 </a:t>
-            </a:r>
-            <a:r>
-              <a:rPr lang="ko-KR" altLang="en-US" dirty="0" smtClean="0"/>
-              <a:t>그래프정보로 언제 어디서나 </a:t>
+              <a:t>상관관계 정보</a:t>
             </a:r>
             <a:r>
               <a:rPr lang="en-US" altLang="ko-KR" dirty="0" smtClean="0"/>
@@ -4517,21 +4561,59 @@
             </a:br>
             <a:r>
               <a:rPr lang="ko-KR" altLang="en-US" dirty="0" smtClean="0"/>
-              <a:t>빠르고 간편하게 확인할 수 있다</a:t>
+              <a:t>를 현 시점 시세가 적용된 구체적인 </a:t>
+            </a:r>
+            <a:r>
+              <a:rPr lang="ko-KR" altLang="en-US" dirty="0"/>
+              <a:t>수치와 </a:t>
+            </a:r>
+            <a:r>
+              <a:rPr lang="en-US" altLang="ko-KR" dirty="0" smtClean="0"/>
+              <a:t/>
+            </a:r>
+            <a:br>
+              <a:rPr lang="en-US" altLang="ko-KR" dirty="0" smtClean="0"/>
+            </a:br>
+            <a:r>
+              <a:rPr lang="ko-KR" altLang="en-US" dirty="0" smtClean="0"/>
+              <a:t>그래프정보로 </a:t>
+            </a:r>
+            <a:r>
+              <a:rPr lang="ko-KR" altLang="en-US" dirty="0" smtClean="0"/>
+              <a:t>언제 어디서나 </a:t>
+            </a:r>
+            <a:r>
+              <a:rPr lang="en-US" altLang="ko-KR" dirty="0" smtClean="0"/>
+              <a:t/>
+            </a:r>
+            <a:br>
+              <a:rPr lang="en-US" altLang="ko-KR" dirty="0" smtClean="0"/>
+            </a:br>
+            <a:r>
+              <a:rPr lang="ko-KR" altLang="en-US" dirty="0" smtClean="0"/>
+              <a:t>빠르고 </a:t>
+            </a:r>
+            <a:r>
+              <a:rPr lang="ko-KR" altLang="en-US" dirty="0" smtClean="0"/>
+              <a:t>간편하게 확인할 수 있다</a:t>
             </a:r>
             <a:r>
               <a:rPr lang="en-US" altLang="ko-KR" dirty="0" smtClean="0"/>
               <a:t>.</a:t>
             </a:r>
+            <a:br>
+              <a:rPr lang="en-US" altLang="ko-KR" dirty="0" smtClean="0"/>
+            </a:br>
             <a:endParaRPr lang="en-US" altLang="ko-KR" dirty="0"/>
           </a:p>
           <a:p>
-            <a:endParaRPr lang="en-US" altLang="ko-KR" dirty="0" smtClean="0"/>
-          </a:p>
-          <a:p>
             <a:r>
               <a:rPr lang="ko-KR" altLang="en-US" dirty="0" smtClean="0"/>
-              <a:t>상관관계를 확인하여 </a:t>
+              <a:t>상관관계를 </a:t>
+            </a:r>
+            <a:r>
+              <a:rPr lang="ko-KR" altLang="en-US" dirty="0" smtClean="0"/>
+              <a:t>확인하여 </a:t>
             </a:r>
             <a:r>
               <a:rPr lang="ko-KR" altLang="en-US" dirty="0" err="1" smtClean="0"/>
@@ -4539,7 +4621,18 @@
             </a:r>
             <a:r>
               <a:rPr lang="ko-KR" altLang="en-US" dirty="0" smtClean="0"/>
-              <a:t> 금융포트폴리오를 구성할 </a:t>
+              <a:t> 금융포트폴리오를 </a:t>
+            </a:r>
+            <a:r>
+              <a:rPr lang="en-US" altLang="ko-KR" dirty="0" smtClean="0"/>
+              <a:t/>
+            </a:r>
+            <a:br>
+              <a:rPr lang="en-US" altLang="ko-KR" dirty="0" smtClean="0"/>
+            </a:br>
+            <a:r>
+              <a:rPr lang="ko-KR" altLang="en-US" dirty="0" smtClean="0"/>
+              <a:t>구성할 </a:t>
             </a:r>
             <a:r>
               <a:rPr lang="ko-KR" altLang="en-US" dirty="0" err="1" smtClean="0"/>
@@ -4553,6 +4646,51 @@
               <a:rPr lang="en-US" altLang="ko-KR" dirty="0" smtClean="0"/>
               <a:t>.</a:t>
             </a:r>
+            <a:br>
+              <a:rPr lang="en-US" altLang="ko-KR" dirty="0" smtClean="0"/>
+            </a:br>
+            <a:endParaRPr lang="en-US" altLang="ko-KR" dirty="0" smtClean="0"/>
+          </a:p>
+          <a:p>
+            <a:r>
+              <a:rPr lang="ko-KR" altLang="en-US" dirty="0" smtClean="0"/>
+              <a:t>매일같이 급변하는 금융 상품시장에서 원하는 </a:t>
+            </a:r>
+            <a:r>
+              <a:rPr lang="en-US" altLang="ko-KR" dirty="0" smtClean="0"/>
+              <a:t/>
+            </a:r>
+            <a:br>
+              <a:rPr lang="en-US" altLang="ko-KR" dirty="0" smtClean="0"/>
+            </a:br>
+            <a:r>
+              <a:rPr lang="ko-KR" altLang="en-US" dirty="0" smtClean="0"/>
+              <a:t>정보를 클릭 </a:t>
+            </a:r>
+            <a:r>
+              <a:rPr lang="ko-KR" altLang="en-US" dirty="0" err="1" smtClean="0"/>
+              <a:t>몇번</a:t>
+            </a:r>
+            <a:r>
+              <a:rPr lang="ko-KR" altLang="en-US" dirty="0" smtClean="0"/>
+              <a:t> 으로 빠르게 제공하여 투자판단의</a:t>
+            </a:r>
+            <a:r>
+              <a:rPr lang="en-US" altLang="ko-KR" dirty="0" smtClean="0"/>
+              <a:t/>
+            </a:r>
+            <a:br>
+              <a:rPr lang="en-US" altLang="ko-KR" dirty="0" smtClean="0"/>
+            </a:br>
+            <a:r>
+              <a:rPr lang="ko-KR" altLang="en-US" dirty="0" smtClean="0"/>
+              <a:t>근거와 자료로 유용하게 활용될 수 있다</a:t>
+            </a:r>
+            <a:r>
+              <a:rPr lang="en-US" altLang="ko-KR" dirty="0" smtClean="0"/>
+              <a:t>.</a:t>
+            </a:r>
+            <a:endParaRPr lang="en-US" altLang="ko-KR" dirty="0" smtClean="0"/>
           </a:p>
           <a:p>
             <a:endParaRPr lang="en-US" altLang="ko-KR" dirty="0" smtClean="0"/>

--- a/중간프로젝트2차_금융상품 분석툴20191224.pptx
+++ b/중간프로젝트2차_금융상품 분석툴20191224.pptx
@@ -417,7 +417,7 @@
           <a:p>
             <a:fld id="{83FFDC18-3446-49FF-8821-C5722B72D633}" type="datetimeFigureOut">
               <a:rPr lang="ko-KR" altLang="en-US" smtClean="0"/>
-              <a:t>2019-12-29</a:t>
+              <a:t>2019-12-30</a:t>
             </a:fld>
             <a:endParaRPr lang="ko-KR" altLang="en-US"/>
           </a:p>
@@ -602,7 +602,7 @@
           <a:p>
             <a:fld id="{83FFDC18-3446-49FF-8821-C5722B72D633}" type="datetimeFigureOut">
               <a:rPr lang="ko-KR" altLang="en-US" smtClean="0"/>
-              <a:t>2019-12-29</a:t>
+              <a:t>2019-12-30</a:t>
             </a:fld>
             <a:endParaRPr lang="ko-KR" altLang="en-US"/>
           </a:p>
@@ -787,7 +787,7 @@
           <a:p>
             <a:fld id="{83FFDC18-3446-49FF-8821-C5722B72D633}" type="datetimeFigureOut">
               <a:rPr lang="ko-KR" altLang="en-US" smtClean="0"/>
-              <a:t>2019-12-29</a:t>
+              <a:t>2019-12-30</a:t>
             </a:fld>
             <a:endParaRPr lang="ko-KR" altLang="en-US"/>
           </a:p>
@@ -972,7 +972,7 @@
           <a:p>
             <a:fld id="{83FFDC18-3446-49FF-8821-C5722B72D633}" type="datetimeFigureOut">
               <a:rPr lang="ko-KR" altLang="en-US" smtClean="0"/>
-              <a:t>2019-12-29</a:t>
+              <a:t>2019-12-30</a:t>
             </a:fld>
             <a:endParaRPr lang="ko-KR" altLang="en-US"/>
           </a:p>
@@ -1353,7 +1353,7 @@
           <a:p>
             <a:fld id="{83FFDC18-3446-49FF-8821-C5722B72D633}" type="datetimeFigureOut">
               <a:rPr lang="ko-KR" altLang="en-US" smtClean="0"/>
-              <a:t>2019-12-29</a:t>
+              <a:t>2019-12-30</a:t>
             </a:fld>
             <a:endParaRPr lang="ko-KR" altLang="en-US"/>
           </a:p>
@@ -1622,7 +1622,7 @@
           <a:p>
             <a:fld id="{83FFDC18-3446-49FF-8821-C5722B72D633}" type="datetimeFigureOut">
               <a:rPr lang="ko-KR" altLang="en-US" smtClean="0"/>
-              <a:t>2019-12-29</a:t>
+              <a:t>2019-12-30</a:t>
             </a:fld>
             <a:endParaRPr lang="ko-KR" altLang="en-US"/>
           </a:p>
@@ -2007,7 +2007,7 @@
           <a:p>
             <a:fld id="{83FFDC18-3446-49FF-8821-C5722B72D633}" type="datetimeFigureOut">
               <a:rPr lang="ko-KR" altLang="en-US" smtClean="0"/>
-              <a:t>2019-12-29</a:t>
+              <a:t>2019-12-30</a:t>
             </a:fld>
             <a:endParaRPr lang="ko-KR" altLang="en-US"/>
           </a:p>
@@ -2128,7 +2128,7 @@
           <a:p>
             <a:fld id="{83FFDC18-3446-49FF-8821-C5722B72D633}" type="datetimeFigureOut">
               <a:rPr lang="ko-KR" altLang="en-US" smtClean="0"/>
-              <a:t>2019-12-29</a:t>
+              <a:t>2019-12-30</a:t>
             </a:fld>
             <a:endParaRPr lang="ko-KR" altLang="en-US"/>
           </a:p>
@@ -2308,7 +2308,7 @@
           <a:p>
             <a:fld id="{83FFDC18-3446-49FF-8821-C5722B72D633}" type="datetimeFigureOut">
               <a:rPr lang="ko-KR" altLang="en-US" smtClean="0"/>
-              <a:t>2019-12-29</a:t>
+              <a:t>2019-12-30</a:t>
             </a:fld>
             <a:endParaRPr lang="ko-KR" altLang="en-US"/>
           </a:p>
@@ -2642,7 +2642,7 @@
           <a:p>
             <a:fld id="{83FFDC18-3446-49FF-8821-C5722B72D633}" type="datetimeFigureOut">
               <a:rPr lang="ko-KR" altLang="en-US" smtClean="0"/>
-              <a:t>2019-12-29</a:t>
+              <a:t>2019-12-30</a:t>
             </a:fld>
             <a:endParaRPr lang="ko-KR" altLang="en-US"/>
           </a:p>
@@ -3011,7 +3011,7 @@
           <a:p>
             <a:fld id="{83FFDC18-3446-49FF-8821-C5722B72D633}" type="datetimeFigureOut">
               <a:rPr lang="ko-KR" altLang="en-US" smtClean="0"/>
-              <a:t>2019-12-29</a:t>
+              <a:t>2019-12-30</a:t>
             </a:fld>
             <a:endParaRPr lang="ko-KR" altLang="en-US"/>
           </a:p>
@@ -3429,7 +3429,7 @@
           <a:p>
             <a:fld id="{83FFDC18-3446-49FF-8821-C5722B72D633}" type="datetimeFigureOut">
               <a:rPr lang="ko-KR" altLang="en-US" smtClean="0"/>
-              <a:t>2019-12-29</a:t>
+              <a:t>2019-12-30</a:t>
             </a:fld>
             <a:endParaRPr lang="ko-KR" altLang="en-US"/>
           </a:p>
@@ -4269,11 +4269,7 @@
           <a:p>
             <a:r>
               <a:rPr lang="ko-KR" altLang="en-US" dirty="0" smtClean="0"/>
-              <a:t>개발 </a:t>
-            </a:r>
-            <a:r>
-              <a:rPr lang="ko-KR" altLang="en-US" dirty="0" smtClean="0"/>
-              <a:t>언어</a:t>
+              <a:t>개발 언어</a:t>
             </a:r>
             <a:endParaRPr lang="en-US" altLang="ko-KR" dirty="0" smtClean="0"/>
           </a:p>
@@ -4364,6 +4360,15 @@
               <a:rPr lang="en-US" altLang="ko-KR" dirty="0" smtClean="0"/>
               <a:t> </a:t>
             </a:r>
+            <a:r>
+              <a:rPr lang="en-US" altLang="ko-KR" dirty="0" smtClean="0"/>
+              <a:t>(</a:t>
+            </a:r>
+            <a:r>
+              <a:rPr lang="en-US" altLang="ko-KR" dirty="0" smtClean="0"/>
+              <a:t>finance.yahoo.com)</a:t>
+            </a:r>
+            <a:endParaRPr lang="en-US" altLang="ko-KR" dirty="0" smtClean="0"/>
           </a:p>
           <a:p>
             <a:pPr lvl="1"/>
@@ -4385,7 +4390,11 @@
             <a:pPr lvl="1"/>
             <a:r>
               <a:rPr lang="en-US" altLang="ko-KR" dirty="0" smtClean="0"/>
-              <a:t>PyQt5, PyQt5-tools: GUI </a:t>
+              <a:t>PyQt5</a:t>
+            </a:r>
+            <a:r>
+              <a:rPr lang="en-US" altLang="ko-KR" dirty="0" smtClean="0"/>
+              <a:t>, PyQt5-tools: GUI </a:t>
             </a:r>
             <a:r>
               <a:rPr lang="ko-KR" altLang="en-US" dirty="0" smtClean="0"/>
@@ -4424,7 +4433,19 @@
           <a:p>
             <a:r>
               <a:rPr lang="ko-KR" altLang="en-US" dirty="0" smtClean="0"/>
-              <a:t>심볼 데이터</a:t>
+              <a:t>심볼</a:t>
+            </a:r>
+            <a:r>
+              <a:rPr lang="en-US" altLang="ko-KR" dirty="0" smtClean="0"/>
+              <a:t>,</a:t>
+            </a:r>
+            <a:r>
+              <a:rPr lang="ko-KR" altLang="en-US" smtClean="0"/>
+              <a:t>코드 </a:t>
+            </a:r>
+            <a:r>
+              <a:rPr lang="ko-KR" altLang="en-US" dirty="0" smtClean="0"/>
+              <a:t>데이터</a:t>
             </a:r>
             <a:endParaRPr lang="en-US" altLang="ko-KR" dirty="0" smtClean="0"/>
           </a:p>
@@ -4538,11 +4559,7 @@
           <a:p>
             <a:r>
               <a:rPr lang="ko-KR" altLang="en-US" dirty="0" smtClean="0"/>
-              <a:t>특정 </a:t>
-            </a:r>
-            <a:r>
-              <a:rPr lang="ko-KR" altLang="en-US" dirty="0" smtClean="0"/>
-              <a:t>금융상품과 다른 </a:t>
+              <a:t>특정 금융상품과 다른 </a:t>
             </a:r>
             <a:r>
               <a:rPr lang="ko-KR" altLang="en-US" dirty="0"/>
@@ -4576,11 +4593,7 @@
             </a:br>
             <a:r>
               <a:rPr lang="ko-KR" altLang="en-US" dirty="0" smtClean="0"/>
-              <a:t>그래프정보로 </a:t>
-            </a:r>
-            <a:r>
-              <a:rPr lang="ko-KR" altLang="en-US" dirty="0" smtClean="0"/>
-              <a:t>언제 어디서나 </a:t>
+              <a:t>그래프정보로 언제 어디서나 </a:t>
             </a:r>
             <a:r>
               <a:rPr lang="en-US" altLang="ko-KR" dirty="0" smtClean="0"/>
@@ -4591,11 +4604,7 @@
             </a:br>
             <a:r>
               <a:rPr lang="ko-KR" altLang="en-US" dirty="0" smtClean="0"/>
-              <a:t>빠르고 </a:t>
-            </a:r>
-            <a:r>
-              <a:rPr lang="ko-KR" altLang="en-US" dirty="0" smtClean="0"/>
-              <a:t>간편하게 확인할 수 있다</a:t>
+              <a:t>빠르고 간편하게 확인할 수 있다</a:t>
             </a:r>
             <a:r>
               <a:rPr lang="en-US" altLang="ko-KR" dirty="0" smtClean="0"/>
@@ -4609,11 +4618,7 @@
           <a:p>
             <a:r>
               <a:rPr lang="ko-KR" altLang="en-US" dirty="0" smtClean="0"/>
-              <a:t>상관관계를 </a:t>
-            </a:r>
-            <a:r>
-              <a:rPr lang="ko-KR" altLang="en-US" dirty="0" smtClean="0"/>
-              <a:t>확인하여 </a:t>
+              <a:t>상관관계를 확인하여 </a:t>
             </a:r>
             <a:r>
               <a:rPr lang="ko-KR" altLang="en-US" dirty="0" err="1" smtClean="0"/>
@@ -4690,7 +4695,6 @@
               <a:rPr lang="en-US" altLang="ko-KR" dirty="0" smtClean="0"/>
               <a:t>.</a:t>
             </a:r>
-            <a:endParaRPr lang="en-US" altLang="ko-KR" dirty="0" smtClean="0"/>
           </a:p>
           <a:p>
             <a:endParaRPr lang="en-US" altLang="ko-KR" dirty="0" smtClean="0"/>

--- a/중간프로젝트2차_금융상품 분석툴20191224.pptx
+++ b/중간프로젝트2차_금융상품 분석툴20191224.pptx
@@ -8,8 +8,10 @@
     <p:sldId id="256" r:id="rId2"/>
     <p:sldId id="258" r:id="rId3"/>
     <p:sldId id="259" r:id="rId4"/>
-    <p:sldId id="260" r:id="rId5"/>
-    <p:sldId id="261" r:id="rId6"/>
+    <p:sldId id="262" r:id="rId5"/>
+    <p:sldId id="263" r:id="rId6"/>
+    <p:sldId id="260" r:id="rId7"/>
+    <p:sldId id="261" r:id="rId8"/>
   </p:sldIdLst>
   <p:sldSz cx="9144000" cy="6858000" type="screen4x3"/>
   <p:notesSz cx="6858000" cy="9144000"/>
@@ -417,7 +419,7 @@
           <a:p>
             <a:fld id="{83FFDC18-3446-49FF-8821-C5722B72D633}" type="datetimeFigureOut">
               <a:rPr lang="ko-KR" altLang="en-US" smtClean="0"/>
-              <a:t>2019-12-30</a:t>
+              <a:t>2019-12-31</a:t>
             </a:fld>
             <a:endParaRPr lang="ko-KR" altLang="en-US"/>
           </a:p>
@@ -602,7 +604,7 @@
           <a:p>
             <a:fld id="{83FFDC18-3446-49FF-8821-C5722B72D633}" type="datetimeFigureOut">
               <a:rPr lang="ko-KR" altLang="en-US" smtClean="0"/>
-              <a:t>2019-12-30</a:t>
+              <a:t>2019-12-31</a:t>
             </a:fld>
             <a:endParaRPr lang="ko-KR" altLang="en-US"/>
           </a:p>
@@ -787,7 +789,7 @@
           <a:p>
             <a:fld id="{83FFDC18-3446-49FF-8821-C5722B72D633}" type="datetimeFigureOut">
               <a:rPr lang="ko-KR" altLang="en-US" smtClean="0"/>
-              <a:t>2019-12-30</a:t>
+              <a:t>2019-12-31</a:t>
             </a:fld>
             <a:endParaRPr lang="ko-KR" altLang="en-US"/>
           </a:p>
@@ -972,7 +974,7 @@
           <a:p>
             <a:fld id="{83FFDC18-3446-49FF-8821-C5722B72D633}" type="datetimeFigureOut">
               <a:rPr lang="ko-KR" altLang="en-US" smtClean="0"/>
-              <a:t>2019-12-30</a:t>
+              <a:t>2019-12-31</a:t>
             </a:fld>
             <a:endParaRPr lang="ko-KR" altLang="en-US"/>
           </a:p>
@@ -1353,7 +1355,7 @@
           <a:p>
             <a:fld id="{83FFDC18-3446-49FF-8821-C5722B72D633}" type="datetimeFigureOut">
               <a:rPr lang="ko-KR" altLang="en-US" smtClean="0"/>
-              <a:t>2019-12-30</a:t>
+              <a:t>2019-12-31</a:t>
             </a:fld>
             <a:endParaRPr lang="ko-KR" altLang="en-US"/>
           </a:p>
@@ -1622,7 +1624,7 @@
           <a:p>
             <a:fld id="{83FFDC18-3446-49FF-8821-C5722B72D633}" type="datetimeFigureOut">
               <a:rPr lang="ko-KR" altLang="en-US" smtClean="0"/>
-              <a:t>2019-12-30</a:t>
+              <a:t>2019-12-31</a:t>
             </a:fld>
             <a:endParaRPr lang="ko-KR" altLang="en-US"/>
           </a:p>
@@ -2007,7 +2009,7 @@
           <a:p>
             <a:fld id="{83FFDC18-3446-49FF-8821-C5722B72D633}" type="datetimeFigureOut">
               <a:rPr lang="ko-KR" altLang="en-US" smtClean="0"/>
-              <a:t>2019-12-30</a:t>
+              <a:t>2019-12-31</a:t>
             </a:fld>
             <a:endParaRPr lang="ko-KR" altLang="en-US"/>
           </a:p>
@@ -2128,7 +2130,7 @@
           <a:p>
             <a:fld id="{83FFDC18-3446-49FF-8821-C5722B72D633}" type="datetimeFigureOut">
               <a:rPr lang="ko-KR" altLang="en-US" smtClean="0"/>
-              <a:t>2019-12-30</a:t>
+              <a:t>2019-12-31</a:t>
             </a:fld>
             <a:endParaRPr lang="ko-KR" altLang="en-US"/>
           </a:p>
@@ -2308,7 +2310,7 @@
           <a:p>
             <a:fld id="{83FFDC18-3446-49FF-8821-C5722B72D633}" type="datetimeFigureOut">
               <a:rPr lang="ko-KR" altLang="en-US" smtClean="0"/>
-              <a:t>2019-12-30</a:t>
+              <a:t>2019-12-31</a:t>
             </a:fld>
             <a:endParaRPr lang="ko-KR" altLang="en-US"/>
           </a:p>
@@ -2642,7 +2644,7 @@
           <a:p>
             <a:fld id="{83FFDC18-3446-49FF-8821-C5722B72D633}" type="datetimeFigureOut">
               <a:rPr lang="ko-KR" altLang="en-US" smtClean="0"/>
-              <a:t>2019-12-30</a:t>
+              <a:t>2019-12-31</a:t>
             </a:fld>
             <a:endParaRPr lang="ko-KR" altLang="en-US"/>
           </a:p>
@@ -3011,7 +3013,7 @@
           <a:p>
             <a:fld id="{83FFDC18-3446-49FF-8821-C5722B72D633}" type="datetimeFigureOut">
               <a:rPr lang="ko-KR" altLang="en-US" smtClean="0"/>
-              <a:t>2019-12-30</a:t>
+              <a:t>2019-12-31</a:t>
             </a:fld>
             <a:endParaRPr lang="ko-KR" altLang="en-US"/>
           </a:p>
@@ -3429,7 +3431,7 @@
           <a:p>
             <a:fld id="{83FFDC18-3446-49FF-8821-C5722B72D633}" type="datetimeFigureOut">
               <a:rPr lang="ko-KR" altLang="en-US" smtClean="0"/>
-              <a:t>2019-12-30</a:t>
+              <a:t>2019-12-31</a:t>
             </a:fld>
             <a:endParaRPr lang="ko-KR" altLang="en-US"/>
           </a:p>
@@ -4109,6 +4111,13 @@
   <p:clrMapOvr>
     <a:masterClrMapping/>
   </p:clrMapOvr>
+  <p:timing>
+    <p:tnLst>
+      <p:par>
+        <p:cTn id="1" dur="indefinite" restart="never" nodeType="tmRoot"/>
+      </p:par>
+    </p:tnLst>
+  </p:timing>
 </p:sld>
 </file>
 
@@ -4145,8 +4154,12 @@
           <a:lstStyle/>
           <a:p>
             <a:r>
+              <a:rPr lang="en-US" altLang="ko-KR" dirty="0" smtClean="0"/>
+              <a:t>Type A </a:t>
+            </a:r>
+            <a:r>
               <a:rPr lang="ko-KR" altLang="en-US" dirty="0" smtClean="0"/>
-              <a:t>소개</a:t>
+              <a:t>버전 소개</a:t>
             </a:r>
             <a:endParaRPr lang="ko-KR" altLang="en-US" dirty="0"/>
           </a:p>
@@ -4162,26 +4175,279 @@
             <p:ph idx="1"/>
           </p:nvPr>
         </p:nvSpPr>
-        <p:spPr/>
-        <p:txBody>
-          <a:bodyPr/>
+        <p:spPr>
+          <a:xfrm>
+            <a:off x="827584" y="530352"/>
+            <a:ext cx="7859216" cy="738408"/>
+          </a:xfrm>
+        </p:spPr>
+        <p:txBody>
+          <a:bodyPr>
+            <a:normAutofit/>
+          </a:bodyPr>
           <a:lstStyle/>
           <a:p>
             <a:r>
               <a:rPr lang="ko-KR" altLang="en-US" dirty="0" smtClean="0"/>
-              <a:t>상품의 코드 또는 심볼을 입력하고 </a:t>
+              <a:t>입력과 그래프</a:t>
             </a:r>
             <a:r>
               <a:rPr lang="en-US" altLang="ko-KR" dirty="0" smtClean="0"/>
-              <a:t>start </a:t>
+              <a:t>,</a:t>
             </a:r>
             <a:r>
               <a:rPr lang="ko-KR" altLang="en-US" dirty="0" smtClean="0"/>
-              <a:t>버튼은 누르면</a:t>
+              <a:t>결과내역을 한 화면에 보여주는 버전</a:t>
             </a:r>
             <a:endParaRPr lang="en-US" altLang="ko-KR" dirty="0" smtClean="0"/>
           </a:p>
           <a:p>
+            <a:pPr marL="0" indent="0">
+              <a:buNone/>
+            </a:pPr>
+            <a:endParaRPr lang="en-US" altLang="ko-KR" dirty="0" smtClean="0"/>
+          </a:p>
+          <a:p>
+            <a:endParaRPr lang="ko-KR" altLang="en-US" dirty="0"/>
+          </a:p>
+        </p:txBody>
+      </p:sp>
+      <p:pic>
+        <p:nvPicPr>
+          <p:cNvPr id="5" name="그림 4" descr="금융상품분석툴"/>
+          <p:cNvPicPr>
+            <a:picLocks noChangeAspect="1"/>
+          </p:cNvPicPr>
+          <p:nvPr/>
+        </p:nvPicPr>
+        <p:blipFill>
+          <a:blip r:embed="rId2" cstate="print">
+            <a:extLst>
+              <a:ext uri="{28A0092B-C50C-407E-A947-70E740481C1C}">
+                <a14:useLocalDpi xmlns:a14="http://schemas.microsoft.com/office/drawing/2010/main" val="0"/>
+              </a:ext>
+            </a:extLst>
+          </a:blip>
+          <a:stretch>
+            <a:fillRect/>
+          </a:stretch>
+        </p:blipFill>
+        <p:spPr>
+          <a:xfrm>
+            <a:off x="2555776" y="1674416"/>
+            <a:ext cx="3816424" cy="2987907"/>
+          </a:xfrm>
+          <a:prstGeom prst="rect">
+            <a:avLst/>
+          </a:prstGeom>
+        </p:spPr>
+      </p:pic>
+      <p:sp>
+        <p:nvSpPr>
+          <p:cNvPr id="20" name="설명선 2(테두리 없음) 19"/>
+          <p:cNvSpPr/>
+          <p:nvPr/>
+        </p:nvSpPr>
+        <p:spPr>
+          <a:xfrm>
+            <a:off x="7092280" y="3168369"/>
+            <a:ext cx="1152128" cy="612648"/>
+          </a:xfrm>
+          <a:prstGeom prst="callout2">
+            <a:avLst>
+              <a:gd name="adj1" fmla="val 18750"/>
+              <a:gd name="adj2" fmla="val -8333"/>
+              <a:gd name="adj3" fmla="val 18750"/>
+              <a:gd name="adj4" fmla="val -16667"/>
+              <a:gd name="adj5" fmla="val 43400"/>
+              <a:gd name="adj6" fmla="val -105386"/>
+            </a:avLst>
+          </a:prstGeom>
+        </p:spPr>
+        <p:style>
+          <a:lnRef idx="2">
+            <a:schemeClr val="accent6">
+              <a:shade val="50000"/>
+            </a:schemeClr>
+          </a:lnRef>
+          <a:fillRef idx="1">
+            <a:schemeClr val="accent6"/>
+          </a:fillRef>
+          <a:effectRef idx="0">
+            <a:schemeClr val="accent6"/>
+          </a:effectRef>
+          <a:fontRef idx="minor">
+            <a:schemeClr val="lt1"/>
+          </a:fontRef>
+        </p:style>
+        <p:txBody>
+          <a:bodyPr rtlCol="0" anchor="ctr"/>
+          <a:lstStyle/>
+          <a:p>
+            <a:pPr algn="ctr"/>
+            <a:r>
+              <a:rPr lang="ko-KR" altLang="en-US" dirty="0" smtClean="0"/>
+              <a:t>결과내역</a:t>
+            </a:r>
+            <a:endParaRPr lang="ko-KR" altLang="en-US" dirty="0"/>
+          </a:p>
+        </p:txBody>
+      </p:sp>
+      <p:sp>
+        <p:nvSpPr>
+          <p:cNvPr id="26" name="설명선 2(테두리 없음) 25"/>
+          <p:cNvSpPr/>
+          <p:nvPr/>
+        </p:nvSpPr>
+        <p:spPr>
+          <a:xfrm>
+            <a:off x="683568" y="1644788"/>
+            <a:ext cx="1152128" cy="612648"/>
+          </a:xfrm>
+          <a:prstGeom prst="callout2">
+            <a:avLst>
+              <a:gd name="adj1" fmla="val 44547"/>
+              <a:gd name="adj2" fmla="val 107777"/>
+              <a:gd name="adj3" fmla="val 52839"/>
+              <a:gd name="adj4" fmla="val 117080"/>
+              <a:gd name="adj5" fmla="val 76568"/>
+              <a:gd name="adj6" fmla="val 170436"/>
+            </a:avLst>
+          </a:prstGeom>
+        </p:spPr>
+        <p:style>
+          <a:lnRef idx="2">
+            <a:schemeClr val="accent6">
+              <a:shade val="50000"/>
+            </a:schemeClr>
+          </a:lnRef>
+          <a:fillRef idx="1">
+            <a:schemeClr val="accent6"/>
+          </a:fillRef>
+          <a:effectRef idx="0">
+            <a:schemeClr val="accent6"/>
+          </a:effectRef>
+          <a:fontRef idx="minor">
+            <a:schemeClr val="lt1"/>
+          </a:fontRef>
+        </p:style>
+        <p:txBody>
+          <a:bodyPr rtlCol="0" anchor="ctr"/>
+          <a:lstStyle/>
+          <a:p>
+            <a:pPr algn="ctr"/>
+            <a:r>
+              <a:rPr lang="ko-KR" altLang="en-US" dirty="0" smtClean="0"/>
+              <a:t>입력</a:t>
+            </a:r>
+            <a:endParaRPr lang="ko-KR" altLang="en-US" dirty="0"/>
+          </a:p>
+        </p:txBody>
+      </p:sp>
+      <p:sp>
+        <p:nvSpPr>
+          <p:cNvPr id="27" name="설명선 2(테두리 없음) 26"/>
+          <p:cNvSpPr/>
+          <p:nvPr/>
+        </p:nvSpPr>
+        <p:spPr>
+          <a:xfrm>
+            <a:off x="683568" y="3861048"/>
+            <a:ext cx="1152128" cy="612648"/>
+          </a:xfrm>
+          <a:prstGeom prst="callout2">
+            <a:avLst>
+              <a:gd name="adj1" fmla="val 44547"/>
+              <a:gd name="adj2" fmla="val 107777"/>
+              <a:gd name="adj3" fmla="val 42704"/>
+              <a:gd name="adj4" fmla="val 123939"/>
+              <a:gd name="adj5" fmla="val 19446"/>
+              <a:gd name="adj6" fmla="val 174355"/>
+            </a:avLst>
+          </a:prstGeom>
+        </p:spPr>
+        <p:style>
+          <a:lnRef idx="2">
+            <a:schemeClr val="accent6">
+              <a:shade val="50000"/>
+            </a:schemeClr>
+          </a:lnRef>
+          <a:fillRef idx="1">
+            <a:schemeClr val="accent6"/>
+          </a:fillRef>
+          <a:effectRef idx="0">
+            <a:schemeClr val="accent6"/>
+          </a:effectRef>
+          <a:fontRef idx="minor">
+            <a:schemeClr val="lt1"/>
+          </a:fontRef>
+        </p:style>
+        <p:txBody>
+          <a:bodyPr rtlCol="0" anchor="ctr"/>
+          <a:lstStyle/>
+          <a:p>
+            <a:pPr algn="ctr"/>
+            <a:r>
+              <a:rPr lang="ko-KR" altLang="en-US" dirty="0" smtClean="0"/>
+              <a:t>그래프</a:t>
+            </a:r>
+            <a:endParaRPr lang="ko-KR" altLang="en-US" dirty="0"/>
+          </a:p>
+        </p:txBody>
+      </p:sp>
+      <p:sp>
+        <p:nvSpPr>
+          <p:cNvPr id="29" name="설명선 2(테두리 없음) 28"/>
+          <p:cNvSpPr/>
+          <p:nvPr/>
+        </p:nvSpPr>
+        <p:spPr>
+          <a:xfrm>
+            <a:off x="1259632" y="4747097"/>
+            <a:ext cx="3168352" cy="360040"/>
+          </a:xfrm>
+          <a:prstGeom prst="callout2">
+            <a:avLst>
+              <a:gd name="adj1" fmla="val 57093"/>
+              <a:gd name="adj2" fmla="val 103501"/>
+              <a:gd name="adj3" fmla="val 29234"/>
+              <a:gd name="adj4" fmla="val 110143"/>
+              <a:gd name="adj5" fmla="val -95835"/>
+              <a:gd name="adj6" fmla="val 124259"/>
+            </a:avLst>
+          </a:prstGeom>
+        </p:spPr>
+        <p:style>
+          <a:lnRef idx="1">
+            <a:schemeClr val="dk1"/>
+          </a:lnRef>
+          <a:fillRef idx="2">
+            <a:schemeClr val="dk1"/>
+          </a:fillRef>
+          <a:effectRef idx="1">
+            <a:schemeClr val="dk1"/>
+          </a:effectRef>
+          <a:fontRef idx="minor">
+            <a:schemeClr val="dk1"/>
+          </a:fontRef>
+        </p:style>
+        <p:txBody>
+          <a:bodyPr rtlCol="0" anchor="ctr"/>
+          <a:lstStyle/>
+          <a:p>
+            <a:pPr algn="ctr"/>
+            <a:r>
+              <a:rPr lang="ko-KR" altLang="en-US" dirty="0" smtClean="0"/>
+              <a:t>결과 누적 내역을  </a:t>
+            </a:r>
+            <a:r>
+              <a:rPr lang="en-US" altLang="ko-KR" dirty="0" smtClean="0"/>
+              <a:t>txt</a:t>
+            </a:r>
+            <a:r>
+              <a:rPr lang="ko-KR" altLang="en-US" dirty="0" smtClean="0"/>
+              <a:t>로 저장</a:t>
+            </a:r>
             <a:endParaRPr lang="ko-KR" altLang="en-US" dirty="0"/>
           </a:p>
         </p:txBody>
@@ -4196,6 +4462,13 @@
   <p:clrMapOvr>
     <a:masterClrMapping/>
   </p:clrMapOvr>
+  <p:timing>
+    <p:tnLst>
+      <p:par>
+        <p:cTn id="1" dur="indefinite" restart="never" nodeType="tmRoot"/>
+      </p:par>
+    </p:tnLst>
+  </p:timing>
 </p:sld>
 </file>
 
@@ -4232,251 +4505,423 @@
           <a:lstStyle/>
           <a:p>
             <a:r>
-              <a:rPr lang="ko-KR" altLang="en-US" dirty="0" smtClean="0"/>
-              <a:t>내</a:t>
+              <a:rPr lang="en-US" altLang="ko-KR" dirty="0"/>
+              <a:t>Type A </a:t>
             </a:r>
             <a:r>
               <a:rPr lang="ko-KR" altLang="en-US" dirty="0"/>
-              <a:t>용</a:t>
-            </a:r>
-          </a:p>
-        </p:txBody>
-      </p:sp>
-      <p:sp>
-        <p:nvSpPr>
-          <p:cNvPr id="3" name="내용 개체 틀 2"/>
-          <p:cNvSpPr>
-            <a:spLocks noGrp="1"/>
-          </p:cNvSpPr>
-          <p:nvPr>
-            <p:ph idx="1"/>
-          </p:nvPr>
-        </p:nvSpPr>
+              <a:t>버전 소개</a:t>
+            </a:r>
+          </a:p>
+        </p:txBody>
+      </p:sp>
+      <p:pic>
+        <p:nvPicPr>
+          <p:cNvPr id="4" name="그림 3" descr="종목코드리스트"/>
+          <p:cNvPicPr>
+            <a:picLocks noChangeAspect="1"/>
+          </p:cNvPicPr>
+          <p:nvPr/>
+        </p:nvPicPr>
+        <p:blipFill>
+          <a:blip r:embed="rId2" cstate="print">
+            <a:extLst>
+              <a:ext uri="{28A0092B-C50C-407E-A947-70E740481C1C}">
+                <a14:useLocalDpi xmlns:a14="http://schemas.microsoft.com/office/drawing/2010/main" val="0"/>
+              </a:ext>
+            </a:extLst>
+          </a:blip>
+          <a:stretch>
+            <a:fillRect/>
+          </a:stretch>
+        </p:blipFill>
         <p:spPr>
           <a:xfrm>
-            <a:off x="502920" y="530352"/>
-            <a:ext cx="8183880" cy="4626840"/>
+            <a:off x="6156176" y="764704"/>
+            <a:ext cx="1674769" cy="2592288"/>
           </a:xfrm>
+          <a:prstGeom prst="rect">
+            <a:avLst/>
+          </a:prstGeom>
         </p:spPr>
-        <p:txBody>
-          <a:bodyPr>
-            <a:normAutofit fontScale="92500" lnSpcReduction="20000"/>
+      </p:pic>
+      <p:pic>
+        <p:nvPicPr>
+          <p:cNvPr id="5" name="그림 4" descr="종목코드리스트"/>
+          <p:cNvPicPr>
+            <a:picLocks noChangeAspect="1"/>
+          </p:cNvPicPr>
+          <p:nvPr/>
+        </p:nvPicPr>
+        <p:blipFill>
+          <a:blip r:embed="rId3" cstate="print">
+            <a:extLst>
+              <a:ext uri="{28A0092B-C50C-407E-A947-70E740481C1C}">
+                <a14:useLocalDpi xmlns:a14="http://schemas.microsoft.com/office/drawing/2010/main" val="0"/>
+              </a:ext>
+            </a:extLst>
+          </a:blip>
+          <a:stretch>
+            <a:fillRect/>
+          </a:stretch>
+        </p:blipFill>
+        <p:spPr>
+          <a:xfrm>
+            <a:off x="6084168" y="2636912"/>
+            <a:ext cx="1674770" cy="2592288"/>
+          </a:xfrm>
+          <a:prstGeom prst="rect">
+            <a:avLst/>
+          </a:prstGeom>
+        </p:spPr>
+      </p:pic>
+      <p:pic>
+        <p:nvPicPr>
+          <p:cNvPr id="6" name="내용 개체 틀 5" descr="금융상품분석툴"/>
+          <p:cNvPicPr>
+            <a:picLocks noGrp="1" noChangeAspect="1"/>
+          </p:cNvPicPr>
+          <p:nvPr>
+            <p:ph idx="1"/>
+          </p:nvPr>
+        </p:nvPicPr>
+        <p:blipFill>
+          <a:blip r:embed="rId4">
+            <a:extLst>
+              <a:ext uri="{28A0092B-C50C-407E-A947-70E740481C1C}">
+                <a14:useLocalDpi xmlns:a14="http://schemas.microsoft.com/office/drawing/2010/main" val="0"/>
+              </a:ext>
+            </a:extLst>
+          </a:blip>
+          <a:stretch>
+            <a:fillRect/>
+          </a:stretch>
+        </p:blipFill>
+        <p:spPr>
+          <a:xfrm>
+            <a:off x="899592" y="1472284"/>
+            <a:ext cx="4768248" cy="3733098"/>
+          </a:xfrm>
+          <a:prstGeom prst="rect">
+            <a:avLst/>
+          </a:prstGeom>
+        </p:spPr>
+      </p:pic>
+      <p:cxnSp>
+        <p:nvCxnSpPr>
+          <p:cNvPr id="9" name="직선 화살표 연결선 8"/>
+          <p:cNvCxnSpPr>
+            <a:endCxn id="4" idx="1"/>
+          </p:cNvCxnSpPr>
+          <p:nvPr/>
+        </p:nvCxnSpPr>
+        <p:spPr>
+          <a:xfrm flipV="1">
+            <a:off x="2267744" y="2060848"/>
+            <a:ext cx="3888432" cy="504056"/>
+          </a:xfrm>
+          <a:prstGeom prst="straightConnector1">
+            <a:avLst/>
+          </a:prstGeom>
+          <a:ln>
+            <a:tailEnd type="arrow"/>
+          </a:ln>
+        </p:spPr>
+        <p:style>
+          <a:lnRef idx="3">
+            <a:schemeClr val="accent3"/>
+          </a:lnRef>
+          <a:fillRef idx="0">
+            <a:schemeClr val="accent3"/>
+          </a:fillRef>
+          <a:effectRef idx="2">
+            <a:schemeClr val="accent3"/>
+          </a:effectRef>
+          <a:fontRef idx="minor">
+            <a:schemeClr val="tx1"/>
+          </a:fontRef>
+        </p:style>
+      </p:cxnSp>
+      <p:cxnSp>
+        <p:nvCxnSpPr>
+          <p:cNvPr id="11" name="직선 화살표 연결선 10"/>
+          <p:cNvCxnSpPr>
+            <a:endCxn id="5" idx="1"/>
+          </p:cNvCxnSpPr>
+          <p:nvPr/>
+        </p:nvCxnSpPr>
+        <p:spPr>
+          <a:xfrm>
+            <a:off x="2267744" y="2780928"/>
+            <a:ext cx="3816424" cy="1152128"/>
+          </a:xfrm>
+          <a:prstGeom prst="straightConnector1">
+            <a:avLst/>
+          </a:prstGeom>
+          <a:ln>
+            <a:tailEnd type="arrow"/>
+          </a:ln>
+        </p:spPr>
+        <p:style>
+          <a:lnRef idx="3">
+            <a:schemeClr val="accent3"/>
+          </a:lnRef>
+          <a:fillRef idx="0">
+            <a:schemeClr val="accent3"/>
+          </a:fillRef>
+          <a:effectRef idx="2">
+            <a:schemeClr val="accent3"/>
+          </a:effectRef>
+          <a:fontRef idx="minor">
+            <a:schemeClr val="tx1"/>
+          </a:fontRef>
+        </p:style>
+      </p:cxnSp>
+      <p:sp>
+        <p:nvSpPr>
+          <p:cNvPr id="20" name="내용 개체 틀 2"/>
+          <p:cNvSpPr txBox="1">
+            <a:spLocks/>
+          </p:cNvSpPr>
+          <p:nvPr/>
+        </p:nvSpPr>
+        <p:spPr>
+          <a:xfrm>
+            <a:off x="755576" y="620688"/>
+            <a:ext cx="5400600" cy="738408"/>
+          </a:xfrm>
+          <a:prstGeom prst="rect">
+            <a:avLst/>
+          </a:prstGeom>
+        </p:spPr>
+        <p:txBody>
+          <a:bodyPr vert="horz" lIns="182880" tIns="91440">
+            <a:normAutofit fontScale="85000" lnSpcReduction="10000"/>
           </a:bodyPr>
-          <a:lstStyle/>
-          <a:p>
-            <a:endParaRPr lang="en-US" altLang="ko-KR" dirty="0" smtClean="0"/>
-          </a:p>
+          <a:lstStyle>
+            <a:lvl1pPr marL="265176" indent="-265176" algn="l" rtl="0" eaLnBrk="1" latinLnBrk="1" hangingPunct="1">
+              <a:spcBef>
+                <a:spcPts val="250"/>
+              </a:spcBef>
+              <a:buClr>
+                <a:schemeClr val="accent1"/>
+              </a:buClr>
+              <a:buSzPct val="80000"/>
+              <a:buFont typeface="Wingdings 2"/>
+              <a:buChar char=""/>
+              <a:defRPr kumimoji="0" sz="2800" kern="1200">
+                <a:solidFill>
+                  <a:schemeClr val="tx1"/>
+                </a:solidFill>
+                <a:effectLst/>
+                <a:latin typeface="+mn-lt"/>
+                <a:ea typeface="+mn-ea"/>
+                <a:cs typeface="+mn-cs"/>
+              </a:defRPr>
+            </a:lvl1pPr>
+            <a:lvl2pPr marL="548640" indent="-201168" algn="l" rtl="0" eaLnBrk="1" latinLnBrk="1" hangingPunct="1">
+              <a:spcBef>
+                <a:spcPts val="250"/>
+              </a:spcBef>
+              <a:buClr>
+                <a:schemeClr val="accent1"/>
+              </a:buClr>
+              <a:buSzPct val="100000"/>
+              <a:buFont typeface="Verdana"/>
+              <a:buChar char="◦"/>
+              <a:defRPr kumimoji="0" sz="2400" kern="1200">
+                <a:solidFill>
+                  <a:schemeClr val="tx1"/>
+                </a:solidFill>
+                <a:latin typeface="+mn-lt"/>
+                <a:ea typeface="+mn-ea"/>
+                <a:cs typeface="+mn-cs"/>
+              </a:defRPr>
+            </a:lvl2pPr>
+            <a:lvl3pPr marL="786384" indent="-182880" algn="l" rtl="0" eaLnBrk="1" latinLnBrk="1" hangingPunct="1">
+              <a:spcBef>
+                <a:spcPts val="250"/>
+              </a:spcBef>
+              <a:buClr>
+                <a:schemeClr val="accent2">
+                  <a:tint val="85000"/>
+                  <a:satMod val="285000"/>
+                </a:schemeClr>
+              </a:buClr>
+              <a:buSzPct val="100000"/>
+              <a:buFont typeface="Wingdings 2"/>
+              <a:buChar char=""/>
+              <a:defRPr kumimoji="0" sz="2200" kern="1200">
+                <a:solidFill>
+                  <a:schemeClr val="tx1"/>
+                </a:solidFill>
+                <a:latin typeface="+mn-lt"/>
+                <a:ea typeface="+mn-ea"/>
+                <a:cs typeface="+mn-cs"/>
+              </a:defRPr>
+            </a:lvl3pPr>
+            <a:lvl4pPr marL="1024128" indent="-182880" algn="l" rtl="0" eaLnBrk="1" latinLnBrk="1" hangingPunct="1">
+              <a:spcBef>
+                <a:spcPts val="230"/>
+              </a:spcBef>
+              <a:buClr>
+                <a:schemeClr val="accent2">
+                  <a:tint val="85000"/>
+                  <a:satMod val="285000"/>
+                </a:schemeClr>
+              </a:buClr>
+              <a:buSzPct val="112000"/>
+              <a:buFont typeface="Verdana"/>
+              <a:buChar char="◦"/>
+              <a:defRPr kumimoji="0" sz="1900" kern="1200">
+                <a:solidFill>
+                  <a:schemeClr val="tx1"/>
+                </a:solidFill>
+                <a:latin typeface="+mn-lt"/>
+                <a:ea typeface="+mn-ea"/>
+                <a:cs typeface="+mn-cs"/>
+              </a:defRPr>
+            </a:lvl4pPr>
+            <a:lvl5pPr marL="1280160" indent="-182880" algn="l" rtl="0" eaLnBrk="1" latinLnBrk="1" hangingPunct="1">
+              <a:spcBef>
+                <a:spcPts val="250"/>
+              </a:spcBef>
+              <a:buClr>
+                <a:schemeClr val="accent3">
+                  <a:tint val="85000"/>
+                  <a:satMod val="275000"/>
+                </a:schemeClr>
+              </a:buClr>
+              <a:buSzPct val="100000"/>
+              <a:buFont typeface="Wingdings 2"/>
+              <a:buChar char=""/>
+              <a:defRPr kumimoji="0" sz="1800" kern="1200">
+                <a:solidFill>
+                  <a:schemeClr val="tx1"/>
+                </a:solidFill>
+                <a:latin typeface="+mn-lt"/>
+                <a:ea typeface="+mn-ea"/>
+                <a:cs typeface="+mn-cs"/>
+              </a:defRPr>
+            </a:lvl5pPr>
+            <a:lvl6pPr marL="1490472" indent="-182880" algn="l" rtl="0" eaLnBrk="1" latinLnBrk="1" hangingPunct="1">
+              <a:spcBef>
+                <a:spcPts val="250"/>
+              </a:spcBef>
+              <a:buClr>
+                <a:schemeClr val="accent3">
+                  <a:tint val="85000"/>
+                  <a:satMod val="275000"/>
+                </a:schemeClr>
+              </a:buClr>
+              <a:buSzPct val="100000"/>
+              <a:buFont typeface="Verdana"/>
+              <a:buChar char="◦"/>
+              <a:defRPr kumimoji="0" sz="1700" kern="1200" baseline="0">
+                <a:solidFill>
+                  <a:schemeClr val="tx1"/>
+                </a:solidFill>
+                <a:latin typeface="+mn-lt"/>
+                <a:ea typeface="+mn-ea"/>
+                <a:cs typeface="+mn-cs"/>
+              </a:defRPr>
+            </a:lvl6pPr>
+            <a:lvl7pPr marL="1700784" indent="-182880" algn="l" rtl="0" eaLnBrk="1" latinLnBrk="1" hangingPunct="1">
+              <a:spcBef>
+                <a:spcPts val="255"/>
+              </a:spcBef>
+              <a:buClr>
+                <a:schemeClr val="accent3">
+                  <a:tint val="85000"/>
+                  <a:satMod val="275000"/>
+                </a:schemeClr>
+              </a:buClr>
+              <a:buSzPct val="100000"/>
+              <a:buFont typeface="Wingdings 2"/>
+              <a:buChar char=""/>
+              <a:defRPr kumimoji="0" sz="1500" kern="1200">
+                <a:solidFill>
+                  <a:schemeClr val="tx1"/>
+                </a:solidFill>
+                <a:latin typeface="+mn-lt"/>
+                <a:ea typeface="+mn-ea"/>
+                <a:cs typeface="+mn-cs"/>
+              </a:defRPr>
+            </a:lvl7pPr>
+            <a:lvl8pPr marL="1920240" indent="-182880" algn="l" rtl="0" eaLnBrk="1" latinLnBrk="1" hangingPunct="1">
+              <a:spcBef>
+                <a:spcPts val="257"/>
+              </a:spcBef>
+              <a:buClr>
+                <a:schemeClr val="accent3">
+                  <a:tint val="85000"/>
+                  <a:satMod val="275000"/>
+                </a:schemeClr>
+              </a:buClr>
+              <a:buSzPct val="100000"/>
+              <a:buFont typeface="Verdana"/>
+              <a:buChar char="◦"/>
+              <a:defRPr kumimoji="0" sz="1500" kern="1200" baseline="0">
+                <a:solidFill>
+                  <a:schemeClr val="tx1"/>
+                </a:solidFill>
+                <a:latin typeface="+mn-lt"/>
+                <a:ea typeface="+mn-ea"/>
+                <a:cs typeface="+mn-cs"/>
+              </a:defRPr>
+            </a:lvl8pPr>
+            <a:lvl9pPr marL="2148840" indent="-182880" algn="l" rtl="0" eaLnBrk="1" latinLnBrk="1" hangingPunct="1">
+              <a:spcBef>
+                <a:spcPts val="255"/>
+              </a:spcBef>
+              <a:buClr>
+                <a:schemeClr val="accent3">
+                  <a:tint val="85000"/>
+                  <a:satMod val="275000"/>
+                </a:schemeClr>
+              </a:buClr>
+              <a:buSzPct val="100000"/>
+              <a:buFont typeface="Wingdings 2"/>
+              <a:buChar char=""/>
+              <a:defRPr kumimoji="0" sz="1500" kern="1200">
+                <a:solidFill>
+                  <a:schemeClr val="tx1"/>
+                </a:solidFill>
+                <a:latin typeface="+mn-lt"/>
+                <a:ea typeface="+mn-ea"/>
+                <a:cs typeface="+mn-cs"/>
+              </a:defRPr>
+            </a:lvl9pPr>
+            <a:extLst/>
+          </a:lstStyle>
           <a:p>
             <a:r>
               <a:rPr lang="ko-KR" altLang="en-US" dirty="0" smtClean="0"/>
-              <a:t>개발 언어</a:t>
-            </a:r>
-            <a:endParaRPr lang="en-US" altLang="ko-KR" dirty="0" smtClean="0"/>
-          </a:p>
-          <a:p>
-            <a:pPr lvl="1"/>
-            <a:r>
-              <a:rPr lang="en-US" altLang="ko-KR" dirty="0" smtClean="0"/>
-              <a:t>Python</a:t>
-            </a:r>
-          </a:p>
-          <a:p>
-            <a:pPr lvl="1"/>
-            <a:endParaRPr lang="en-US" altLang="ko-KR" dirty="0" smtClean="0"/>
-          </a:p>
-          <a:p>
-            <a:r>
-              <a:rPr lang="ko-KR" altLang="en-US" dirty="0" smtClean="0"/>
-              <a:t>라이브러리</a:t>
-            </a:r>
-            <a:r>
-              <a:rPr lang="en-US" altLang="ko-KR" dirty="0" smtClean="0"/>
-              <a:t>, </a:t>
-            </a:r>
-            <a:r>
-              <a:rPr lang="ko-KR" altLang="en-US" dirty="0" smtClean="0"/>
-              <a:t>툴</a:t>
-            </a:r>
-            <a:endParaRPr lang="en-US" altLang="ko-KR" dirty="0" smtClean="0"/>
-          </a:p>
-          <a:p>
-            <a:pPr lvl="1"/>
-            <a:r>
-              <a:rPr lang="en-US" altLang="ko-KR" dirty="0" smtClean="0"/>
-              <a:t>pandas, </a:t>
-            </a:r>
-            <a:r>
-              <a:rPr lang="en-US" altLang="ko-KR" dirty="0" err="1" smtClean="0"/>
-              <a:t>numpy</a:t>
-            </a:r>
-            <a:r>
-              <a:rPr lang="en-US" altLang="ko-KR" dirty="0" smtClean="0"/>
-              <a:t> :  </a:t>
-            </a:r>
-            <a:r>
-              <a:rPr lang="ko-KR" altLang="en-US" dirty="0" smtClean="0"/>
-              <a:t>데이터 </a:t>
-            </a:r>
-            <a:r>
-              <a:rPr lang="ko-KR" altLang="en-US" dirty="0" err="1" smtClean="0"/>
-              <a:t>처리및</a:t>
-            </a:r>
-            <a:r>
-              <a:rPr lang="ko-KR" altLang="en-US" dirty="0" smtClean="0"/>
-              <a:t>  통</a:t>
-            </a:r>
-            <a:r>
-              <a:rPr lang="ko-KR" altLang="en-US" dirty="0"/>
-              <a:t>계</a:t>
-            </a:r>
-            <a:r>
-              <a:rPr lang="ko-KR" altLang="en-US" dirty="0" smtClean="0"/>
-              <a:t>함수</a:t>
-            </a:r>
-            <a:r>
-              <a:rPr lang="en-US" altLang="ko-KR" dirty="0" smtClean="0"/>
-              <a:t> </a:t>
-            </a:r>
-          </a:p>
-          <a:p>
-            <a:pPr lvl="1"/>
-            <a:r>
-              <a:rPr lang="en-US" altLang="ko-KR" dirty="0" smtClean="0"/>
-              <a:t>pandas-</a:t>
-            </a:r>
-            <a:r>
-              <a:rPr lang="en-US" altLang="ko-KR" dirty="0" err="1" smtClean="0"/>
-              <a:t>datareader</a:t>
-            </a:r>
-            <a:r>
-              <a:rPr lang="en-US" altLang="ko-KR" dirty="0" smtClean="0"/>
-              <a:t>:  </a:t>
-            </a:r>
-            <a:r>
-              <a:rPr lang="ko-KR" altLang="en-US" dirty="0" smtClean="0"/>
-              <a:t>시세정보 조회</a:t>
-            </a:r>
-            <a:r>
-              <a:rPr lang="en-US" altLang="ko-KR" dirty="0" smtClean="0"/>
-              <a:t> </a:t>
-            </a:r>
-            <a:r>
-              <a:rPr lang="en-US" altLang="ko-KR" dirty="0" smtClean="0"/>
-              <a:t>(</a:t>
-            </a:r>
-            <a:r>
-              <a:rPr lang="en-US" altLang="ko-KR" dirty="0" smtClean="0"/>
-              <a:t>finance.yahoo.com)</a:t>
-            </a:r>
-            <a:endParaRPr lang="en-US" altLang="ko-KR" dirty="0" smtClean="0"/>
-          </a:p>
-          <a:p>
-            <a:pPr lvl="1"/>
-            <a:r>
-              <a:rPr lang="en-US" altLang="ko-KR" dirty="0" err="1" smtClean="0"/>
-              <a:t>matplotlib</a:t>
-            </a:r>
-            <a:r>
-              <a:rPr lang="en-US" altLang="ko-KR" dirty="0" smtClean="0"/>
-              <a:t> : </a:t>
-            </a:r>
-            <a:r>
-              <a:rPr lang="ko-KR" altLang="en-US" dirty="0" smtClean="0"/>
-              <a:t>차트 그래프</a:t>
-            </a:r>
-            <a:endParaRPr lang="en-US" altLang="ko-KR" dirty="0" smtClean="0"/>
-          </a:p>
-          <a:p>
-            <a:pPr lvl="1"/>
-            <a:r>
-              <a:rPr lang="en-US" altLang="ko-KR" dirty="0" smtClean="0"/>
-              <a:t>PyQt5</a:t>
-            </a:r>
-            <a:r>
-              <a:rPr lang="en-US" altLang="ko-KR" dirty="0" smtClean="0"/>
-              <a:t>, PyQt5-tools: GUI </a:t>
-            </a:r>
-            <a:r>
-              <a:rPr lang="ko-KR" altLang="en-US" dirty="0" smtClean="0"/>
-              <a:t>라이브러리</a:t>
-            </a:r>
-            <a:r>
-              <a:rPr lang="en-US" altLang="ko-KR" dirty="0" smtClean="0"/>
-              <a:t>, GUI </a:t>
-            </a:r>
-            <a:r>
-              <a:rPr lang="ko-KR" altLang="en-US" dirty="0" smtClean="0"/>
-              <a:t>툴</a:t>
-            </a:r>
-            <a:endParaRPr lang="en-US" altLang="ko-KR" dirty="0" smtClean="0"/>
-          </a:p>
-          <a:p>
-            <a:pPr lvl="1"/>
-            <a:r>
-              <a:rPr lang="en-US" altLang="ko-KR" dirty="0" err="1" smtClean="0"/>
-              <a:t>pyinstaller</a:t>
-            </a:r>
-            <a:r>
-              <a:rPr lang="en-US" altLang="ko-KR" dirty="0" smtClean="0"/>
-              <a:t> : exe </a:t>
-            </a:r>
-            <a:r>
-              <a:rPr lang="ko-KR" altLang="en-US" dirty="0" err="1" smtClean="0"/>
-              <a:t>배포툴</a:t>
-            </a:r>
-            <a:endParaRPr lang="en-US" altLang="ko-KR" dirty="0" smtClean="0"/>
-          </a:p>
-          <a:p>
-            <a:pPr lvl="1"/>
-            <a:endParaRPr lang="en-US" altLang="ko-KR" dirty="0"/>
-          </a:p>
-          <a:p>
-            <a:r>
-              <a:rPr lang="ko-KR" altLang="en-US" dirty="0" smtClean="0"/>
-              <a:t>심볼</a:t>
+              <a:t>코드</a:t>
             </a:r>
             <a:r>
               <a:rPr lang="en-US" altLang="ko-KR" dirty="0" smtClean="0"/>
               <a:t>,</a:t>
             </a:r>
             <a:r>
-              <a:rPr lang="ko-KR" altLang="en-US" smtClean="0"/>
-              <a:t>코드 </a:t>
-            </a:r>
-            <a:r>
               <a:rPr lang="ko-KR" altLang="en-US" dirty="0" smtClean="0"/>
-              <a:t>데이터</a:t>
+              <a:t>심볼을 팝업 </a:t>
+            </a:r>
+            <a:r>
+              <a:rPr lang="ko-KR" altLang="en-US" dirty="0" err="1" smtClean="0"/>
+              <a:t>리스트창</a:t>
+            </a:r>
+            <a:r>
+              <a:rPr lang="ko-KR" altLang="en-US" dirty="0" smtClean="0"/>
+              <a:t> 에서 선택 입력</a:t>
             </a:r>
             <a:endParaRPr lang="en-US" altLang="ko-KR" dirty="0" smtClean="0"/>
           </a:p>
           <a:p>
-            <a:pPr lvl="1"/>
-            <a:r>
-              <a:rPr lang="en-US" altLang="ko-KR" dirty="0">
-                <a:hlinkClick r:id="rId2"/>
-              </a:rPr>
-              <a:t>https://kind.krx.co.kr</a:t>
-            </a:r>
-            <a:r>
-              <a:rPr lang="en-US" altLang="ko-KR" dirty="0"/>
-              <a:t> </a:t>
-            </a:r>
-            <a:r>
-              <a:rPr lang="en-US" altLang="ko-KR" dirty="0" smtClean="0"/>
-              <a:t>, </a:t>
-            </a:r>
-            <a:r>
-              <a:rPr lang="en-US" altLang="ko-KR" dirty="0" smtClean="0">
-                <a:hlinkClick r:id="rId3"/>
-              </a:rPr>
-              <a:t>www.nasdaq.com</a:t>
-            </a:r>
-            <a:r>
-              <a:rPr lang="en-US" altLang="ko-KR" dirty="0">
-                <a:hlinkClick r:id="rId3"/>
-              </a:rPr>
-              <a:t>/</a:t>
-            </a:r>
+            <a:pPr marL="0" indent="0">
+              <a:buFont typeface="Wingdings 2"/>
+              <a:buNone/>
+            </a:pPr>
             <a:endParaRPr lang="en-US" altLang="ko-KR" dirty="0" smtClean="0"/>
           </a:p>
           <a:p>
@@ -4487,13 +4932,20 @@
     </p:spTree>
     <p:extLst>
       <p:ext uri="{BB962C8B-B14F-4D97-AF65-F5344CB8AC3E}">
-        <p14:creationId xmlns:p14="http://schemas.microsoft.com/office/powerpoint/2010/main" val="796276897"/>
+        <p14:creationId xmlns:p14="http://schemas.microsoft.com/office/powerpoint/2010/main" val="693750732"/>
       </p:ext>
     </p:extLst>
   </p:cSld>
   <p:clrMapOvr>
     <a:masterClrMapping/>
   </p:clrMapOvr>
+  <p:timing>
+    <p:tnLst>
+      <p:par>
+        <p:cTn id="1" dur="indefinite" restart="never" nodeType="tmRoot"/>
+      </p:par>
+    </p:tnLst>
+  </p:timing>
 </p:sld>
 </file>
 
@@ -4530,6 +4982,381 @@
           <a:lstStyle/>
           <a:p>
             <a:r>
+              <a:rPr lang="en-US" altLang="ko-KR" smtClean="0"/>
+              <a:t>Type B </a:t>
+            </a:r>
+            <a:r>
+              <a:rPr lang="ko-KR" altLang="en-US" dirty="0" smtClean="0"/>
+              <a:t>버전 소개</a:t>
+            </a:r>
+            <a:endParaRPr lang="ko-KR" altLang="en-US" dirty="0"/>
+          </a:p>
+        </p:txBody>
+      </p:sp>
+      <p:sp>
+        <p:nvSpPr>
+          <p:cNvPr id="3" name="내용 개체 틀 2"/>
+          <p:cNvSpPr>
+            <a:spLocks noGrp="1"/>
+          </p:cNvSpPr>
+          <p:nvPr>
+            <p:ph idx="1"/>
+          </p:nvPr>
+        </p:nvSpPr>
+        <p:spPr/>
+        <p:txBody>
+          <a:bodyPr/>
+          <a:lstStyle/>
+          <a:p>
+            <a:endParaRPr lang="ko-KR" altLang="en-US"/>
+          </a:p>
+        </p:txBody>
+      </p:sp>
+    </p:spTree>
+    <p:extLst>
+      <p:ext uri="{BB962C8B-B14F-4D97-AF65-F5344CB8AC3E}">
+        <p14:creationId xmlns:p14="http://schemas.microsoft.com/office/powerpoint/2010/main" val="3095927278"/>
+      </p:ext>
+    </p:extLst>
+  </p:cSld>
+  <p:clrMapOvr>
+    <a:masterClrMapping/>
+  </p:clrMapOvr>
+  <p:timing>
+    <p:tnLst>
+      <p:par>
+        <p:cTn id="1" dur="indefinite" restart="never" nodeType="tmRoot"/>
+      </p:par>
+    </p:tnLst>
+  </p:timing>
+</p:sld>
+</file>
+
+<file path=ppt/slides/slide6.xml><?xml version="1.0" encoding="utf-8"?>
+<p:sld xmlns:a="http://schemas.openxmlformats.org/drawingml/2006/main" xmlns:r="http://schemas.openxmlformats.org/officeDocument/2006/relationships" xmlns:p="http://schemas.openxmlformats.org/presentationml/2006/main">
+  <p:cSld>
+    <p:spTree>
+      <p:nvGrpSpPr>
+        <p:cNvPr id="1" name=""/>
+        <p:cNvGrpSpPr/>
+        <p:nvPr/>
+      </p:nvGrpSpPr>
+      <p:grpSpPr>
+        <a:xfrm>
+          <a:off x="0" y="0"/>
+          <a:ext cx="0" cy="0"/>
+          <a:chOff x="0" y="0"/>
+          <a:chExt cx="0" cy="0"/>
+        </a:xfrm>
+      </p:grpSpPr>
+      <p:sp>
+        <p:nvSpPr>
+          <p:cNvPr id="2" name="제목 1"/>
+          <p:cNvSpPr>
+            <a:spLocks noGrp="1"/>
+          </p:cNvSpPr>
+          <p:nvPr>
+            <p:ph type="title"/>
+          </p:nvPr>
+        </p:nvSpPr>
+        <p:spPr/>
+        <p:txBody>
+          <a:bodyPr/>
+          <a:lstStyle/>
+          <a:p>
+            <a:r>
+              <a:rPr lang="ko-KR" altLang="en-US" dirty="0" smtClean="0"/>
+              <a:t>내</a:t>
+            </a:r>
+            <a:r>
+              <a:rPr lang="ko-KR" altLang="en-US" dirty="0"/>
+              <a:t>용</a:t>
+            </a:r>
+          </a:p>
+        </p:txBody>
+      </p:sp>
+      <p:sp>
+        <p:nvSpPr>
+          <p:cNvPr id="3" name="내용 개체 틀 2"/>
+          <p:cNvSpPr>
+            <a:spLocks noGrp="1"/>
+          </p:cNvSpPr>
+          <p:nvPr>
+            <p:ph idx="1"/>
+          </p:nvPr>
+        </p:nvSpPr>
+        <p:spPr>
+          <a:xfrm>
+            <a:off x="502920" y="530352"/>
+            <a:ext cx="8183880" cy="4626840"/>
+          </a:xfrm>
+        </p:spPr>
+        <p:txBody>
+          <a:bodyPr>
+            <a:normAutofit fontScale="92500" lnSpcReduction="20000"/>
+          </a:bodyPr>
+          <a:lstStyle/>
+          <a:p>
+            <a:endParaRPr lang="en-US" altLang="ko-KR" dirty="0" smtClean="0"/>
+          </a:p>
+          <a:p>
+            <a:r>
+              <a:rPr lang="ko-KR" altLang="en-US" dirty="0" smtClean="0"/>
+              <a:t>개발 언어</a:t>
+            </a:r>
+            <a:endParaRPr lang="en-US" altLang="ko-KR" dirty="0" smtClean="0"/>
+          </a:p>
+          <a:p>
+            <a:pPr lvl="1"/>
+            <a:r>
+              <a:rPr lang="en-US" altLang="ko-KR" dirty="0" smtClean="0"/>
+              <a:t>Python</a:t>
+            </a:r>
+          </a:p>
+          <a:p>
+            <a:pPr lvl="1"/>
+            <a:endParaRPr lang="en-US" altLang="ko-KR" dirty="0" smtClean="0"/>
+          </a:p>
+          <a:p>
+            <a:r>
+              <a:rPr lang="ko-KR" altLang="en-US" dirty="0" smtClean="0"/>
+              <a:t>라이브러리</a:t>
+            </a:r>
+            <a:r>
+              <a:rPr lang="en-US" altLang="ko-KR" dirty="0" smtClean="0"/>
+              <a:t>, </a:t>
+            </a:r>
+            <a:r>
+              <a:rPr lang="ko-KR" altLang="en-US" dirty="0" smtClean="0"/>
+              <a:t>툴</a:t>
+            </a:r>
+            <a:endParaRPr lang="en-US" altLang="ko-KR" dirty="0" smtClean="0"/>
+          </a:p>
+          <a:p>
+            <a:pPr lvl="1"/>
+            <a:r>
+              <a:rPr lang="en-US" altLang="ko-KR" dirty="0" smtClean="0"/>
+              <a:t>pandas, </a:t>
+            </a:r>
+            <a:r>
+              <a:rPr lang="en-US" altLang="ko-KR" dirty="0" err="1" smtClean="0"/>
+              <a:t>numpy</a:t>
+            </a:r>
+            <a:r>
+              <a:rPr lang="en-US" altLang="ko-KR" dirty="0" smtClean="0"/>
+              <a:t> :  </a:t>
+            </a:r>
+            <a:r>
+              <a:rPr lang="ko-KR" altLang="en-US" dirty="0" smtClean="0"/>
+              <a:t>데이터 </a:t>
+            </a:r>
+            <a:r>
+              <a:rPr lang="ko-KR" altLang="en-US" dirty="0" err="1" smtClean="0"/>
+              <a:t>처리및</a:t>
+            </a:r>
+            <a:r>
+              <a:rPr lang="ko-KR" altLang="en-US" dirty="0" smtClean="0"/>
+              <a:t>  통</a:t>
+            </a:r>
+            <a:r>
+              <a:rPr lang="ko-KR" altLang="en-US" dirty="0"/>
+              <a:t>계</a:t>
+            </a:r>
+            <a:r>
+              <a:rPr lang="ko-KR" altLang="en-US" dirty="0" smtClean="0"/>
+              <a:t>함수</a:t>
+            </a:r>
+            <a:r>
+              <a:rPr lang="en-US" altLang="ko-KR" dirty="0" smtClean="0"/>
+              <a:t> </a:t>
+            </a:r>
+          </a:p>
+          <a:p>
+            <a:pPr lvl="1"/>
+            <a:r>
+              <a:rPr lang="en-US" altLang="ko-KR" dirty="0" smtClean="0"/>
+              <a:t>pandas-</a:t>
+            </a:r>
+            <a:r>
+              <a:rPr lang="en-US" altLang="ko-KR" dirty="0" err="1" smtClean="0"/>
+              <a:t>datareader</a:t>
+            </a:r>
+            <a:r>
+              <a:rPr lang="en-US" altLang="ko-KR" dirty="0" smtClean="0"/>
+              <a:t>:  </a:t>
+            </a:r>
+            <a:r>
+              <a:rPr lang="ko-KR" altLang="en-US" dirty="0" smtClean="0"/>
+              <a:t>시세정보 조회</a:t>
+            </a:r>
+            <a:r>
+              <a:rPr lang="en-US" altLang="ko-KR" dirty="0" smtClean="0"/>
+              <a:t> (finance.yahoo.com)</a:t>
+            </a:r>
+          </a:p>
+          <a:p>
+            <a:pPr lvl="1"/>
+            <a:r>
+              <a:rPr lang="en-US" altLang="ko-KR" dirty="0" err="1" smtClean="0"/>
+              <a:t>matplotlib</a:t>
+            </a:r>
+            <a:r>
+              <a:rPr lang="en-US" altLang="ko-KR" dirty="0" smtClean="0"/>
+              <a:t> : </a:t>
+            </a:r>
+            <a:r>
+              <a:rPr lang="ko-KR" altLang="en-US" dirty="0" smtClean="0"/>
+              <a:t>차트 그래프</a:t>
+            </a:r>
+            <a:endParaRPr lang="en-US" altLang="ko-KR" dirty="0" smtClean="0"/>
+          </a:p>
+          <a:p>
+            <a:pPr lvl="1"/>
+            <a:r>
+              <a:rPr lang="en-US" altLang="ko-KR" dirty="0" smtClean="0"/>
+              <a:t>PyQt5, PyQt5-tools: GUI </a:t>
+            </a:r>
+            <a:r>
+              <a:rPr lang="ko-KR" altLang="en-US" dirty="0" smtClean="0"/>
+              <a:t>라이브러리</a:t>
+            </a:r>
+            <a:r>
+              <a:rPr lang="en-US" altLang="ko-KR" dirty="0" smtClean="0"/>
+              <a:t>, GUI </a:t>
+            </a:r>
+            <a:r>
+              <a:rPr lang="ko-KR" altLang="en-US" dirty="0" smtClean="0"/>
+              <a:t>툴</a:t>
+            </a:r>
+            <a:endParaRPr lang="en-US" altLang="ko-KR" dirty="0" smtClean="0"/>
+          </a:p>
+          <a:p>
+            <a:pPr lvl="1"/>
+            <a:r>
+              <a:rPr lang="en-US" altLang="ko-KR" dirty="0" err="1" smtClean="0"/>
+              <a:t>pyinstaller</a:t>
+            </a:r>
+            <a:r>
+              <a:rPr lang="en-US" altLang="ko-KR" dirty="0" smtClean="0"/>
+              <a:t> : exe </a:t>
+            </a:r>
+            <a:r>
+              <a:rPr lang="ko-KR" altLang="en-US" dirty="0" err="1" smtClean="0"/>
+              <a:t>배포툴</a:t>
+            </a:r>
+            <a:endParaRPr lang="en-US" altLang="ko-KR" dirty="0" smtClean="0"/>
+          </a:p>
+          <a:p>
+            <a:pPr lvl="1"/>
+            <a:endParaRPr lang="en-US" altLang="ko-KR" dirty="0"/>
+          </a:p>
+          <a:p>
+            <a:r>
+              <a:rPr lang="ko-KR" altLang="en-US" dirty="0" smtClean="0"/>
+              <a:t>상품 코드</a:t>
+            </a:r>
+            <a:r>
+              <a:rPr lang="en-US" altLang="ko-KR" dirty="0" smtClean="0"/>
+              <a:t>,</a:t>
+            </a:r>
+            <a:r>
+              <a:rPr lang="ko-KR" altLang="en-US" dirty="0" smtClean="0"/>
+              <a:t>심볼 </a:t>
+            </a:r>
+            <a:r>
+              <a:rPr lang="ko-KR" altLang="en-US" dirty="0" smtClean="0"/>
+              <a:t>데이터</a:t>
+            </a:r>
+            <a:endParaRPr lang="en-US" altLang="ko-KR" dirty="0" smtClean="0"/>
+          </a:p>
+          <a:p>
+            <a:pPr lvl="1"/>
+            <a:r>
+              <a:rPr lang="en-US" altLang="ko-KR" dirty="0">
+                <a:hlinkClick r:id="rId2"/>
+              </a:rPr>
+              <a:t>https://kind.krx.co.kr</a:t>
+            </a:r>
+            <a:r>
+              <a:rPr lang="en-US" altLang="ko-KR" dirty="0"/>
+              <a:t> </a:t>
+            </a:r>
+            <a:r>
+              <a:rPr lang="en-US" altLang="ko-KR" dirty="0" smtClean="0"/>
+              <a:t>, </a:t>
+            </a:r>
+            <a:r>
+              <a:rPr lang="en-US" altLang="ko-KR" dirty="0" smtClean="0">
+                <a:hlinkClick r:id="rId3"/>
+              </a:rPr>
+              <a:t>www.nasdaq.com</a:t>
+            </a:r>
+            <a:r>
+              <a:rPr lang="en-US" altLang="ko-KR" dirty="0">
+                <a:hlinkClick r:id="rId3"/>
+              </a:rPr>
+              <a:t>/</a:t>
+            </a:r>
+            <a:endParaRPr lang="en-US" altLang="ko-KR" dirty="0" smtClean="0"/>
+          </a:p>
+          <a:p>
+            <a:endParaRPr lang="ko-KR" altLang="en-US" dirty="0"/>
+          </a:p>
+        </p:txBody>
+      </p:sp>
+    </p:spTree>
+    <p:extLst>
+      <p:ext uri="{BB962C8B-B14F-4D97-AF65-F5344CB8AC3E}">
+        <p14:creationId xmlns:p14="http://schemas.microsoft.com/office/powerpoint/2010/main" val="796276897"/>
+      </p:ext>
+    </p:extLst>
+  </p:cSld>
+  <p:clrMapOvr>
+    <a:masterClrMapping/>
+  </p:clrMapOvr>
+  <p:timing>
+    <p:tnLst>
+      <p:par>
+        <p:cTn id="1" dur="indefinite" restart="never" nodeType="tmRoot"/>
+      </p:par>
+    </p:tnLst>
+  </p:timing>
+</p:sld>
+</file>
+
+<file path=ppt/slides/slide7.xml><?xml version="1.0" encoding="utf-8"?>
+<p:sld xmlns:a="http://schemas.openxmlformats.org/drawingml/2006/main" xmlns:r="http://schemas.openxmlformats.org/officeDocument/2006/relationships" xmlns:p="http://schemas.openxmlformats.org/presentationml/2006/main">
+  <p:cSld>
+    <p:spTree>
+      <p:nvGrpSpPr>
+        <p:cNvPr id="1" name=""/>
+        <p:cNvGrpSpPr/>
+        <p:nvPr/>
+      </p:nvGrpSpPr>
+      <p:grpSpPr>
+        <a:xfrm>
+          <a:off x="0" y="0"/>
+          <a:ext cx="0" cy="0"/>
+          <a:chOff x="0" y="0"/>
+          <a:chExt cx="0" cy="0"/>
+        </a:xfrm>
+      </p:grpSpPr>
+      <p:sp>
+        <p:nvSpPr>
+          <p:cNvPr id="2" name="제목 1"/>
+          <p:cNvSpPr>
+            <a:spLocks noGrp="1"/>
+          </p:cNvSpPr>
+          <p:nvPr>
+            <p:ph type="title"/>
+          </p:nvPr>
+        </p:nvSpPr>
+        <p:spPr/>
+        <p:txBody>
+          <a:bodyPr/>
+          <a:lstStyle/>
+          <a:p>
+            <a:r>
               <a:rPr lang="ko-KR" altLang="en-US" dirty="0" smtClean="0"/>
               <a:t>활용</a:t>
             </a:r>
@@ -4723,6 +5550,13 @@
   <p:clrMapOvr>
     <a:masterClrMapping/>
   </p:clrMapOvr>
+  <p:timing>
+    <p:tnLst>
+      <p:par>
+        <p:cTn id="1" dur="indefinite" restart="never" nodeType="tmRoot"/>
+      </p:par>
+    </p:tnLst>
+  </p:timing>
 </p:sld>
 </file>
 

--- a/중간프로젝트2차_금융상품 분석툴20191224.pptx
+++ b/중간프로젝트2차_금융상품 분석툴20191224.pptx
@@ -9,9 +9,13 @@
     <p:sldId id="258" r:id="rId3"/>
     <p:sldId id="259" r:id="rId4"/>
     <p:sldId id="262" r:id="rId5"/>
-    <p:sldId id="263" r:id="rId6"/>
-    <p:sldId id="260" r:id="rId7"/>
-    <p:sldId id="261" r:id="rId8"/>
+    <p:sldId id="264" r:id="rId6"/>
+    <p:sldId id="265" r:id="rId7"/>
+    <p:sldId id="266" r:id="rId8"/>
+    <p:sldId id="263" r:id="rId9"/>
+    <p:sldId id="260" r:id="rId10"/>
+    <p:sldId id="261" r:id="rId11"/>
+    <p:sldId id="267" r:id="rId12"/>
   </p:sldIdLst>
   <p:sldSz cx="9144000" cy="6858000" type="screen4x3"/>
   <p:notesSz cx="6858000" cy="9144000"/>
@@ -419,7 +423,7 @@
           <a:p>
             <a:fld id="{83FFDC18-3446-49FF-8821-C5722B72D633}" type="datetimeFigureOut">
               <a:rPr lang="ko-KR" altLang="en-US" smtClean="0"/>
-              <a:t>2019-12-31</a:t>
+              <a:t>2020-01-02</a:t>
             </a:fld>
             <a:endParaRPr lang="ko-KR" altLang="en-US"/>
           </a:p>
@@ -604,7 +608,7 @@
           <a:p>
             <a:fld id="{83FFDC18-3446-49FF-8821-C5722B72D633}" type="datetimeFigureOut">
               <a:rPr lang="ko-KR" altLang="en-US" smtClean="0"/>
-              <a:t>2019-12-31</a:t>
+              <a:t>2020-01-02</a:t>
             </a:fld>
             <a:endParaRPr lang="ko-KR" altLang="en-US"/>
           </a:p>
@@ -789,7 +793,7 @@
           <a:p>
             <a:fld id="{83FFDC18-3446-49FF-8821-C5722B72D633}" type="datetimeFigureOut">
               <a:rPr lang="ko-KR" altLang="en-US" smtClean="0"/>
-              <a:t>2019-12-31</a:t>
+              <a:t>2020-01-02</a:t>
             </a:fld>
             <a:endParaRPr lang="ko-KR" altLang="en-US"/>
           </a:p>
@@ -974,7 +978,7 @@
           <a:p>
             <a:fld id="{83FFDC18-3446-49FF-8821-C5722B72D633}" type="datetimeFigureOut">
               <a:rPr lang="ko-KR" altLang="en-US" smtClean="0"/>
-              <a:t>2019-12-31</a:t>
+              <a:t>2020-01-02</a:t>
             </a:fld>
             <a:endParaRPr lang="ko-KR" altLang="en-US"/>
           </a:p>
@@ -1355,7 +1359,7 @@
           <a:p>
             <a:fld id="{83FFDC18-3446-49FF-8821-C5722B72D633}" type="datetimeFigureOut">
               <a:rPr lang="ko-KR" altLang="en-US" smtClean="0"/>
-              <a:t>2019-12-31</a:t>
+              <a:t>2020-01-02</a:t>
             </a:fld>
             <a:endParaRPr lang="ko-KR" altLang="en-US"/>
           </a:p>
@@ -1624,7 +1628,7 @@
           <a:p>
             <a:fld id="{83FFDC18-3446-49FF-8821-C5722B72D633}" type="datetimeFigureOut">
               <a:rPr lang="ko-KR" altLang="en-US" smtClean="0"/>
-              <a:t>2019-12-31</a:t>
+              <a:t>2020-01-02</a:t>
             </a:fld>
             <a:endParaRPr lang="ko-KR" altLang="en-US"/>
           </a:p>
@@ -2009,7 +2013,7 @@
           <a:p>
             <a:fld id="{83FFDC18-3446-49FF-8821-C5722B72D633}" type="datetimeFigureOut">
               <a:rPr lang="ko-KR" altLang="en-US" smtClean="0"/>
-              <a:t>2019-12-31</a:t>
+              <a:t>2020-01-02</a:t>
             </a:fld>
             <a:endParaRPr lang="ko-KR" altLang="en-US"/>
           </a:p>
@@ -2130,7 +2134,7 @@
           <a:p>
             <a:fld id="{83FFDC18-3446-49FF-8821-C5722B72D633}" type="datetimeFigureOut">
               <a:rPr lang="ko-KR" altLang="en-US" smtClean="0"/>
-              <a:t>2019-12-31</a:t>
+              <a:t>2020-01-02</a:t>
             </a:fld>
             <a:endParaRPr lang="ko-KR" altLang="en-US"/>
           </a:p>
@@ -2310,7 +2314,7 @@
           <a:p>
             <a:fld id="{83FFDC18-3446-49FF-8821-C5722B72D633}" type="datetimeFigureOut">
               <a:rPr lang="ko-KR" altLang="en-US" smtClean="0"/>
-              <a:t>2019-12-31</a:t>
+              <a:t>2020-01-02</a:t>
             </a:fld>
             <a:endParaRPr lang="ko-KR" altLang="en-US"/>
           </a:p>
@@ -2644,7 +2648,7 @@
           <a:p>
             <a:fld id="{83FFDC18-3446-49FF-8821-C5722B72D633}" type="datetimeFigureOut">
               <a:rPr lang="ko-KR" altLang="en-US" smtClean="0"/>
-              <a:t>2019-12-31</a:t>
+              <a:t>2020-01-02</a:t>
             </a:fld>
             <a:endParaRPr lang="ko-KR" altLang="en-US"/>
           </a:p>
@@ -3013,7 +3017,7 @@
           <a:p>
             <a:fld id="{83FFDC18-3446-49FF-8821-C5722B72D633}" type="datetimeFigureOut">
               <a:rPr lang="ko-KR" altLang="en-US" smtClean="0"/>
-              <a:t>2019-12-31</a:t>
+              <a:t>2020-01-02</a:t>
             </a:fld>
             <a:endParaRPr lang="ko-KR" altLang="en-US"/>
           </a:p>
@@ -3431,7 +3435,7 @@
           <a:p>
             <a:fld id="{83FFDC18-3446-49FF-8821-C5722B72D633}" type="datetimeFigureOut">
               <a:rPr lang="ko-KR" altLang="en-US" smtClean="0"/>
-              <a:t>2019-12-31</a:t>
+              <a:t>2020-01-02</a:t>
             </a:fld>
             <a:endParaRPr lang="ko-KR" altLang="en-US"/>
           </a:p>
@@ -3942,6 +3946,388 @@
 </p:sld>
 </file>
 
+<file path=ppt/slides/slide10.xml><?xml version="1.0" encoding="utf-8"?>
+<p:sld xmlns:a="http://schemas.openxmlformats.org/drawingml/2006/main" xmlns:r="http://schemas.openxmlformats.org/officeDocument/2006/relationships" xmlns:p="http://schemas.openxmlformats.org/presentationml/2006/main">
+  <p:cSld>
+    <p:spTree>
+      <p:nvGrpSpPr>
+        <p:cNvPr id="1" name=""/>
+        <p:cNvGrpSpPr/>
+        <p:nvPr/>
+      </p:nvGrpSpPr>
+      <p:grpSpPr>
+        <a:xfrm>
+          <a:off x="0" y="0"/>
+          <a:ext cx="0" cy="0"/>
+          <a:chOff x="0" y="0"/>
+          <a:chExt cx="0" cy="0"/>
+        </a:xfrm>
+      </p:grpSpPr>
+      <p:sp>
+        <p:nvSpPr>
+          <p:cNvPr id="2" name="제목 1"/>
+          <p:cNvSpPr>
+            <a:spLocks noGrp="1"/>
+          </p:cNvSpPr>
+          <p:nvPr>
+            <p:ph type="title"/>
+          </p:nvPr>
+        </p:nvSpPr>
+        <p:spPr/>
+        <p:txBody>
+          <a:bodyPr/>
+          <a:lstStyle/>
+          <a:p>
+            <a:r>
+              <a:rPr lang="ko-KR" altLang="en-US" dirty="0" smtClean="0"/>
+              <a:t>활용</a:t>
+            </a:r>
+            <a:endParaRPr lang="ko-KR" altLang="en-US" dirty="0"/>
+          </a:p>
+        </p:txBody>
+      </p:sp>
+      <p:sp>
+        <p:nvSpPr>
+          <p:cNvPr id="3" name="내용 개체 틀 2"/>
+          <p:cNvSpPr>
+            <a:spLocks noGrp="1"/>
+          </p:cNvSpPr>
+          <p:nvPr>
+            <p:ph idx="1"/>
+          </p:nvPr>
+        </p:nvSpPr>
+        <p:spPr/>
+        <p:txBody>
+          <a:bodyPr>
+            <a:normAutofit fontScale="92500" lnSpcReduction="20000"/>
+          </a:bodyPr>
+          <a:lstStyle/>
+          <a:p>
+            <a:endParaRPr lang="en-US" altLang="ko-KR" dirty="0" smtClean="0"/>
+          </a:p>
+          <a:p>
+            <a:r>
+              <a:rPr lang="ko-KR" altLang="en-US" dirty="0" smtClean="0"/>
+              <a:t>특정 금융상품과 다른 </a:t>
+            </a:r>
+            <a:r>
+              <a:rPr lang="ko-KR" altLang="en-US" dirty="0"/>
+              <a:t>종목과의 </a:t>
+            </a:r>
+            <a:r>
+              <a:rPr lang="ko-KR" altLang="en-US" dirty="0" smtClean="0"/>
+              <a:t>상관관계 정보</a:t>
+            </a:r>
+            <a:r>
+              <a:rPr lang="en-US" altLang="ko-KR" dirty="0" smtClean="0"/>
+              <a:t/>
+            </a:r>
+            <a:br>
+              <a:rPr lang="en-US" altLang="ko-KR" dirty="0" smtClean="0"/>
+            </a:br>
+            <a:r>
+              <a:rPr lang="ko-KR" altLang="en-US" dirty="0" smtClean="0"/>
+              <a:t>를 현 시점 시세가 적용된 구체적인 </a:t>
+            </a:r>
+            <a:r>
+              <a:rPr lang="ko-KR" altLang="en-US" dirty="0"/>
+              <a:t>수치와 </a:t>
+            </a:r>
+            <a:r>
+              <a:rPr lang="en-US" altLang="ko-KR" dirty="0" smtClean="0"/>
+              <a:t/>
+            </a:r>
+            <a:br>
+              <a:rPr lang="en-US" altLang="ko-KR" dirty="0" smtClean="0"/>
+            </a:br>
+            <a:r>
+              <a:rPr lang="ko-KR" altLang="en-US" dirty="0" smtClean="0"/>
+              <a:t>그래프정보로 언제 어디서나 </a:t>
+            </a:r>
+            <a:r>
+              <a:rPr lang="en-US" altLang="ko-KR" dirty="0" smtClean="0"/>
+              <a:t/>
+            </a:r>
+            <a:br>
+              <a:rPr lang="en-US" altLang="ko-KR" dirty="0" smtClean="0"/>
+            </a:br>
+            <a:r>
+              <a:rPr lang="ko-KR" altLang="en-US" dirty="0" smtClean="0"/>
+              <a:t>빠르고 간편하게 확인할 수 있다</a:t>
+            </a:r>
+            <a:r>
+              <a:rPr lang="en-US" altLang="ko-KR" dirty="0" smtClean="0"/>
+              <a:t>.</a:t>
+            </a:r>
+            <a:br>
+              <a:rPr lang="en-US" altLang="ko-KR" dirty="0" smtClean="0"/>
+            </a:br>
+            <a:endParaRPr lang="en-US" altLang="ko-KR" dirty="0"/>
+          </a:p>
+          <a:p>
+            <a:r>
+              <a:rPr lang="ko-KR" altLang="en-US" dirty="0" smtClean="0"/>
+              <a:t>상관관계를 확인하여 </a:t>
+            </a:r>
+            <a:r>
+              <a:rPr lang="ko-KR" altLang="en-US" dirty="0" err="1" smtClean="0"/>
+              <a:t>균형잡힌</a:t>
+            </a:r>
+            <a:r>
+              <a:rPr lang="ko-KR" altLang="en-US" dirty="0" smtClean="0"/>
+              <a:t> 금융포트폴리오를 </a:t>
+            </a:r>
+            <a:r>
+              <a:rPr lang="en-US" altLang="ko-KR" dirty="0" smtClean="0"/>
+              <a:t/>
+            </a:r>
+            <a:br>
+              <a:rPr lang="en-US" altLang="ko-KR" dirty="0" smtClean="0"/>
+            </a:br>
+            <a:r>
+              <a:rPr lang="ko-KR" altLang="en-US" dirty="0" smtClean="0"/>
+              <a:t>구성할 </a:t>
+            </a:r>
+            <a:r>
+              <a:rPr lang="ko-KR" altLang="en-US" dirty="0" smtClean="0"/>
+              <a:t>수 있도록 </a:t>
+            </a:r>
+            <a:r>
+              <a:rPr lang="ko-KR" altLang="en-US" dirty="0" smtClean="0"/>
+              <a:t>도움을 준다</a:t>
+            </a:r>
+            <a:r>
+              <a:rPr lang="en-US" altLang="ko-KR" dirty="0" smtClean="0"/>
+              <a:t>.</a:t>
+            </a:r>
+            <a:br>
+              <a:rPr lang="en-US" altLang="ko-KR" dirty="0" smtClean="0"/>
+            </a:br>
+            <a:endParaRPr lang="en-US" altLang="ko-KR" dirty="0" smtClean="0"/>
+          </a:p>
+          <a:p>
+            <a:r>
+              <a:rPr lang="ko-KR" altLang="en-US" dirty="0" smtClean="0"/>
+              <a:t>매일같이 급변하는 금융 상품시장에서 원하는 </a:t>
+            </a:r>
+            <a:r>
+              <a:rPr lang="en-US" altLang="ko-KR" dirty="0" smtClean="0"/>
+              <a:t/>
+            </a:r>
+            <a:br>
+              <a:rPr lang="en-US" altLang="ko-KR" dirty="0" smtClean="0"/>
+            </a:br>
+            <a:r>
+              <a:rPr lang="ko-KR" altLang="en-US" dirty="0" smtClean="0"/>
+              <a:t>정보를 클릭 </a:t>
+            </a:r>
+            <a:r>
+              <a:rPr lang="ko-KR" altLang="en-US" dirty="0" err="1" smtClean="0"/>
+              <a:t>몇번</a:t>
+            </a:r>
+            <a:r>
+              <a:rPr lang="ko-KR" altLang="en-US" dirty="0" smtClean="0"/>
+              <a:t> 으로 빠르게 제공하여 투자판단의</a:t>
+            </a:r>
+            <a:r>
+              <a:rPr lang="en-US" altLang="ko-KR" dirty="0" smtClean="0"/>
+              <a:t/>
+            </a:r>
+            <a:br>
+              <a:rPr lang="en-US" altLang="ko-KR" dirty="0" smtClean="0"/>
+            </a:br>
+            <a:r>
+              <a:rPr lang="ko-KR" altLang="en-US" dirty="0" smtClean="0"/>
+              <a:t>근거와 자료로 유용하게 활용될 수 있다</a:t>
+            </a:r>
+            <a:r>
+              <a:rPr lang="en-US" altLang="ko-KR" dirty="0" smtClean="0"/>
+              <a:t>.</a:t>
+            </a:r>
+          </a:p>
+          <a:p>
+            <a:endParaRPr lang="en-US" altLang="ko-KR" dirty="0" smtClean="0"/>
+          </a:p>
+          <a:p>
+            <a:endParaRPr lang="en-US" altLang="ko-KR" dirty="0"/>
+          </a:p>
+          <a:p>
+            <a:endParaRPr lang="en-US" altLang="ko-KR" dirty="0" smtClean="0"/>
+          </a:p>
+          <a:p>
+            <a:endParaRPr lang="en-US" altLang="ko-KR" dirty="0"/>
+          </a:p>
+          <a:p>
+            <a:endParaRPr lang="ko-KR" altLang="en-US" dirty="0"/>
+          </a:p>
+        </p:txBody>
+      </p:sp>
+    </p:spTree>
+    <p:extLst>
+      <p:ext uri="{BB962C8B-B14F-4D97-AF65-F5344CB8AC3E}">
+        <p14:creationId xmlns:p14="http://schemas.microsoft.com/office/powerpoint/2010/main" val="2478835397"/>
+      </p:ext>
+    </p:extLst>
+  </p:cSld>
+  <p:clrMapOvr>
+    <a:masterClrMapping/>
+  </p:clrMapOvr>
+  <p:timing>
+    <p:tnLst>
+      <p:par>
+        <p:cTn id="1" dur="indefinite" restart="never" nodeType="tmRoot"/>
+      </p:par>
+    </p:tnLst>
+  </p:timing>
+</p:sld>
+</file>
+
+<file path=ppt/slides/slide11.xml><?xml version="1.0" encoding="utf-8"?>
+<p:sld xmlns:a="http://schemas.openxmlformats.org/drawingml/2006/main" xmlns:r="http://schemas.openxmlformats.org/officeDocument/2006/relationships" xmlns:p="http://schemas.openxmlformats.org/presentationml/2006/main">
+  <p:cSld>
+    <p:spTree>
+      <p:nvGrpSpPr>
+        <p:cNvPr id="1" name=""/>
+        <p:cNvGrpSpPr/>
+        <p:nvPr/>
+      </p:nvGrpSpPr>
+      <p:grpSpPr>
+        <a:xfrm>
+          <a:off x="0" y="0"/>
+          <a:ext cx="0" cy="0"/>
+          <a:chOff x="0" y="0"/>
+          <a:chExt cx="0" cy="0"/>
+        </a:xfrm>
+      </p:grpSpPr>
+      <p:sp>
+        <p:nvSpPr>
+          <p:cNvPr id="2" name="제목 1"/>
+          <p:cNvSpPr>
+            <a:spLocks noGrp="1"/>
+          </p:cNvSpPr>
+          <p:nvPr>
+            <p:ph type="title"/>
+          </p:nvPr>
+        </p:nvSpPr>
+        <p:spPr/>
+        <p:txBody>
+          <a:bodyPr/>
+          <a:lstStyle/>
+          <a:p>
+            <a:r>
+              <a:rPr lang="ko-KR" altLang="en-US" dirty="0" smtClean="0"/>
+              <a:t>결론</a:t>
+            </a:r>
+            <a:endParaRPr lang="ko-KR" altLang="en-US" dirty="0"/>
+          </a:p>
+        </p:txBody>
+      </p:sp>
+      <p:sp>
+        <p:nvSpPr>
+          <p:cNvPr id="3" name="내용 개체 틀 2"/>
+          <p:cNvSpPr>
+            <a:spLocks noGrp="1"/>
+          </p:cNvSpPr>
+          <p:nvPr>
+            <p:ph idx="1"/>
+          </p:nvPr>
+        </p:nvSpPr>
+        <p:spPr/>
+        <p:txBody>
+          <a:bodyPr/>
+          <a:lstStyle/>
+          <a:p>
+            <a:endParaRPr lang="en-US" altLang="ko-KR" dirty="0" smtClean="0"/>
+          </a:p>
+          <a:p>
+            <a:r>
+              <a:rPr lang="en-US" altLang="ko-KR" dirty="0" smtClean="0"/>
+              <a:t>Python</a:t>
+            </a:r>
+            <a:r>
+              <a:rPr lang="ko-KR" altLang="en-US" dirty="0" smtClean="0"/>
+              <a:t>과 데이터 분석 을 활용하여 </a:t>
+            </a:r>
+            <a:endParaRPr lang="en-US" altLang="ko-KR" dirty="0" smtClean="0"/>
+          </a:p>
+          <a:p>
+            <a:r>
+              <a:rPr lang="ko-KR" altLang="en-US" dirty="0" smtClean="0"/>
+              <a:t>실제 업무에 적용될 가능성을 확인</a:t>
+            </a:r>
+            <a:r>
+              <a:rPr lang="en-US" altLang="ko-KR" dirty="0" smtClean="0"/>
+              <a:t/>
+            </a:r>
+            <a:br>
+              <a:rPr lang="en-US" altLang="ko-KR" dirty="0" smtClean="0"/>
+            </a:br>
+            <a:endParaRPr lang="en-US" altLang="ko-KR" dirty="0" smtClean="0"/>
+          </a:p>
+          <a:p>
+            <a:r>
+              <a:rPr lang="ko-KR" altLang="en-US" dirty="0" err="1" smtClean="0"/>
+              <a:t>금융상품이외</a:t>
+            </a:r>
+            <a:r>
+              <a:rPr lang="ko-KR" altLang="en-US" dirty="0" smtClean="0"/>
+              <a:t> 다른 데이터 적용 </a:t>
+            </a:r>
+            <a:endParaRPr lang="en-US" altLang="ko-KR" dirty="0" smtClean="0"/>
+          </a:p>
+          <a:p>
+            <a:r>
+              <a:rPr lang="ko-KR" altLang="en-US" dirty="0" smtClean="0"/>
+              <a:t>유저 </a:t>
+            </a:r>
+            <a:r>
+              <a:rPr lang="ko-KR" altLang="en-US" dirty="0" err="1" smtClean="0"/>
+              <a:t>입력및</a:t>
+            </a:r>
+            <a:r>
+              <a:rPr lang="ko-KR" altLang="en-US" dirty="0" smtClean="0"/>
+              <a:t> 분석의 일정부분 자동화</a:t>
+            </a:r>
+            <a:endParaRPr lang="en-US" altLang="ko-KR" dirty="0" smtClean="0"/>
+          </a:p>
+          <a:p>
+            <a:r>
+              <a:rPr lang="en-US" altLang="ko-KR" dirty="0" smtClean="0"/>
+              <a:t>web</a:t>
+            </a:r>
+            <a:r>
+              <a:rPr lang="ko-KR" altLang="en-US" dirty="0" smtClean="0"/>
+              <a:t>으로 서비스 </a:t>
+            </a:r>
+            <a:endParaRPr lang="en-US" altLang="ko-KR" dirty="0" smtClean="0"/>
+          </a:p>
+          <a:p>
+            <a:endParaRPr lang="en-US" altLang="ko-KR" dirty="0" smtClean="0"/>
+          </a:p>
+          <a:p>
+            <a:endParaRPr lang="en-US" altLang="ko-KR" dirty="0" smtClean="0"/>
+          </a:p>
+          <a:p>
+            <a:endParaRPr lang="en-US" altLang="ko-KR" dirty="0" smtClean="0"/>
+          </a:p>
+          <a:p>
+            <a:endParaRPr lang="ko-KR" altLang="en-US" dirty="0"/>
+          </a:p>
+        </p:txBody>
+      </p:sp>
+    </p:spTree>
+    <p:extLst>
+      <p:ext uri="{BB962C8B-B14F-4D97-AF65-F5344CB8AC3E}">
+        <p14:creationId xmlns:p14="http://schemas.microsoft.com/office/powerpoint/2010/main" val="710012687"/>
+      </p:ext>
+    </p:extLst>
+  </p:cSld>
+  <p:clrMapOvr>
+    <a:masterClrMapping/>
+  </p:clrMapOvr>
+</p:sld>
+</file>
+
 <file path=ppt/slides/slide2.xml><?xml version="1.0" encoding="utf-8"?>
 <p:sld xmlns:a="http://schemas.openxmlformats.org/drawingml/2006/main" xmlns:r="http://schemas.openxmlformats.org/officeDocument/2006/relationships" xmlns:p="http://schemas.openxmlformats.org/presentationml/2006/main">
   <p:cSld>
@@ -4982,14 +5368,13 @@
           <a:lstStyle/>
           <a:p>
             <a:r>
-              <a:rPr lang="en-US" altLang="ko-KR" smtClean="0"/>
-              <a:t>Type B </a:t>
-            </a:r>
-            <a:r>
-              <a:rPr lang="ko-KR" altLang="en-US" dirty="0" smtClean="0"/>
+              <a:rPr lang="en-US" altLang="ko-KR" dirty="0"/>
+              <a:t>Type A </a:t>
+            </a:r>
+            <a:r>
+              <a:rPr lang="ko-KR" altLang="en-US" dirty="0"/>
               <a:t>버전 소개</a:t>
             </a:r>
-            <a:endParaRPr lang="ko-KR" altLang="en-US" dirty="0"/>
           </a:p>
         </p:txBody>
       </p:sp>
@@ -5008,7 +5393,551 @@
           <a:bodyPr/>
           <a:lstStyle/>
           <a:p>
-            <a:endParaRPr lang="ko-KR" altLang="en-US"/>
+            <a:r>
+              <a:rPr lang="ko-KR" altLang="en-US" dirty="0" smtClean="0"/>
+              <a:t>심플하고 직관적인 인터페이스</a:t>
+            </a:r>
+            <a:endParaRPr lang="en-US" altLang="ko-KR" dirty="0" smtClean="0"/>
+          </a:p>
+          <a:p>
+            <a:r>
+              <a:rPr lang="ko-KR" altLang="en-US" dirty="0" smtClean="0"/>
+              <a:t>파일로 읽어온 </a:t>
+            </a:r>
+            <a:r>
+              <a:rPr lang="ko-KR" altLang="en-US" dirty="0" err="1" smtClean="0"/>
+              <a:t>시장별</a:t>
+            </a:r>
+            <a:r>
+              <a:rPr lang="ko-KR" altLang="en-US" dirty="0" smtClean="0"/>
+              <a:t> 종목 리스트 검색기능 제공</a:t>
+            </a:r>
+            <a:endParaRPr lang="en-US" altLang="ko-KR" dirty="0" smtClean="0"/>
+          </a:p>
+          <a:p>
+            <a:r>
+              <a:rPr lang="ko-KR" altLang="en-US" dirty="0" smtClean="0"/>
+              <a:t>다수의 종목들간의 반복적인 비교 분석을 간편하게 수행</a:t>
+            </a:r>
+            <a:endParaRPr lang="en-US" altLang="ko-KR" dirty="0" smtClean="0"/>
+          </a:p>
+          <a:p>
+            <a:r>
+              <a:rPr lang="ko-KR" altLang="en-US" dirty="0" smtClean="0"/>
+              <a:t>단일 화면에서 그래프와 수치로 직관적인 정보 제공</a:t>
+            </a:r>
+            <a:endParaRPr lang="en-US" altLang="ko-KR" dirty="0" smtClean="0"/>
+          </a:p>
+          <a:p>
+            <a:r>
+              <a:rPr lang="ko-KR" altLang="en-US" dirty="0" smtClean="0"/>
+              <a:t>다수의 분석내역을 </a:t>
+            </a:r>
+            <a:r>
+              <a:rPr lang="en-US" altLang="ko-KR" dirty="0" smtClean="0"/>
+              <a:t>txt</a:t>
+            </a:r>
+            <a:r>
+              <a:rPr lang="ko-KR" altLang="en-US" dirty="0" smtClean="0"/>
+              <a:t>형식으로 저장하는 기능 제공</a:t>
+            </a:r>
+            <a:endParaRPr lang="en-US" altLang="ko-KR" dirty="0" smtClean="0"/>
+          </a:p>
+          <a:p>
+            <a:r>
+              <a:rPr lang="ko-KR" altLang="en-US" dirty="0" err="1" smtClean="0"/>
+              <a:t>시장별</a:t>
+            </a:r>
+            <a:r>
+              <a:rPr lang="ko-KR" altLang="en-US" dirty="0" smtClean="0"/>
+              <a:t> </a:t>
+            </a:r>
+            <a:r>
+              <a:rPr lang="ko-KR" altLang="en-US" dirty="0" err="1" smtClean="0"/>
+              <a:t>종목명</a:t>
+            </a:r>
+            <a:r>
+              <a:rPr lang="ko-KR" altLang="en-US" dirty="0" smtClean="0"/>
+              <a:t> 코드</a:t>
+            </a:r>
+            <a:r>
+              <a:rPr lang="en-US" altLang="ko-KR" dirty="0" smtClean="0"/>
+              <a:t>,</a:t>
+            </a:r>
+            <a:r>
+              <a:rPr lang="ko-KR" altLang="en-US" dirty="0" smtClean="0"/>
+              <a:t>심볼 </a:t>
+            </a:r>
+            <a:r>
+              <a:rPr lang="en-US" altLang="ko-KR" dirty="0" smtClean="0"/>
+              <a:t>csv</a:t>
+            </a:r>
+            <a:r>
+              <a:rPr lang="ko-KR" altLang="en-US" dirty="0" smtClean="0"/>
+              <a:t>파일 필요 </a:t>
+            </a:r>
+            <a:endParaRPr lang="ko-KR" altLang="en-US" dirty="0"/>
+          </a:p>
+        </p:txBody>
+      </p:sp>
+    </p:spTree>
+    <p:extLst>
+      <p:ext uri="{BB962C8B-B14F-4D97-AF65-F5344CB8AC3E}">
+        <p14:creationId xmlns:p14="http://schemas.microsoft.com/office/powerpoint/2010/main" val="3193738203"/>
+      </p:ext>
+    </p:extLst>
+  </p:cSld>
+  <p:clrMapOvr>
+    <a:masterClrMapping/>
+  </p:clrMapOvr>
+</p:sld>
+</file>
+
+<file path=ppt/slides/slide6.xml><?xml version="1.0" encoding="utf-8"?>
+<p:sld xmlns:a="http://schemas.openxmlformats.org/drawingml/2006/main" xmlns:r="http://schemas.openxmlformats.org/officeDocument/2006/relationships" xmlns:p="http://schemas.openxmlformats.org/presentationml/2006/main">
+  <p:cSld>
+    <p:spTree>
+      <p:nvGrpSpPr>
+        <p:cNvPr id="1" name=""/>
+        <p:cNvGrpSpPr/>
+        <p:nvPr/>
+      </p:nvGrpSpPr>
+      <p:grpSpPr>
+        <a:xfrm>
+          <a:off x="0" y="0"/>
+          <a:ext cx="0" cy="0"/>
+          <a:chOff x="0" y="0"/>
+          <a:chExt cx="0" cy="0"/>
+        </a:xfrm>
+      </p:grpSpPr>
+      <p:sp>
+        <p:nvSpPr>
+          <p:cNvPr id="2" name="제목 1"/>
+          <p:cNvSpPr>
+            <a:spLocks noGrp="1"/>
+          </p:cNvSpPr>
+          <p:nvPr>
+            <p:ph type="title"/>
+          </p:nvPr>
+        </p:nvSpPr>
+        <p:spPr/>
+        <p:txBody>
+          <a:bodyPr/>
+          <a:lstStyle/>
+          <a:p>
+            <a:r>
+              <a:rPr lang="en-US" altLang="ko-KR" dirty="0"/>
+              <a:t>Type B </a:t>
+            </a:r>
+            <a:r>
+              <a:rPr lang="ko-KR" altLang="en-US" dirty="0"/>
+              <a:t>버전 소개</a:t>
+            </a:r>
+          </a:p>
+        </p:txBody>
+      </p:sp>
+      <p:sp>
+        <p:nvSpPr>
+          <p:cNvPr id="3" name="내용 개체 틀 2"/>
+          <p:cNvSpPr>
+            <a:spLocks noGrp="1"/>
+          </p:cNvSpPr>
+          <p:nvPr>
+            <p:ph idx="1"/>
+          </p:nvPr>
+        </p:nvSpPr>
+        <p:spPr/>
+        <p:txBody>
+          <a:bodyPr/>
+          <a:lstStyle/>
+          <a:p>
+            <a:r>
+              <a:rPr lang="ko-KR" altLang="en-US" dirty="0" smtClean="0"/>
+              <a:t>각 기능별 상단 탭으로 구분된 구성 </a:t>
+            </a:r>
+            <a:endParaRPr lang="ko-KR" altLang="en-US" dirty="0"/>
+          </a:p>
+        </p:txBody>
+      </p:sp>
+      <p:pic>
+        <p:nvPicPr>
+          <p:cNvPr id="1026" name="Picture 2" descr="C:\Users\nbvc\Desktop\새 폴더\캡처1.PNG"/>
+          <p:cNvPicPr>
+            <a:picLocks noChangeAspect="1" noChangeArrowheads="1"/>
+          </p:cNvPicPr>
+          <p:nvPr/>
+        </p:nvPicPr>
+        <p:blipFill>
+          <a:blip r:embed="rId2">
+            <a:extLst>
+              <a:ext uri="{28A0092B-C50C-407E-A947-70E740481C1C}">
+                <a14:useLocalDpi xmlns:a14="http://schemas.microsoft.com/office/drawing/2010/main" val="0"/>
+              </a:ext>
+            </a:extLst>
+          </a:blip>
+          <a:srcRect/>
+          <a:stretch>
+            <a:fillRect/>
+          </a:stretch>
+        </p:blipFill>
+        <p:spPr bwMode="auto">
+          <a:xfrm>
+            <a:off x="1187624" y="1199253"/>
+            <a:ext cx="3080737" cy="3857997"/>
+          </a:xfrm>
+          <a:prstGeom prst="rect">
+            <a:avLst/>
+          </a:prstGeom>
+          <a:noFill/>
+          <a:extLst>
+            <a:ext uri="{909E8E84-426E-40DD-AFC4-6F175D3DCCD1}">
+              <a14:hiddenFill xmlns:a14="http://schemas.microsoft.com/office/drawing/2010/main">
+                <a:solidFill>
+                  <a:srgbClr val="FFFFFF"/>
+                </a:solidFill>
+              </a14:hiddenFill>
+            </a:ext>
+          </a:extLst>
+        </p:spPr>
+      </p:pic>
+    </p:spTree>
+    <p:extLst>
+      <p:ext uri="{BB962C8B-B14F-4D97-AF65-F5344CB8AC3E}">
+        <p14:creationId xmlns:p14="http://schemas.microsoft.com/office/powerpoint/2010/main" val="4104794131"/>
+      </p:ext>
+    </p:extLst>
+  </p:cSld>
+  <p:clrMapOvr>
+    <a:masterClrMapping/>
+  </p:clrMapOvr>
+</p:sld>
+</file>
+
+<file path=ppt/slides/slide7.xml><?xml version="1.0" encoding="utf-8"?>
+<p:sld xmlns:a="http://schemas.openxmlformats.org/drawingml/2006/main" xmlns:r="http://schemas.openxmlformats.org/officeDocument/2006/relationships" xmlns:p="http://schemas.openxmlformats.org/presentationml/2006/main">
+  <p:cSld>
+    <p:spTree>
+      <p:nvGrpSpPr>
+        <p:cNvPr id="1" name=""/>
+        <p:cNvGrpSpPr/>
+        <p:nvPr/>
+      </p:nvGrpSpPr>
+      <p:grpSpPr>
+        <a:xfrm>
+          <a:off x="0" y="0"/>
+          <a:ext cx="0" cy="0"/>
+          <a:chOff x="0" y="0"/>
+          <a:chExt cx="0" cy="0"/>
+        </a:xfrm>
+      </p:grpSpPr>
+      <p:sp>
+        <p:nvSpPr>
+          <p:cNvPr id="2" name="제목 1"/>
+          <p:cNvSpPr>
+            <a:spLocks noGrp="1"/>
+          </p:cNvSpPr>
+          <p:nvPr>
+            <p:ph type="title"/>
+          </p:nvPr>
+        </p:nvSpPr>
+        <p:spPr/>
+        <p:txBody>
+          <a:bodyPr/>
+          <a:lstStyle/>
+          <a:p>
+            <a:r>
+              <a:rPr lang="en-US" altLang="ko-KR" dirty="0"/>
+              <a:t>Type B </a:t>
+            </a:r>
+            <a:r>
+              <a:rPr lang="ko-KR" altLang="en-US" dirty="0"/>
+              <a:t>버전 소개</a:t>
+            </a:r>
+          </a:p>
+        </p:txBody>
+      </p:sp>
+      <p:sp>
+        <p:nvSpPr>
+          <p:cNvPr id="3" name="내용 개체 틀 2"/>
+          <p:cNvSpPr>
+            <a:spLocks noGrp="1"/>
+          </p:cNvSpPr>
+          <p:nvPr>
+            <p:ph idx="1"/>
+          </p:nvPr>
+        </p:nvSpPr>
+        <p:spPr/>
+        <p:txBody>
+          <a:bodyPr/>
+          <a:lstStyle/>
+          <a:p>
+            <a:r>
+              <a:rPr lang="ko-KR" altLang="en-US" dirty="0" smtClean="0"/>
+              <a:t>상관관계와 주가 차트</a:t>
+            </a:r>
+            <a:endParaRPr lang="ko-KR" altLang="en-US" dirty="0"/>
+          </a:p>
+        </p:txBody>
+      </p:sp>
+      <p:pic>
+        <p:nvPicPr>
+          <p:cNvPr id="2050" name="Picture 2" descr="C:\Users\nbvc\Desktop\새 폴더\캡처6.PNG"/>
+          <p:cNvPicPr>
+            <a:picLocks noChangeAspect="1" noChangeArrowheads="1"/>
+          </p:cNvPicPr>
+          <p:nvPr/>
+        </p:nvPicPr>
+        <p:blipFill>
+          <a:blip r:embed="rId2">
+            <a:extLst>
+              <a:ext uri="{28A0092B-C50C-407E-A947-70E740481C1C}">
+                <a14:useLocalDpi xmlns:a14="http://schemas.microsoft.com/office/drawing/2010/main" val="0"/>
+              </a:ext>
+            </a:extLst>
+          </a:blip>
+          <a:srcRect/>
+          <a:stretch>
+            <a:fillRect/>
+          </a:stretch>
+        </p:blipFill>
+        <p:spPr bwMode="auto">
+          <a:xfrm>
+            <a:off x="1907704" y="1700808"/>
+            <a:ext cx="2603277" cy="3260075"/>
+          </a:xfrm>
+          <a:prstGeom prst="rect">
+            <a:avLst/>
+          </a:prstGeom>
+          <a:noFill/>
+          <a:extLst>
+            <a:ext uri="{909E8E84-426E-40DD-AFC4-6F175D3DCCD1}">
+              <a14:hiddenFill xmlns:a14="http://schemas.microsoft.com/office/drawing/2010/main">
+                <a:solidFill>
+                  <a:srgbClr val="FFFFFF"/>
+                </a:solidFill>
+              </a14:hiddenFill>
+            </a:ext>
+          </a:extLst>
+        </p:spPr>
+      </p:pic>
+      <p:pic>
+        <p:nvPicPr>
+          <p:cNvPr id="2051" name="Picture 3" descr="C:\Users\nbvc\Desktop\새 폴더\캡처7.PNG"/>
+          <p:cNvPicPr>
+            <a:picLocks noChangeAspect="1" noChangeArrowheads="1"/>
+          </p:cNvPicPr>
+          <p:nvPr/>
+        </p:nvPicPr>
+        <p:blipFill>
+          <a:blip r:embed="rId3" cstate="print">
+            <a:extLst>
+              <a:ext uri="{28A0092B-C50C-407E-A947-70E740481C1C}">
+                <a14:useLocalDpi xmlns:a14="http://schemas.microsoft.com/office/drawing/2010/main" val="0"/>
+              </a:ext>
+            </a:extLst>
+          </a:blip>
+          <a:srcRect/>
+          <a:stretch>
+            <a:fillRect/>
+          </a:stretch>
+        </p:blipFill>
+        <p:spPr bwMode="auto">
+          <a:xfrm>
+            <a:off x="5019124" y="1052736"/>
+            <a:ext cx="2567607" cy="2183099"/>
+          </a:xfrm>
+          <a:prstGeom prst="rect">
+            <a:avLst/>
+          </a:prstGeom>
+          <a:noFill/>
+          <a:extLst>
+            <a:ext uri="{909E8E84-426E-40DD-AFC4-6F175D3DCCD1}">
+              <a14:hiddenFill xmlns:a14="http://schemas.microsoft.com/office/drawing/2010/main">
+                <a:solidFill>
+                  <a:srgbClr val="FFFFFF"/>
+                </a:solidFill>
+              </a14:hiddenFill>
+            </a:ext>
+          </a:extLst>
+        </p:spPr>
+      </p:pic>
+      <p:pic>
+        <p:nvPicPr>
+          <p:cNvPr id="2052" name="Picture 4" descr="C:\Users\nbvc\Desktop\새 폴더\캡처8.PNG"/>
+          <p:cNvPicPr>
+            <a:picLocks noChangeAspect="1" noChangeArrowheads="1"/>
+          </p:cNvPicPr>
+          <p:nvPr/>
+        </p:nvPicPr>
+        <p:blipFill>
+          <a:blip r:embed="rId4" cstate="print">
+            <a:extLst>
+              <a:ext uri="{28A0092B-C50C-407E-A947-70E740481C1C}">
+                <a14:useLocalDpi xmlns:a14="http://schemas.microsoft.com/office/drawing/2010/main" val="0"/>
+              </a:ext>
+            </a:extLst>
+          </a:blip>
+          <a:srcRect/>
+          <a:stretch>
+            <a:fillRect/>
+          </a:stretch>
+        </p:blipFill>
+        <p:spPr bwMode="auto">
+          <a:xfrm>
+            <a:off x="5004048" y="3345375"/>
+            <a:ext cx="2597761" cy="2208737"/>
+          </a:xfrm>
+          <a:prstGeom prst="rect">
+            <a:avLst/>
+          </a:prstGeom>
+          <a:noFill/>
+          <a:extLst>
+            <a:ext uri="{909E8E84-426E-40DD-AFC4-6F175D3DCCD1}">
+              <a14:hiddenFill xmlns:a14="http://schemas.microsoft.com/office/drawing/2010/main">
+                <a:solidFill>
+                  <a:srgbClr val="FFFFFF"/>
+                </a:solidFill>
+              </a14:hiddenFill>
+            </a:ext>
+          </a:extLst>
+        </p:spPr>
+      </p:pic>
+    </p:spTree>
+    <p:extLst>
+      <p:ext uri="{BB962C8B-B14F-4D97-AF65-F5344CB8AC3E}">
+        <p14:creationId xmlns:p14="http://schemas.microsoft.com/office/powerpoint/2010/main" val="2284918111"/>
+      </p:ext>
+    </p:extLst>
+  </p:cSld>
+  <p:clrMapOvr>
+    <a:masterClrMapping/>
+  </p:clrMapOvr>
+</p:sld>
+</file>
+
+<file path=ppt/slides/slide8.xml><?xml version="1.0" encoding="utf-8"?>
+<p:sld xmlns:a="http://schemas.openxmlformats.org/drawingml/2006/main" xmlns:r="http://schemas.openxmlformats.org/officeDocument/2006/relationships" xmlns:p="http://schemas.openxmlformats.org/presentationml/2006/main">
+  <p:cSld>
+    <p:spTree>
+      <p:nvGrpSpPr>
+        <p:cNvPr id="1" name=""/>
+        <p:cNvGrpSpPr/>
+        <p:nvPr/>
+      </p:nvGrpSpPr>
+      <p:grpSpPr>
+        <a:xfrm>
+          <a:off x="0" y="0"/>
+          <a:ext cx="0" cy="0"/>
+          <a:chOff x="0" y="0"/>
+          <a:chExt cx="0" cy="0"/>
+        </a:xfrm>
+      </p:grpSpPr>
+      <p:sp>
+        <p:nvSpPr>
+          <p:cNvPr id="2" name="제목 1"/>
+          <p:cNvSpPr>
+            <a:spLocks noGrp="1"/>
+          </p:cNvSpPr>
+          <p:nvPr>
+            <p:ph type="title"/>
+          </p:nvPr>
+        </p:nvSpPr>
+        <p:spPr/>
+        <p:txBody>
+          <a:bodyPr/>
+          <a:lstStyle/>
+          <a:p>
+            <a:r>
+              <a:rPr lang="en-US" altLang="ko-KR" dirty="0" smtClean="0"/>
+              <a:t>Type B </a:t>
+            </a:r>
+            <a:r>
+              <a:rPr lang="ko-KR" altLang="en-US" dirty="0" smtClean="0"/>
+              <a:t>버전 소개</a:t>
+            </a:r>
+            <a:endParaRPr lang="ko-KR" altLang="en-US" dirty="0"/>
+          </a:p>
+        </p:txBody>
+      </p:sp>
+      <p:sp>
+        <p:nvSpPr>
+          <p:cNvPr id="3" name="내용 개체 틀 2"/>
+          <p:cNvSpPr>
+            <a:spLocks noGrp="1"/>
+          </p:cNvSpPr>
+          <p:nvPr>
+            <p:ph idx="1"/>
+          </p:nvPr>
+        </p:nvSpPr>
+        <p:spPr/>
+        <p:txBody>
+          <a:bodyPr/>
+          <a:lstStyle/>
+          <a:p>
+            <a:r>
+              <a:rPr lang="ko-KR" altLang="en-US" dirty="0" smtClean="0"/>
+              <a:t>온라인 실시간 상장종목 정보 로드</a:t>
+            </a:r>
+            <a:r>
+              <a:rPr lang="en-US" altLang="ko-KR" dirty="0" smtClean="0"/>
+              <a:t/>
+            </a:r>
+            <a:br>
+              <a:rPr lang="en-US" altLang="ko-KR" dirty="0" smtClean="0"/>
+            </a:br>
+            <a:r>
+              <a:rPr lang="ko-KR" altLang="en-US" dirty="0" smtClean="0"/>
+              <a:t> </a:t>
+            </a:r>
+            <a:r>
+              <a:rPr lang="en-US" altLang="ko-KR" dirty="0" smtClean="0"/>
+              <a:t>(</a:t>
+            </a:r>
+            <a:r>
+              <a:rPr lang="ko-KR" altLang="en-US" dirty="0" smtClean="0"/>
+              <a:t>별도 종목정보파일 필요 없음 </a:t>
+            </a:r>
+            <a:r>
+              <a:rPr lang="en-US" altLang="ko-KR" dirty="0" smtClean="0"/>
+              <a:t>)</a:t>
+            </a:r>
+          </a:p>
+          <a:p>
+            <a:r>
+              <a:rPr lang="ko-KR" altLang="en-US" dirty="0" smtClean="0"/>
+              <a:t>분석 결과 차트 창 기능</a:t>
+            </a:r>
+            <a:endParaRPr lang="en-US" altLang="ko-KR" dirty="0" smtClean="0"/>
+          </a:p>
+          <a:p>
+            <a:r>
+              <a:rPr lang="ko-KR" altLang="en-US" dirty="0" err="1" smtClean="0"/>
+              <a:t>날짜별</a:t>
+            </a:r>
+            <a:r>
+              <a:rPr lang="ko-KR" altLang="en-US" dirty="0" smtClean="0"/>
+              <a:t> 종목 가격 비교 차트 제공 </a:t>
+            </a:r>
+            <a:endParaRPr lang="en-US" altLang="ko-KR" dirty="0" smtClean="0"/>
+          </a:p>
+          <a:p>
+            <a:r>
+              <a:rPr lang="ko-KR" altLang="en-US" dirty="0" err="1" smtClean="0"/>
+              <a:t>날짜별</a:t>
+            </a:r>
+            <a:r>
+              <a:rPr lang="ko-KR" altLang="en-US" dirty="0" smtClean="0"/>
+              <a:t> 종목 가격 시세 리스트 </a:t>
+            </a:r>
+            <a:r>
+              <a:rPr lang="en-US" altLang="ko-KR" dirty="0" smtClean="0"/>
+              <a:t>csv</a:t>
+            </a:r>
+            <a:r>
+              <a:rPr lang="ko-KR" altLang="en-US" dirty="0" smtClean="0"/>
+              <a:t>저장 기능 제공 </a:t>
+            </a:r>
+            <a:endParaRPr lang="ko-KR" altLang="en-US" dirty="0"/>
           </a:p>
         </p:txBody>
       </p:sp>
@@ -5032,7 +5961,7 @@
 </p:sld>
 </file>
 
-<file path=ppt/slides/slide6.xml><?xml version="1.0" encoding="utf-8"?>
+<file path=ppt/slides/slide9.xml><?xml version="1.0" encoding="utf-8"?>
 <p:sld xmlns:a="http://schemas.openxmlformats.org/drawingml/2006/main" xmlns:r="http://schemas.openxmlformats.org/officeDocument/2006/relationships" xmlns:p="http://schemas.openxmlformats.org/presentationml/2006/main">
   <p:cSld>
     <p:spTree>
@@ -5183,16 +6112,13 @@
             </a:r>
             <a:r>
               <a:rPr lang="en-US" altLang="ko-KR" dirty="0" smtClean="0"/>
-              <a:t>:  </a:t>
-            </a:r>
-            <a:r>
-              <a:rPr lang="ko-KR" altLang="en-US" dirty="0" smtClean="0"/>
-              <a:t>시세정보 조회</a:t>
-            </a:r>
-            <a:r>
-              <a:rPr lang="en-US" altLang="ko-KR" dirty="0" smtClean="0"/>
-              <a:t> (finance.yahoo.com)</a:t>
-            </a:r>
+              <a:t>: </a:t>
+            </a:r>
+            <a:r>
+              <a:rPr lang="ko-KR" altLang="en-US" dirty="0" smtClean="0"/>
+              <a:t>주식 정보 조회</a:t>
+            </a:r>
+            <a:endParaRPr lang="en-US" altLang="ko-KR" dirty="0" smtClean="0"/>
           </a:p>
           <a:p>
             <a:pPr lvl="1"/>
@@ -5248,38 +6174,19 @@
           </a:p>
           <a:p>
             <a:pPr lvl="1"/>
-            <a:endParaRPr lang="en-US" altLang="ko-KR" dirty="0"/>
-          </a:p>
-          <a:p>
-            <a:r>
-              <a:rPr lang="ko-KR" altLang="en-US" dirty="0" smtClean="0"/>
-              <a:t>상품 코드</a:t>
+            <a:r>
+              <a:rPr lang="ko-KR" altLang="en-US" dirty="0" smtClean="0"/>
+              <a:t>시세정보</a:t>
             </a:r>
             <a:r>
               <a:rPr lang="en-US" altLang="ko-KR" dirty="0" smtClean="0"/>
-              <a:t>,</a:t>
-            </a:r>
-            <a:r>
-              <a:rPr lang="ko-KR" altLang="en-US" dirty="0" smtClean="0"/>
-              <a:t>심볼 </a:t>
-            </a:r>
-            <a:r>
-              <a:rPr lang="ko-KR" altLang="en-US" dirty="0" smtClean="0"/>
-              <a:t>데이터</a:t>
-            </a:r>
-            <a:endParaRPr lang="en-US" altLang="ko-KR" dirty="0" smtClean="0"/>
-          </a:p>
-          <a:p>
-            <a:pPr lvl="1"/>
-            <a:r>
-              <a:rPr lang="en-US" altLang="ko-KR" dirty="0">
+              <a:t>: </a:t>
+            </a:r>
+            <a:r>
+              <a:rPr lang="en-US" altLang="ko-KR" dirty="0" smtClean="0">
                 <a:hlinkClick r:id="rId2"/>
               </a:rPr>
-              <a:t>https://kind.krx.co.kr</a:t>
-            </a:r>
-            <a:r>
-              <a:rPr lang="en-US" altLang="ko-KR" dirty="0"/>
-              <a:t> </a:t>
+              <a:t>finance.naver.com/</a:t>
             </a:r>
             <a:r>
               <a:rPr lang="en-US" altLang="ko-KR" dirty="0" smtClean="0"/>
@@ -5289,7 +6196,7 @@
               <a:rPr lang="en-US" altLang="ko-KR" dirty="0" smtClean="0">
                 <a:hlinkClick r:id="rId3"/>
               </a:rPr>
-              <a:t>www.nasdaq.com</a:t>
+              <a:t>finance.yahoo.com</a:t>
             </a:r>
             <a:r>
               <a:rPr lang="en-US" altLang="ko-KR" dirty="0">
@@ -5300,6 +6207,55 @@
             <a:endParaRPr lang="en-US" altLang="ko-KR" dirty="0" smtClean="0"/>
           </a:p>
           <a:p>
+            <a:pPr lvl="1"/>
+            <a:endParaRPr lang="en-US" altLang="ko-KR" dirty="0"/>
+          </a:p>
+          <a:p>
+            <a:r>
+              <a:rPr lang="ko-KR" altLang="en-US" dirty="0" smtClean="0"/>
+              <a:t>상품 코드</a:t>
+            </a:r>
+            <a:r>
+              <a:rPr lang="en-US" altLang="ko-KR" dirty="0" smtClean="0"/>
+              <a:t>,</a:t>
+            </a:r>
+            <a:r>
+              <a:rPr lang="ko-KR" altLang="en-US" dirty="0" smtClean="0"/>
+              <a:t>심볼 데이터</a:t>
+            </a:r>
+            <a:endParaRPr lang="en-US" altLang="ko-KR" dirty="0" smtClean="0"/>
+          </a:p>
+          <a:p>
+            <a:pPr lvl="1"/>
+            <a:r>
+              <a:rPr lang="en-US" altLang="ko-KR" dirty="0">
+                <a:hlinkClick r:id="rId4"/>
+              </a:rPr>
+              <a:t>https://kind.krx.co.kr</a:t>
+            </a:r>
+            <a:r>
+              <a:rPr lang="en-US" altLang="ko-KR" dirty="0"/>
+              <a:t> </a:t>
+            </a:r>
+            <a:r>
+              <a:rPr lang="en-US" altLang="ko-KR" dirty="0" smtClean="0"/>
+              <a:t>, </a:t>
+            </a:r>
+            <a:r>
+              <a:rPr lang="en-US" altLang="ko-KR" dirty="0" smtClean="0">
+                <a:hlinkClick r:id="rId5"/>
+              </a:rPr>
+              <a:t>www.nasdaq.com</a:t>
+            </a:r>
+            <a:r>
+              <a:rPr lang="en-US" altLang="ko-KR" dirty="0">
+                <a:hlinkClick r:id="rId5"/>
+              </a:rPr>
+              <a:t>/</a:t>
+            </a:r>
+            <a:endParaRPr lang="en-US" altLang="ko-KR" dirty="0" smtClean="0"/>
+          </a:p>
+          <a:p>
             <a:endParaRPr lang="ko-KR" altLang="en-US" dirty="0"/>
           </a:p>
         </p:txBody>
@@ -5308,242 +6264,6 @@
     <p:extLst>
       <p:ext uri="{BB962C8B-B14F-4D97-AF65-F5344CB8AC3E}">
         <p14:creationId xmlns:p14="http://schemas.microsoft.com/office/powerpoint/2010/main" val="796276897"/>
-      </p:ext>
-    </p:extLst>
-  </p:cSld>
-  <p:clrMapOvr>
-    <a:masterClrMapping/>
-  </p:clrMapOvr>
-  <p:timing>
-    <p:tnLst>
-      <p:par>
-        <p:cTn id="1" dur="indefinite" restart="never" nodeType="tmRoot"/>
-      </p:par>
-    </p:tnLst>
-  </p:timing>
-</p:sld>
-</file>
-
-<file path=ppt/slides/slide7.xml><?xml version="1.0" encoding="utf-8"?>
-<p:sld xmlns:a="http://schemas.openxmlformats.org/drawingml/2006/main" xmlns:r="http://schemas.openxmlformats.org/officeDocument/2006/relationships" xmlns:p="http://schemas.openxmlformats.org/presentationml/2006/main">
-  <p:cSld>
-    <p:spTree>
-      <p:nvGrpSpPr>
-        <p:cNvPr id="1" name=""/>
-        <p:cNvGrpSpPr/>
-        <p:nvPr/>
-      </p:nvGrpSpPr>
-      <p:grpSpPr>
-        <a:xfrm>
-          <a:off x="0" y="0"/>
-          <a:ext cx="0" cy="0"/>
-          <a:chOff x="0" y="0"/>
-          <a:chExt cx="0" cy="0"/>
-        </a:xfrm>
-      </p:grpSpPr>
-      <p:sp>
-        <p:nvSpPr>
-          <p:cNvPr id="2" name="제목 1"/>
-          <p:cNvSpPr>
-            <a:spLocks noGrp="1"/>
-          </p:cNvSpPr>
-          <p:nvPr>
-            <p:ph type="title"/>
-          </p:nvPr>
-        </p:nvSpPr>
-        <p:spPr/>
-        <p:txBody>
-          <a:bodyPr/>
-          <a:lstStyle/>
-          <a:p>
-            <a:r>
-              <a:rPr lang="ko-KR" altLang="en-US" dirty="0" smtClean="0"/>
-              <a:t>활용</a:t>
-            </a:r>
-            <a:endParaRPr lang="ko-KR" altLang="en-US" dirty="0"/>
-          </a:p>
-        </p:txBody>
-      </p:sp>
-      <p:sp>
-        <p:nvSpPr>
-          <p:cNvPr id="3" name="내용 개체 틀 2"/>
-          <p:cNvSpPr>
-            <a:spLocks noGrp="1"/>
-          </p:cNvSpPr>
-          <p:nvPr>
-            <p:ph idx="1"/>
-          </p:nvPr>
-        </p:nvSpPr>
-        <p:spPr/>
-        <p:txBody>
-          <a:bodyPr>
-            <a:normAutofit fontScale="92500" lnSpcReduction="20000"/>
-          </a:bodyPr>
-          <a:lstStyle/>
-          <a:p>
-            <a:endParaRPr lang="en-US" altLang="ko-KR" dirty="0" smtClean="0"/>
-          </a:p>
-          <a:p>
-            <a:r>
-              <a:rPr lang="ko-KR" altLang="en-US" dirty="0" smtClean="0"/>
-              <a:t>특정 금융상품과 다른 </a:t>
-            </a:r>
-            <a:r>
-              <a:rPr lang="ko-KR" altLang="en-US" dirty="0"/>
-              <a:t>종목과의 </a:t>
-            </a:r>
-            <a:r>
-              <a:rPr lang="ko-KR" altLang="en-US" dirty="0" smtClean="0"/>
-              <a:t>상관관계 정보</a:t>
-            </a:r>
-            <a:r>
-              <a:rPr lang="en-US" altLang="ko-KR" dirty="0" smtClean="0"/>
-              <a:t/>
-            </a:r>
-            <a:br>
-              <a:rPr lang="en-US" altLang="ko-KR" dirty="0" smtClean="0"/>
-            </a:br>
-            <a:r>
-              <a:rPr lang="ko-KR" altLang="en-US" dirty="0" smtClean="0"/>
-              <a:t>를 현 시점 시세가 적용된 구체적인 </a:t>
-            </a:r>
-            <a:r>
-              <a:rPr lang="ko-KR" altLang="en-US" dirty="0"/>
-              <a:t>수치와 </a:t>
-            </a:r>
-            <a:r>
-              <a:rPr lang="en-US" altLang="ko-KR" dirty="0" smtClean="0"/>
-              <a:t/>
-            </a:r>
-            <a:br>
-              <a:rPr lang="en-US" altLang="ko-KR" dirty="0" smtClean="0"/>
-            </a:br>
-            <a:r>
-              <a:rPr lang="ko-KR" altLang="en-US" dirty="0" smtClean="0"/>
-              <a:t>그래프정보로 언제 어디서나 </a:t>
-            </a:r>
-            <a:r>
-              <a:rPr lang="en-US" altLang="ko-KR" dirty="0" smtClean="0"/>
-              <a:t/>
-            </a:r>
-            <a:br>
-              <a:rPr lang="en-US" altLang="ko-KR" dirty="0" smtClean="0"/>
-            </a:br>
-            <a:r>
-              <a:rPr lang="ko-KR" altLang="en-US" dirty="0" smtClean="0"/>
-              <a:t>빠르고 간편하게 확인할 수 있다</a:t>
-            </a:r>
-            <a:r>
-              <a:rPr lang="en-US" altLang="ko-KR" dirty="0" smtClean="0"/>
-              <a:t>.</a:t>
-            </a:r>
-            <a:br>
-              <a:rPr lang="en-US" altLang="ko-KR" dirty="0" smtClean="0"/>
-            </a:br>
-            <a:endParaRPr lang="en-US" altLang="ko-KR" dirty="0"/>
-          </a:p>
-          <a:p>
-            <a:r>
-              <a:rPr lang="ko-KR" altLang="en-US" dirty="0" smtClean="0"/>
-              <a:t>상관관계를 확인하여 </a:t>
-            </a:r>
-            <a:r>
-              <a:rPr lang="ko-KR" altLang="en-US" dirty="0" err="1" smtClean="0"/>
-              <a:t>균형잡힌</a:t>
-            </a:r>
-            <a:r>
-              <a:rPr lang="ko-KR" altLang="en-US" dirty="0" smtClean="0"/>
-              <a:t> 금융포트폴리오를 </a:t>
-            </a:r>
-            <a:r>
-              <a:rPr lang="en-US" altLang="ko-KR" dirty="0" smtClean="0"/>
-              <a:t/>
-            </a:r>
-            <a:br>
-              <a:rPr lang="en-US" altLang="ko-KR" dirty="0" smtClean="0"/>
-            </a:br>
-            <a:r>
-              <a:rPr lang="ko-KR" altLang="en-US" dirty="0" smtClean="0"/>
-              <a:t>구성할 </a:t>
-            </a:r>
-            <a:r>
-              <a:rPr lang="ko-KR" altLang="en-US" dirty="0" err="1" smtClean="0"/>
-              <a:t>수있도록</a:t>
-            </a:r>
-            <a:r>
-              <a:rPr lang="ko-KR" altLang="en-US" dirty="0" smtClean="0"/>
-              <a:t> 도움을 준다</a:t>
-            </a:r>
-            <a:r>
-              <a:rPr lang="en-US" altLang="ko-KR" dirty="0" smtClean="0"/>
-              <a:t>.</a:t>
-            </a:r>
-            <a:br>
-              <a:rPr lang="en-US" altLang="ko-KR" dirty="0" smtClean="0"/>
-            </a:br>
-            <a:endParaRPr lang="en-US" altLang="ko-KR" dirty="0" smtClean="0"/>
-          </a:p>
-          <a:p>
-            <a:r>
-              <a:rPr lang="ko-KR" altLang="en-US" dirty="0" smtClean="0"/>
-              <a:t>매일같이 급변하는 금융 상품시장에서 원하는 </a:t>
-            </a:r>
-            <a:r>
-              <a:rPr lang="en-US" altLang="ko-KR" dirty="0" smtClean="0"/>
-              <a:t/>
-            </a:r>
-            <a:br>
-              <a:rPr lang="en-US" altLang="ko-KR" dirty="0" smtClean="0"/>
-            </a:br>
-            <a:r>
-              <a:rPr lang="ko-KR" altLang="en-US" dirty="0" smtClean="0"/>
-              <a:t>정보를 클릭 </a:t>
-            </a:r>
-            <a:r>
-              <a:rPr lang="ko-KR" altLang="en-US" dirty="0" err="1" smtClean="0"/>
-              <a:t>몇번</a:t>
-            </a:r>
-            <a:r>
-              <a:rPr lang="ko-KR" altLang="en-US" dirty="0" smtClean="0"/>
-              <a:t> 으로 빠르게 제공하여 투자판단의</a:t>
-            </a:r>
-            <a:r>
-              <a:rPr lang="en-US" altLang="ko-KR" dirty="0" smtClean="0"/>
-              <a:t/>
-            </a:r>
-            <a:br>
-              <a:rPr lang="en-US" altLang="ko-KR" dirty="0" smtClean="0"/>
-            </a:br>
-            <a:r>
-              <a:rPr lang="ko-KR" altLang="en-US" dirty="0" smtClean="0"/>
-              <a:t>근거와 자료로 유용하게 활용될 수 있다</a:t>
-            </a:r>
-            <a:r>
-              <a:rPr lang="en-US" altLang="ko-KR" dirty="0" smtClean="0"/>
-              <a:t>.</a:t>
-            </a:r>
-          </a:p>
-          <a:p>
-            <a:endParaRPr lang="en-US" altLang="ko-KR" dirty="0" smtClean="0"/>
-          </a:p>
-          <a:p>
-            <a:endParaRPr lang="en-US" altLang="ko-KR" dirty="0"/>
-          </a:p>
-          <a:p>
-            <a:endParaRPr lang="en-US" altLang="ko-KR" dirty="0" smtClean="0"/>
-          </a:p>
-          <a:p>
-            <a:endParaRPr lang="en-US" altLang="ko-KR" dirty="0"/>
-          </a:p>
-          <a:p>
-            <a:endParaRPr lang="ko-KR" altLang="en-US" dirty="0"/>
-          </a:p>
-        </p:txBody>
-      </p:sp>
-    </p:spTree>
-    <p:extLst>
-      <p:ext uri="{BB962C8B-B14F-4D97-AF65-F5344CB8AC3E}">
-        <p14:creationId xmlns:p14="http://schemas.microsoft.com/office/powerpoint/2010/main" val="2478835397"/>
       </p:ext>
     </p:extLst>
   </p:cSld>

--- a/중간프로젝트2차_금융상품 분석툴20191224.pptx
+++ b/중간프로젝트2차_금융상품 분석툴20191224.pptx
@@ -12,10 +12,11 @@
     <p:sldId id="264" r:id="rId6"/>
     <p:sldId id="265" r:id="rId7"/>
     <p:sldId id="266" r:id="rId8"/>
-    <p:sldId id="263" r:id="rId9"/>
-    <p:sldId id="260" r:id="rId10"/>
-    <p:sldId id="261" r:id="rId11"/>
-    <p:sldId id="267" r:id="rId12"/>
+    <p:sldId id="268" r:id="rId9"/>
+    <p:sldId id="263" r:id="rId10"/>
+    <p:sldId id="260" r:id="rId11"/>
+    <p:sldId id="261" r:id="rId12"/>
+    <p:sldId id="267" r:id="rId13"/>
   </p:sldIdLst>
   <p:sldSz cx="9144000" cy="6858000" type="screen4x3"/>
   <p:notesSz cx="6858000" cy="9144000"/>
@@ -3933,6 +3934,139 @@
           </a:p>
         </p:txBody>
       </p:sp>
+      <p:pic>
+        <p:nvPicPr>
+          <p:cNvPr id="4" name="그림 3" descr="금융상품분석툴"/>
+          <p:cNvPicPr>
+            <a:picLocks noChangeAspect="1"/>
+          </p:cNvPicPr>
+          <p:nvPr/>
+        </p:nvPicPr>
+        <p:blipFill>
+          <a:blip r:embed="rId2" cstate="print">
+            <a:extLst>
+              <a:ext uri="{28A0092B-C50C-407E-A947-70E740481C1C}">
+                <a14:useLocalDpi xmlns:a14="http://schemas.microsoft.com/office/drawing/2010/main" val="0"/>
+              </a:ext>
+            </a:extLst>
+          </a:blip>
+          <a:stretch>
+            <a:fillRect/>
+          </a:stretch>
+        </p:blipFill>
+        <p:spPr>
+          <a:xfrm>
+            <a:off x="755576" y="692696"/>
+            <a:ext cx="3679005" cy="2880320"/>
+          </a:xfrm>
+          <a:prstGeom prst="rect">
+            <a:avLst/>
+          </a:prstGeom>
+          <a:ln>
+            <a:noFill/>
+          </a:ln>
+          <a:effectLst>
+            <a:outerShdw blurRad="190500" dist="228600" dir="2700000" algn="ctr">
+              <a:srgbClr val="000000">
+                <a:alpha val="30000"/>
+              </a:srgbClr>
+            </a:outerShdw>
+          </a:effectLst>
+          <a:scene3d>
+            <a:camera prst="orthographicFront">
+              <a:rot lat="0" lon="0" rev="0"/>
+            </a:camera>
+            <a:lightRig rig="glow" dir="t">
+              <a:rot lat="0" lon="0" rev="4800000"/>
+            </a:lightRig>
+          </a:scene3d>
+          <a:sp3d prstMaterial="matte">
+            <a:bevelT w="127000" h="63500"/>
+          </a:sp3d>
+        </p:spPr>
+        <p:style>
+          <a:lnRef idx="0">
+            <a:schemeClr val="dk1"/>
+          </a:lnRef>
+          <a:fillRef idx="3">
+            <a:schemeClr val="dk1"/>
+          </a:fillRef>
+          <a:effectRef idx="3">
+            <a:schemeClr val="dk1"/>
+          </a:effectRef>
+          <a:fontRef idx="minor">
+            <a:schemeClr val="lt1"/>
+          </a:fontRef>
+        </p:style>
+      </p:pic>
+      <p:pic>
+        <p:nvPicPr>
+          <p:cNvPr id="5" name="Picture 2" descr="C:\Users\nbvc\Desktop\새 폴더\캡처6.PNG"/>
+          <p:cNvPicPr>
+            <a:picLocks noChangeAspect="1" noChangeArrowheads="1"/>
+          </p:cNvPicPr>
+          <p:nvPr/>
+        </p:nvPicPr>
+        <p:blipFill>
+          <a:blip r:embed="rId3">
+            <a:extLst>
+              <a:ext uri="{28A0092B-C50C-407E-A947-70E740481C1C}">
+                <a14:useLocalDpi xmlns:a14="http://schemas.microsoft.com/office/drawing/2010/main" val="0"/>
+              </a:ext>
+            </a:extLst>
+          </a:blip>
+          <a:srcRect/>
+          <a:stretch>
+            <a:fillRect/>
+          </a:stretch>
+        </p:blipFill>
+        <p:spPr bwMode="auto">
+          <a:xfrm>
+            <a:off x="2267744" y="2109700"/>
+            <a:ext cx="2736304" cy="3426665"/>
+          </a:xfrm>
+          <a:prstGeom prst="rect">
+            <a:avLst/>
+          </a:prstGeom>
+          <a:ln>
+            <a:noFill/>
+          </a:ln>
+          <a:effectLst>
+            <a:outerShdw blurRad="190500" dist="228600" dir="2700000" algn="ctr">
+              <a:srgbClr val="000000">
+                <a:alpha val="30000"/>
+              </a:srgbClr>
+            </a:outerShdw>
+            <a:softEdge rad="12700"/>
+          </a:effectLst>
+          <a:scene3d>
+            <a:camera prst="orthographicFront">
+              <a:rot lat="0" lon="0" rev="0"/>
+            </a:camera>
+            <a:lightRig rig="glow" dir="t">
+              <a:rot lat="0" lon="0" rev="4800000"/>
+            </a:lightRig>
+          </a:scene3d>
+          <a:sp3d prstMaterial="matte">
+            <a:bevelT w="127000" h="63500"/>
+          </a:sp3d>
+          <a:extLst/>
+        </p:spPr>
+        <p:style>
+          <a:lnRef idx="0">
+            <a:schemeClr val="dk1"/>
+          </a:lnRef>
+          <a:fillRef idx="3">
+            <a:schemeClr val="dk1"/>
+          </a:fillRef>
+          <a:effectRef idx="3">
+            <a:schemeClr val="dk1"/>
+          </a:effectRef>
+          <a:fontRef idx="minor">
+            <a:schemeClr val="lt1"/>
+          </a:fontRef>
+        </p:style>
+      </p:pic>
     </p:spTree>
     <p:extLst>
       <p:ext uri="{BB962C8B-B14F-4D97-AF65-F5344CB8AC3E}">
@@ -3980,9 +4114,12 @@
           <a:p>
             <a:r>
               <a:rPr lang="ko-KR" altLang="en-US" dirty="0" smtClean="0"/>
-              <a:t>활용</a:t>
-            </a:r>
-            <a:endParaRPr lang="ko-KR" altLang="en-US" dirty="0"/>
+              <a:t>내</a:t>
+            </a:r>
+            <a:r>
+              <a:rPr lang="ko-KR" altLang="en-US" dirty="0"/>
+              <a:t>용</a:t>
+            </a:r>
           </a:p>
         </p:txBody>
       </p:sp>
@@ -3996,7 +4133,12 @@
             <p:ph idx="1"/>
           </p:nvPr>
         </p:nvSpPr>
-        <p:spPr/>
+        <p:spPr>
+          <a:xfrm>
+            <a:off x="502920" y="530352"/>
+            <a:ext cx="8183880" cy="4626840"/>
+          </a:xfrm>
+        </p:spPr>
         <p:txBody>
           <a:bodyPr>
             <a:normAutofit fontScale="92500" lnSpcReduction="20000"/>
@@ -4008,154 +4150,229 @@
           <a:p>
             <a:r>
               <a:rPr lang="ko-KR" altLang="en-US" dirty="0" smtClean="0"/>
-              <a:t>특정 금융상품과 다른 </a:t>
+              <a:t>개발 언어</a:t>
+            </a:r>
+            <a:endParaRPr lang="en-US" altLang="ko-KR" dirty="0" smtClean="0"/>
+          </a:p>
+          <a:p>
+            <a:pPr lvl="1"/>
+            <a:r>
+              <a:rPr lang="en-US" altLang="ko-KR" dirty="0" smtClean="0"/>
+              <a:t>Python</a:t>
+            </a:r>
+          </a:p>
+          <a:p>
+            <a:pPr lvl="1"/>
+            <a:endParaRPr lang="en-US" altLang="ko-KR" dirty="0" smtClean="0"/>
+          </a:p>
+          <a:p>
+            <a:r>
+              <a:rPr lang="ko-KR" altLang="en-US" dirty="0" smtClean="0"/>
+              <a:t>라이브러리</a:t>
+            </a:r>
+            <a:r>
+              <a:rPr lang="en-US" altLang="ko-KR" dirty="0" smtClean="0"/>
+              <a:t>, </a:t>
+            </a:r>
+            <a:r>
+              <a:rPr lang="ko-KR" altLang="en-US" dirty="0" smtClean="0"/>
+              <a:t>툴</a:t>
+            </a:r>
+            <a:endParaRPr lang="en-US" altLang="ko-KR" dirty="0" smtClean="0"/>
+          </a:p>
+          <a:p>
+            <a:pPr lvl="1"/>
+            <a:r>
+              <a:rPr lang="en-US" altLang="ko-KR" dirty="0" smtClean="0"/>
+              <a:t>pandas, </a:t>
+            </a:r>
+            <a:r>
+              <a:rPr lang="en-US" altLang="ko-KR" dirty="0" err="1" smtClean="0"/>
+              <a:t>numpy</a:t>
+            </a:r>
+            <a:r>
+              <a:rPr lang="en-US" altLang="ko-KR" dirty="0" smtClean="0"/>
+              <a:t> :  </a:t>
+            </a:r>
+            <a:r>
+              <a:rPr lang="ko-KR" altLang="en-US" dirty="0" smtClean="0"/>
+              <a:t>데이터 </a:t>
+            </a:r>
+            <a:r>
+              <a:rPr lang="ko-KR" altLang="en-US" dirty="0" err="1" smtClean="0"/>
+              <a:t>처리및</a:t>
+            </a:r>
+            <a:r>
+              <a:rPr lang="ko-KR" altLang="en-US" dirty="0" smtClean="0"/>
+              <a:t>  통</a:t>
             </a:r>
             <a:r>
               <a:rPr lang="ko-KR" altLang="en-US" dirty="0"/>
-              <a:t>종목과의 </a:t>
-            </a:r>
-            <a:r>
-              <a:rPr lang="ko-KR" altLang="en-US" dirty="0" smtClean="0"/>
-              <a:t>상관관계 정보</a:t>
+              <a:t>계</a:t>
+            </a:r>
+            <a:r>
+              <a:rPr lang="ko-KR" altLang="en-US" dirty="0" smtClean="0"/>
+              <a:t>함수</a:t>
             </a:r>
             <a:r>
               <a:rPr lang="en-US" altLang="ko-KR" dirty="0" smtClean="0"/>
-              <a:t/>
-            </a:r>
-            <a:br>
+              <a:t> </a:t>
+            </a:r>
+          </a:p>
+          <a:p>
+            <a:pPr lvl="1"/>
+            <a:r>
               <a:rPr lang="en-US" altLang="ko-KR" dirty="0" smtClean="0"/>
-            </a:br>
-            <a:r>
-              <a:rPr lang="ko-KR" altLang="en-US" dirty="0" smtClean="0"/>
-              <a:t>를 현 시점 시세가 적용된 구체적인 </a:t>
-            </a:r>
-            <a:r>
-              <a:rPr lang="ko-KR" altLang="en-US" dirty="0"/>
-              <a:t>수치와 </a:t>
+              <a:t>pandas-</a:t>
+            </a:r>
+            <a:r>
+              <a:rPr lang="en-US" altLang="ko-KR" dirty="0" err="1" smtClean="0"/>
+              <a:t>datareader</a:t>
             </a:r>
             <a:r>
               <a:rPr lang="en-US" altLang="ko-KR" dirty="0" smtClean="0"/>
-              <a:t/>
-            </a:r>
-            <a:br>
+              <a:t>: </a:t>
+            </a:r>
+            <a:r>
+              <a:rPr lang="ko-KR" altLang="en-US" dirty="0" smtClean="0"/>
+              <a:t>주식 정보 조회</a:t>
+            </a:r>
+            <a:endParaRPr lang="en-US" altLang="ko-KR" dirty="0" smtClean="0"/>
+          </a:p>
+          <a:p>
+            <a:pPr lvl="1"/>
+            <a:r>
+              <a:rPr lang="en-US" altLang="ko-KR" dirty="0" err="1" smtClean="0"/>
+              <a:t>matplotlib</a:t>
+            </a:r>
+            <a:r>
               <a:rPr lang="en-US" altLang="ko-KR" dirty="0" smtClean="0"/>
-            </a:br>
-            <a:r>
-              <a:rPr lang="ko-KR" altLang="en-US" dirty="0" smtClean="0"/>
-              <a:t>그래프정보로 언제 어디서나 </a:t>
-            </a:r>
+              <a:t> : </a:t>
+            </a:r>
+            <a:r>
+              <a:rPr lang="ko-KR" altLang="en-US" dirty="0" smtClean="0"/>
+              <a:t>차트 그래프</a:t>
+            </a:r>
+            <a:endParaRPr lang="en-US" altLang="ko-KR" dirty="0" smtClean="0"/>
+          </a:p>
+          <a:p>
+            <a:pPr lvl="1"/>
             <a:r>
               <a:rPr lang="en-US" altLang="ko-KR" dirty="0" smtClean="0"/>
-              <a:t/>
-            </a:r>
-            <a:br>
+              <a:t>PyQt5, PyQt5-tools: GUI </a:t>
+            </a:r>
+            <a:r>
+              <a:rPr lang="ko-KR" altLang="en-US" dirty="0" smtClean="0"/>
+              <a:t>라이브러리</a:t>
+            </a:r>
+            <a:r>
               <a:rPr lang="en-US" altLang="ko-KR" dirty="0" smtClean="0"/>
-            </a:br>
-            <a:r>
-              <a:rPr lang="ko-KR" altLang="en-US" dirty="0" smtClean="0"/>
-              <a:t>빠르고 간편하게 확인할 수 있다</a:t>
+              <a:t>, GUI </a:t>
+            </a:r>
+            <a:r>
+              <a:rPr lang="ko-KR" altLang="en-US" dirty="0" smtClean="0"/>
+              <a:t>툴</a:t>
+            </a:r>
+            <a:endParaRPr lang="en-US" altLang="ko-KR" dirty="0" smtClean="0"/>
+          </a:p>
+          <a:p>
+            <a:pPr lvl="1"/>
+            <a:r>
+              <a:rPr lang="en-US" altLang="ko-KR" dirty="0" err="1" smtClean="0"/>
+              <a:t>pyinstaller</a:t>
             </a:r>
             <a:r>
               <a:rPr lang="en-US" altLang="ko-KR" dirty="0" smtClean="0"/>
-              <a:t>.</a:t>
-            </a:r>
-            <a:br>
+              <a:t> : exe </a:t>
+            </a:r>
+            <a:r>
+              <a:rPr lang="ko-KR" altLang="en-US" dirty="0" err="1" smtClean="0"/>
+              <a:t>배포툴</a:t>
+            </a:r>
+            <a:endParaRPr lang="en-US" altLang="ko-KR" dirty="0" smtClean="0"/>
+          </a:p>
+          <a:p>
+            <a:pPr lvl="1"/>
+            <a:r>
+              <a:rPr lang="ko-KR" altLang="en-US" dirty="0" smtClean="0"/>
+              <a:t>시세정보</a:t>
+            </a:r>
+            <a:r>
               <a:rPr lang="en-US" altLang="ko-KR" dirty="0" smtClean="0"/>
-            </a:br>
+              <a:t>: </a:t>
+            </a:r>
+            <a:r>
+              <a:rPr lang="en-US" altLang="ko-KR" dirty="0" smtClean="0">
+                <a:hlinkClick r:id="rId2"/>
+              </a:rPr>
+              <a:t>finance.naver.com/</a:t>
+            </a:r>
+            <a:r>
+              <a:rPr lang="en-US" altLang="ko-KR" dirty="0" smtClean="0"/>
+              <a:t>, </a:t>
+            </a:r>
+            <a:r>
+              <a:rPr lang="en-US" altLang="ko-KR" dirty="0" smtClean="0">
+                <a:hlinkClick r:id="rId3"/>
+              </a:rPr>
+              <a:t>finance.yahoo.com</a:t>
+            </a:r>
+            <a:r>
+              <a:rPr lang="en-US" altLang="ko-KR" dirty="0">
+                <a:hlinkClick r:id="rId3"/>
+              </a:rPr>
+              <a:t>/</a:t>
+            </a:r>
+            <a:endParaRPr lang="en-US" altLang="ko-KR" dirty="0" smtClean="0"/>
+          </a:p>
+          <a:p>
+            <a:pPr lvl="1"/>
             <a:endParaRPr lang="en-US" altLang="ko-KR" dirty="0"/>
           </a:p>
           <a:p>
             <a:r>
               <a:rPr lang="ko-KR" altLang="en-US" dirty="0" smtClean="0"/>
-              <a:t>상관관계를 확인하여 </a:t>
-            </a:r>
-            <a:r>
-              <a:rPr lang="ko-KR" altLang="en-US" dirty="0" err="1" smtClean="0"/>
-              <a:t>균형잡힌</a:t>
-            </a:r>
-            <a:r>
-              <a:rPr lang="ko-KR" altLang="en-US" dirty="0" smtClean="0"/>
-              <a:t> 금융포트폴리오를 </a:t>
+              <a:t>상품 코드</a:t>
             </a:r>
             <a:r>
               <a:rPr lang="en-US" altLang="ko-KR" dirty="0" smtClean="0"/>
-              <a:t/>
-            </a:r>
-            <a:br>
+              <a:t>,</a:t>
+            </a:r>
+            <a:r>
+              <a:rPr lang="ko-KR" altLang="en-US" dirty="0" smtClean="0"/>
+              <a:t>심볼 데이터</a:t>
+            </a:r>
+            <a:endParaRPr lang="en-US" altLang="ko-KR" dirty="0" smtClean="0"/>
+          </a:p>
+          <a:p>
+            <a:pPr lvl="1"/>
+            <a:r>
+              <a:rPr lang="en-US" altLang="ko-KR" dirty="0">
+                <a:hlinkClick r:id="rId4"/>
+              </a:rPr>
+              <a:t>https://kind.krx.co.kr</a:t>
+            </a:r>
+            <a:r>
+              <a:rPr lang="en-US" altLang="ko-KR" dirty="0"/>
+              <a:t> </a:t>
+            </a:r>
+            <a:r>
               <a:rPr lang="en-US" altLang="ko-KR" dirty="0" smtClean="0"/>
-            </a:br>
-            <a:r>
-              <a:rPr lang="ko-KR" altLang="en-US" dirty="0" smtClean="0"/>
-              <a:t>구성할 </a:t>
-            </a:r>
-            <a:r>
-              <a:rPr lang="ko-KR" altLang="en-US" dirty="0" smtClean="0"/>
-              <a:t>수 있도록 </a:t>
-            </a:r>
-            <a:r>
-              <a:rPr lang="ko-KR" altLang="en-US" dirty="0" smtClean="0"/>
-              <a:t>도움을 준다</a:t>
-            </a:r>
-            <a:r>
-              <a:rPr lang="en-US" altLang="ko-KR" dirty="0" smtClean="0"/>
-              <a:t>.</a:t>
-            </a:r>
-            <a:br>
-              <a:rPr lang="en-US" altLang="ko-KR" dirty="0" smtClean="0"/>
-            </a:br>
+              <a:t>, </a:t>
+            </a:r>
+            <a:r>
+              <a:rPr lang="en-US" altLang="ko-KR" dirty="0" smtClean="0">
+                <a:hlinkClick r:id="rId5"/>
+              </a:rPr>
+              <a:t>www.nasdaq.com</a:t>
+            </a:r>
+            <a:r>
+              <a:rPr lang="en-US" altLang="ko-KR" dirty="0">
+                <a:hlinkClick r:id="rId5"/>
+              </a:rPr>
+              <a:t>/</a:t>
+            </a:r>
             <a:endParaRPr lang="en-US" altLang="ko-KR" dirty="0" smtClean="0"/>
-          </a:p>
-          <a:p>
-            <a:r>
-              <a:rPr lang="ko-KR" altLang="en-US" dirty="0" smtClean="0"/>
-              <a:t>매일같이 급변하는 금융 상품시장에서 원하는 </a:t>
-            </a:r>
-            <a:r>
-              <a:rPr lang="en-US" altLang="ko-KR" dirty="0" smtClean="0"/>
-              <a:t/>
-            </a:r>
-            <a:br>
-              <a:rPr lang="en-US" altLang="ko-KR" dirty="0" smtClean="0"/>
-            </a:br>
-            <a:r>
-              <a:rPr lang="ko-KR" altLang="en-US" dirty="0" smtClean="0"/>
-              <a:t>정보를 클릭 </a:t>
-            </a:r>
-            <a:r>
-              <a:rPr lang="ko-KR" altLang="en-US" dirty="0" err="1" smtClean="0"/>
-              <a:t>몇번</a:t>
-            </a:r>
-            <a:r>
-              <a:rPr lang="ko-KR" altLang="en-US" dirty="0" smtClean="0"/>
-              <a:t> 으로 빠르게 제공하여 투자판단의</a:t>
-            </a:r>
-            <a:r>
-              <a:rPr lang="en-US" altLang="ko-KR" dirty="0" smtClean="0"/>
-              <a:t/>
-            </a:r>
-            <a:br>
-              <a:rPr lang="en-US" altLang="ko-KR" dirty="0" smtClean="0"/>
-            </a:br>
-            <a:r>
-              <a:rPr lang="ko-KR" altLang="en-US" dirty="0" smtClean="0"/>
-              <a:t>근거와 자료로 유용하게 활용될 수 있다</a:t>
-            </a:r>
-            <a:r>
-              <a:rPr lang="en-US" altLang="ko-KR" dirty="0" smtClean="0"/>
-              <a:t>.</a:t>
-            </a:r>
-          </a:p>
-          <a:p>
-            <a:endParaRPr lang="en-US" altLang="ko-KR" dirty="0" smtClean="0"/>
-          </a:p>
-          <a:p>
-            <a:endParaRPr lang="en-US" altLang="ko-KR" dirty="0"/>
-          </a:p>
-          <a:p>
-            <a:endParaRPr lang="en-US" altLang="ko-KR" dirty="0" smtClean="0"/>
-          </a:p>
-          <a:p>
-            <a:endParaRPr lang="en-US" altLang="ko-KR" dirty="0"/>
           </a:p>
           <a:p>
             <a:endParaRPr lang="ko-KR" altLang="en-US" dirty="0"/>
@@ -4165,7 +4382,7 @@
     </p:spTree>
     <p:extLst>
       <p:ext uri="{BB962C8B-B14F-4D97-AF65-F5344CB8AC3E}">
-        <p14:creationId xmlns:p14="http://schemas.microsoft.com/office/powerpoint/2010/main" val="2478835397"/>
+        <p14:creationId xmlns:p14="http://schemas.microsoft.com/office/powerpoint/2010/main" val="796276897"/>
       </p:ext>
     </p:extLst>
   </p:cSld>
@@ -4216,7 +4433,7 @@
           <a:p>
             <a:r>
               <a:rPr lang="ko-KR" altLang="en-US" dirty="0" smtClean="0"/>
-              <a:t>결론</a:t>
+              <a:t>활용</a:t>
             </a:r>
             <a:endParaRPr lang="ko-KR" altLang="en-US" dirty="0"/>
           </a:p>
@@ -4234,30 +4451,99 @@
         </p:nvSpPr>
         <p:spPr/>
         <p:txBody>
-          <a:bodyPr/>
+          <a:bodyPr>
+            <a:normAutofit fontScale="92500" lnSpcReduction="20000"/>
+          </a:bodyPr>
           <a:lstStyle/>
           <a:p>
             <a:endParaRPr lang="en-US" altLang="ko-KR" dirty="0" smtClean="0"/>
           </a:p>
           <a:p>
             <a:r>
-              <a:rPr lang="en-US" altLang="ko-KR" dirty="0" smtClean="0"/>
-              <a:t>Python</a:t>
-            </a:r>
-            <a:r>
-              <a:rPr lang="ko-KR" altLang="en-US" dirty="0" smtClean="0"/>
-              <a:t>과 데이터 분석 을 활용하여 </a:t>
-            </a:r>
-            <a:endParaRPr lang="en-US" altLang="ko-KR" dirty="0" smtClean="0"/>
-          </a:p>
-          <a:p>
-            <a:r>
-              <a:rPr lang="ko-KR" altLang="en-US" dirty="0" smtClean="0"/>
-              <a:t>실제 업무에 적용될 가능성을 확인</a:t>
+              <a:rPr lang="ko-KR" altLang="en-US" dirty="0" smtClean="0"/>
+              <a:t>특정 금융상품과 다른 </a:t>
+            </a:r>
+            <a:r>
+              <a:rPr lang="ko-KR" altLang="en-US" dirty="0"/>
+              <a:t>종목과의 </a:t>
+            </a:r>
+            <a:r>
+              <a:rPr lang="ko-KR" altLang="en-US" dirty="0" smtClean="0"/>
+              <a:t>상관관계 정보</a:t>
             </a:r>
             <a:r>
               <a:rPr lang="en-US" altLang="ko-KR" dirty="0" smtClean="0"/>
               <a:t/>
+            </a:r>
+            <a:br>
+              <a:rPr lang="en-US" altLang="ko-KR" dirty="0" smtClean="0"/>
+            </a:br>
+            <a:r>
+              <a:rPr lang="ko-KR" altLang="en-US" dirty="0" smtClean="0"/>
+              <a:t>를 현 시점 시세가 적용된 구체적인 </a:t>
+            </a:r>
+            <a:r>
+              <a:rPr lang="ko-KR" altLang="en-US" dirty="0"/>
+              <a:t>수치와 </a:t>
+            </a:r>
+            <a:r>
+              <a:rPr lang="en-US" altLang="ko-KR" dirty="0" smtClean="0"/>
+              <a:t/>
+            </a:r>
+            <a:br>
+              <a:rPr lang="en-US" altLang="ko-KR" dirty="0" smtClean="0"/>
+            </a:br>
+            <a:r>
+              <a:rPr lang="ko-KR" altLang="en-US" dirty="0" smtClean="0"/>
+              <a:t>그래프정보로 언제 어디서나 </a:t>
+            </a:r>
+            <a:r>
+              <a:rPr lang="en-US" altLang="ko-KR" dirty="0" smtClean="0"/>
+              <a:t/>
+            </a:r>
+            <a:br>
+              <a:rPr lang="en-US" altLang="ko-KR" dirty="0" smtClean="0"/>
+            </a:br>
+            <a:r>
+              <a:rPr lang="ko-KR" altLang="en-US" dirty="0" smtClean="0"/>
+              <a:t>빠르고 간편하게 확인할 수 있다</a:t>
+            </a:r>
+            <a:r>
+              <a:rPr lang="en-US" altLang="ko-KR" dirty="0" smtClean="0"/>
+              <a:t>.</a:t>
+            </a:r>
+            <a:br>
+              <a:rPr lang="en-US" altLang="ko-KR" dirty="0" smtClean="0"/>
+            </a:br>
+            <a:endParaRPr lang="en-US" altLang="ko-KR" dirty="0"/>
+          </a:p>
+          <a:p>
+            <a:r>
+              <a:rPr lang="ko-KR" altLang="en-US" dirty="0" smtClean="0"/>
+              <a:t>상관관계를 확인하여 </a:t>
+            </a:r>
+            <a:r>
+              <a:rPr lang="ko-KR" altLang="en-US" dirty="0" err="1" smtClean="0"/>
+              <a:t>균형잡힌</a:t>
+            </a:r>
+            <a:r>
+              <a:rPr lang="ko-KR" altLang="en-US" dirty="0" smtClean="0"/>
+              <a:t> 금융포트폴리오를 </a:t>
+            </a:r>
+            <a:r>
+              <a:rPr lang="en-US" altLang="ko-KR" dirty="0" smtClean="0"/>
+              <a:t/>
+            </a:r>
+            <a:br>
+              <a:rPr lang="en-US" altLang="ko-KR" dirty="0" smtClean="0"/>
+            </a:br>
+            <a:r>
+              <a:rPr lang="ko-KR" altLang="en-US" dirty="0" smtClean="0"/>
+              <a:t>구성할 수 있도록 도움을 준다</a:t>
+            </a:r>
+            <a:r>
+              <a:rPr lang="en-US" altLang="ko-KR" dirty="0" smtClean="0"/>
+              <a:t>.</a:t>
             </a:r>
             <a:br>
               <a:rPr lang="en-US" altLang="ko-KR" dirty="0" smtClean="0"/>
@@ -4266,27 +4552,193 @@
           </a:p>
           <a:p>
             <a:r>
+              <a:rPr lang="ko-KR" altLang="en-US" dirty="0" smtClean="0"/>
+              <a:t>매일같이 급변하는 금융 상품시장에서 원하는 </a:t>
+            </a:r>
+            <a:r>
+              <a:rPr lang="en-US" altLang="ko-KR" dirty="0" smtClean="0"/>
+              <a:t/>
+            </a:r>
+            <a:br>
+              <a:rPr lang="en-US" altLang="ko-KR" dirty="0" smtClean="0"/>
+            </a:br>
+            <a:r>
+              <a:rPr lang="ko-KR" altLang="en-US" dirty="0" smtClean="0"/>
+              <a:t>정보를 클릭 </a:t>
+            </a:r>
+            <a:r>
               <a:rPr lang="ko-KR" altLang="en-US" dirty="0" err="1" smtClean="0"/>
-              <a:t>금융상품이외</a:t>
-            </a:r>
-            <a:r>
-              <a:rPr lang="ko-KR" altLang="en-US" dirty="0" smtClean="0"/>
-              <a:t> 다른 데이터 적용 </a:t>
-            </a:r>
+              <a:t>몇번</a:t>
+            </a:r>
+            <a:r>
+              <a:rPr lang="ko-KR" altLang="en-US" dirty="0" smtClean="0"/>
+              <a:t> 으로 빠르게 제공하여 투자판단의</a:t>
+            </a:r>
+            <a:r>
+              <a:rPr lang="en-US" altLang="ko-KR" dirty="0" smtClean="0"/>
+              <a:t/>
+            </a:r>
+            <a:br>
+              <a:rPr lang="en-US" altLang="ko-KR" dirty="0" smtClean="0"/>
+            </a:br>
+            <a:r>
+              <a:rPr lang="ko-KR" altLang="en-US" dirty="0" smtClean="0"/>
+              <a:t>근거와 자료로 유용하게 활용될 수 있다</a:t>
+            </a:r>
+            <a:r>
+              <a:rPr lang="en-US" altLang="ko-KR" dirty="0" smtClean="0"/>
+              <a:t>.</a:t>
+            </a:r>
+          </a:p>
+          <a:p>
             <a:endParaRPr lang="en-US" altLang="ko-KR" dirty="0" smtClean="0"/>
           </a:p>
           <a:p>
-            <a:r>
-              <a:rPr lang="ko-KR" altLang="en-US" dirty="0" smtClean="0"/>
-              <a:t>유저 </a:t>
-            </a:r>
+            <a:endParaRPr lang="en-US" altLang="ko-KR" dirty="0"/>
+          </a:p>
+          <a:p>
+            <a:endParaRPr lang="en-US" altLang="ko-KR" dirty="0" smtClean="0"/>
+          </a:p>
+          <a:p>
+            <a:endParaRPr lang="en-US" altLang="ko-KR" dirty="0"/>
+          </a:p>
+          <a:p>
+            <a:endParaRPr lang="ko-KR" altLang="en-US" dirty="0"/>
+          </a:p>
+        </p:txBody>
+      </p:sp>
+    </p:spTree>
+    <p:extLst>
+      <p:ext uri="{BB962C8B-B14F-4D97-AF65-F5344CB8AC3E}">
+        <p14:creationId xmlns:p14="http://schemas.microsoft.com/office/powerpoint/2010/main" val="2478835397"/>
+      </p:ext>
+    </p:extLst>
+  </p:cSld>
+  <p:clrMapOvr>
+    <a:masterClrMapping/>
+  </p:clrMapOvr>
+  <p:timing>
+    <p:tnLst>
+      <p:par>
+        <p:cTn id="1" dur="indefinite" restart="never" nodeType="tmRoot"/>
+      </p:par>
+    </p:tnLst>
+  </p:timing>
+</p:sld>
+</file>
+
+<file path=ppt/slides/slide12.xml><?xml version="1.0" encoding="utf-8"?>
+<p:sld xmlns:a="http://schemas.openxmlformats.org/drawingml/2006/main" xmlns:r="http://schemas.openxmlformats.org/officeDocument/2006/relationships" xmlns:p="http://schemas.openxmlformats.org/presentationml/2006/main">
+  <p:cSld>
+    <p:spTree>
+      <p:nvGrpSpPr>
+        <p:cNvPr id="1" name=""/>
+        <p:cNvGrpSpPr/>
+        <p:nvPr/>
+      </p:nvGrpSpPr>
+      <p:grpSpPr>
+        <a:xfrm>
+          <a:off x="0" y="0"/>
+          <a:ext cx="0" cy="0"/>
+          <a:chOff x="0" y="0"/>
+          <a:chExt cx="0" cy="0"/>
+        </a:xfrm>
+      </p:grpSpPr>
+      <p:sp>
+        <p:nvSpPr>
+          <p:cNvPr id="2" name="제목 1"/>
+          <p:cNvSpPr>
+            <a:spLocks noGrp="1"/>
+          </p:cNvSpPr>
+          <p:nvPr>
+            <p:ph type="title"/>
+          </p:nvPr>
+        </p:nvSpPr>
+        <p:spPr/>
+        <p:txBody>
+          <a:bodyPr/>
+          <a:lstStyle/>
+          <a:p>
+            <a:r>
+              <a:rPr lang="ko-KR" altLang="en-US" dirty="0" smtClean="0"/>
+              <a:t>결론</a:t>
+            </a:r>
+            <a:endParaRPr lang="ko-KR" altLang="en-US" dirty="0"/>
+          </a:p>
+        </p:txBody>
+      </p:sp>
+      <p:sp>
+        <p:nvSpPr>
+          <p:cNvPr id="3" name="내용 개체 틀 2"/>
+          <p:cNvSpPr>
+            <a:spLocks noGrp="1"/>
+          </p:cNvSpPr>
+          <p:nvPr>
+            <p:ph idx="1"/>
+          </p:nvPr>
+        </p:nvSpPr>
+        <p:spPr/>
+        <p:txBody>
+          <a:bodyPr/>
+          <a:lstStyle/>
+          <a:p>
+            <a:endParaRPr lang="en-US" altLang="ko-KR" dirty="0" smtClean="0"/>
+          </a:p>
+          <a:p>
+            <a:r>
+              <a:rPr lang="en-US" altLang="ko-KR" dirty="0" smtClean="0"/>
+              <a:t>Python</a:t>
+            </a:r>
+            <a:r>
+              <a:rPr lang="ko-KR" altLang="en-US" dirty="0" smtClean="0"/>
+              <a:t>과 데이터 분석 을 활용하여 </a:t>
+            </a:r>
+            <a:endParaRPr lang="en-US" altLang="ko-KR" dirty="0" smtClean="0"/>
+          </a:p>
+          <a:p>
+            <a:r>
+              <a:rPr lang="ko-KR" altLang="en-US" dirty="0" smtClean="0"/>
+              <a:t>일반 서비스 상품 적용 </a:t>
+            </a:r>
+            <a:r>
+              <a:rPr lang="ko-KR" altLang="en-US" dirty="0" smtClean="0"/>
+              <a:t>가능성을 확인</a:t>
+            </a:r>
+            <a:r>
+              <a:rPr lang="en-US" altLang="ko-KR" dirty="0" smtClean="0"/>
+              <a:t/>
+            </a:r>
+            <a:br>
+              <a:rPr lang="en-US" altLang="ko-KR" dirty="0" smtClean="0"/>
+            </a:br>
+            <a:endParaRPr lang="en-US" altLang="ko-KR" dirty="0" smtClean="0"/>
+          </a:p>
+          <a:p>
+            <a:r>
+              <a:rPr lang="ko-KR" altLang="en-US" dirty="0" smtClean="0"/>
+              <a:t>다른 데이터 </a:t>
+            </a:r>
+            <a:r>
+              <a:rPr lang="ko-KR" altLang="en-US" dirty="0" smtClean="0"/>
+              <a:t>분석에 적용</a:t>
+            </a:r>
+            <a:endParaRPr lang="en-US" altLang="ko-KR" dirty="0" smtClean="0"/>
+          </a:p>
+          <a:p>
+            <a:r>
+              <a:rPr lang="ko-KR" altLang="en-US" dirty="0" smtClean="0"/>
+              <a:t>데이터 입력방법의 다양화</a:t>
+            </a:r>
+            <a:endParaRPr lang="en-US" altLang="ko-KR" dirty="0" smtClean="0"/>
+          </a:p>
+          <a:p>
             <a:r>
               <a:rPr lang="ko-KR" altLang="en-US" dirty="0" err="1" smtClean="0"/>
               <a:t>입력및</a:t>
             </a:r>
             <a:r>
               <a:rPr lang="ko-KR" altLang="en-US" dirty="0" smtClean="0"/>
-              <a:t> 분석의 일정부분 자동화</a:t>
+              <a:t> 분석실행의 자동화</a:t>
             </a:r>
             <a:endParaRPr lang="en-US" altLang="ko-KR" dirty="0" smtClean="0"/>
           </a:p>
@@ -4297,8 +4749,19 @@
             </a:r>
             <a:r>
               <a:rPr lang="ko-KR" altLang="en-US" dirty="0" smtClean="0"/>
-              <a:t>으로 서비스 </a:t>
-            </a:r>
+              <a:t>버전 </a:t>
+            </a:r>
+            <a:r>
+              <a:rPr lang="ko-KR" altLang="en-US" dirty="0" smtClean="0"/>
+              <a:t>필요</a:t>
+            </a:r>
+            <a:r>
+              <a:rPr lang="ko-KR" altLang="en-US" dirty="0"/>
+              <a:t>성</a:t>
+            </a:r>
+            <a:endParaRPr lang="en-US" altLang="ko-KR" dirty="0" smtClean="0"/>
+          </a:p>
+          <a:p>
             <a:endParaRPr lang="en-US" altLang="ko-KR" dirty="0" smtClean="0"/>
           </a:p>
           <a:p>
@@ -5393,9 +5856,16 @@
           <a:bodyPr/>
           <a:lstStyle/>
           <a:p>
-            <a:r>
-              <a:rPr lang="ko-KR" altLang="en-US" dirty="0" smtClean="0"/>
-              <a:t>심플하고 직관적인 인터페이스</a:t>
+            <a:endParaRPr lang="en-US" altLang="ko-KR" dirty="0" smtClean="0"/>
+          </a:p>
+          <a:p>
+            <a:r>
+              <a:rPr lang="ko-KR" altLang="en-US" dirty="0" smtClean="0"/>
+              <a:t>심플하고 </a:t>
+            </a:r>
+            <a:r>
+              <a:rPr lang="ko-KR" altLang="en-US" dirty="0" smtClean="0"/>
+              <a:t>직관적인 인터페이스</a:t>
             </a:r>
             <a:endParaRPr lang="en-US" altLang="ko-KR" dirty="0" smtClean="0"/>
           </a:p>
@@ -5552,8 +6022,28 @@
           <a:lstStyle/>
           <a:p>
             <a:r>
-              <a:rPr lang="ko-KR" altLang="en-US" dirty="0" smtClean="0"/>
-              <a:t>각 기능별 상단 탭으로 구분된 구성 </a:t>
+              <a:rPr lang="ko-KR" altLang="en-US" dirty="0" err="1" smtClean="0"/>
+              <a:t>카테고</a:t>
+            </a:r>
+            <a:r>
+              <a:rPr lang="ko-KR" altLang="en-US" dirty="0" err="1"/>
+              <a:t>리</a:t>
+            </a:r>
+            <a:r>
+              <a:rPr lang="ko-KR" altLang="en-US" dirty="0" err="1" smtClean="0"/>
+              <a:t>별</a:t>
+            </a:r>
+            <a:r>
+              <a:rPr lang="ko-KR" altLang="en-US" dirty="0" smtClean="0"/>
+              <a:t> </a:t>
+            </a:r>
+            <a:r>
+              <a:rPr lang="ko-KR" altLang="en-US" dirty="0" smtClean="0"/>
+              <a:t>상단 탭으로 구분된 </a:t>
+            </a:r>
+            <a:r>
+              <a:rPr lang="ko-KR" altLang="en-US" dirty="0" smtClean="0"/>
+              <a:t>버전</a:t>
             </a:r>
             <a:endParaRPr lang="ko-KR" altLang="en-US" dirty="0"/>
           </a:p>
@@ -5600,6 +6090,222 @@
           </a:extLst>
         </p:spPr>
       </p:pic>
+      <p:sp>
+        <p:nvSpPr>
+          <p:cNvPr id="5" name="설명선 2(테두리 없음) 4"/>
+          <p:cNvSpPr/>
+          <p:nvPr/>
+        </p:nvSpPr>
+        <p:spPr>
+          <a:xfrm>
+            <a:off x="4914564" y="1199253"/>
+            <a:ext cx="2105708" cy="612648"/>
+          </a:xfrm>
+          <a:prstGeom prst="callout2">
+            <a:avLst>
+              <a:gd name="adj1" fmla="val 37176"/>
+              <a:gd name="adj2" fmla="val -5467"/>
+              <a:gd name="adj3" fmla="val 57446"/>
+              <a:gd name="adj4" fmla="val -23834"/>
+              <a:gd name="adj5" fmla="val 174229"/>
+              <a:gd name="adj6" fmla="val -142755"/>
+            </a:avLst>
+          </a:prstGeom>
+        </p:spPr>
+        <p:style>
+          <a:lnRef idx="2">
+            <a:schemeClr val="accent6">
+              <a:shade val="50000"/>
+            </a:schemeClr>
+          </a:lnRef>
+          <a:fillRef idx="1">
+            <a:schemeClr val="accent6"/>
+          </a:fillRef>
+          <a:effectRef idx="0">
+            <a:schemeClr val="accent6"/>
+          </a:effectRef>
+          <a:fontRef idx="minor">
+            <a:schemeClr val="lt1"/>
+          </a:fontRef>
+        </p:style>
+        <p:txBody>
+          <a:bodyPr rtlCol="0" anchor="ctr"/>
+          <a:lstStyle/>
+          <a:p>
+            <a:pPr algn="ctr"/>
+            <a:r>
+              <a:rPr lang="ko-KR" altLang="en-US" dirty="0" smtClean="0"/>
+              <a:t>온라인에서 종목정보</a:t>
+            </a:r>
+            <a:endParaRPr lang="en-US" altLang="ko-KR" dirty="0" smtClean="0"/>
+          </a:p>
+          <a:p>
+            <a:pPr algn="ctr"/>
+            <a:r>
+              <a:rPr lang="ko-KR" altLang="en-US" dirty="0" smtClean="0"/>
+              <a:t>받아오는 버튼</a:t>
+            </a:r>
+            <a:endParaRPr lang="ko-KR" altLang="en-US" dirty="0"/>
+          </a:p>
+        </p:txBody>
+      </p:sp>
+      <p:sp>
+        <p:nvSpPr>
+          <p:cNvPr id="6" name="설명선 2(테두리 없음) 5"/>
+          <p:cNvSpPr/>
+          <p:nvPr/>
+        </p:nvSpPr>
+        <p:spPr>
+          <a:xfrm>
+            <a:off x="5724128" y="4444602"/>
+            <a:ext cx="1152128" cy="612648"/>
+          </a:xfrm>
+          <a:prstGeom prst="callout2">
+            <a:avLst>
+              <a:gd name="adj1" fmla="val 51917"/>
+              <a:gd name="adj2" fmla="val -5883"/>
+              <a:gd name="adj3" fmla="val 22435"/>
+              <a:gd name="adj4" fmla="val -40182"/>
+              <a:gd name="adj5" fmla="val -101247"/>
+              <a:gd name="adj6" fmla="val -161237"/>
+            </a:avLst>
+          </a:prstGeom>
+        </p:spPr>
+        <p:style>
+          <a:lnRef idx="2">
+            <a:schemeClr val="accent6">
+              <a:shade val="50000"/>
+            </a:schemeClr>
+          </a:lnRef>
+          <a:fillRef idx="1">
+            <a:schemeClr val="accent6"/>
+          </a:fillRef>
+          <a:effectRef idx="0">
+            <a:schemeClr val="accent6"/>
+          </a:effectRef>
+          <a:fontRef idx="minor">
+            <a:schemeClr val="lt1"/>
+          </a:fontRef>
+        </p:style>
+        <p:txBody>
+          <a:bodyPr rtlCol="0" anchor="ctr"/>
+          <a:lstStyle/>
+          <a:p>
+            <a:pPr algn="ctr"/>
+            <a:r>
+              <a:rPr lang="ko-KR" altLang="en-US" dirty="0" smtClean="0"/>
+              <a:t>검색된 정보</a:t>
+            </a:r>
+            <a:endParaRPr lang="ko-KR" altLang="en-US" dirty="0"/>
+          </a:p>
+        </p:txBody>
+      </p:sp>
+      <p:sp>
+        <p:nvSpPr>
+          <p:cNvPr id="7" name="설명선 2(테두리 없음) 6"/>
+          <p:cNvSpPr/>
+          <p:nvPr/>
+        </p:nvSpPr>
+        <p:spPr>
+          <a:xfrm>
+            <a:off x="6208464" y="3212976"/>
+            <a:ext cx="1296144" cy="481349"/>
+          </a:xfrm>
+          <a:prstGeom prst="callout2">
+            <a:avLst>
+              <a:gd name="adj1" fmla="val 51917"/>
+              <a:gd name="adj2" fmla="val -5883"/>
+              <a:gd name="adj3" fmla="val 50075"/>
+              <a:gd name="adj4" fmla="val -22988"/>
+              <a:gd name="adj5" fmla="val -136765"/>
+              <a:gd name="adj6" fmla="val -265566"/>
+            </a:avLst>
+          </a:prstGeom>
+        </p:spPr>
+        <p:style>
+          <a:lnRef idx="2">
+            <a:schemeClr val="accent6">
+              <a:shade val="50000"/>
+            </a:schemeClr>
+          </a:lnRef>
+          <a:fillRef idx="1">
+            <a:schemeClr val="accent6"/>
+          </a:fillRef>
+          <a:effectRef idx="0">
+            <a:schemeClr val="accent6"/>
+          </a:effectRef>
+          <a:fontRef idx="minor">
+            <a:schemeClr val="lt1"/>
+          </a:fontRef>
+        </p:style>
+        <p:txBody>
+          <a:bodyPr rtlCol="0" anchor="ctr"/>
+          <a:lstStyle/>
+          <a:p>
+            <a:pPr algn="ctr"/>
+            <a:r>
+              <a:rPr lang="ko-KR" altLang="en-US" dirty="0" err="1" smtClean="0"/>
+              <a:t>검색어</a:t>
+            </a:r>
+            <a:r>
+              <a:rPr lang="ko-KR" altLang="en-US" dirty="0" smtClean="0"/>
+              <a:t> 입력 </a:t>
+            </a:r>
+            <a:endParaRPr lang="ko-KR" altLang="en-US" dirty="0"/>
+          </a:p>
+        </p:txBody>
+      </p:sp>
+      <p:sp>
+        <p:nvSpPr>
+          <p:cNvPr id="8" name="설명선 2(테두리 없음) 7"/>
+          <p:cNvSpPr/>
+          <p:nvPr/>
+        </p:nvSpPr>
+        <p:spPr>
+          <a:xfrm>
+            <a:off x="6732240" y="2276872"/>
+            <a:ext cx="1296144" cy="481349"/>
+          </a:xfrm>
+          <a:prstGeom prst="callout2">
+            <a:avLst>
+              <a:gd name="adj1" fmla="val 51917"/>
+              <a:gd name="adj2" fmla="val -5883"/>
+              <a:gd name="adj3" fmla="val 50075"/>
+              <a:gd name="adj4" fmla="val -22988"/>
+              <a:gd name="adj5" fmla="val 43820"/>
+              <a:gd name="adj6" fmla="val -210259"/>
+            </a:avLst>
+          </a:prstGeom>
+        </p:spPr>
+        <p:style>
+          <a:lnRef idx="2">
+            <a:schemeClr val="accent6">
+              <a:shade val="50000"/>
+            </a:schemeClr>
+          </a:lnRef>
+          <a:fillRef idx="1">
+            <a:schemeClr val="accent6"/>
+          </a:fillRef>
+          <a:effectRef idx="0">
+            <a:schemeClr val="accent6"/>
+          </a:effectRef>
+          <a:fontRef idx="minor">
+            <a:schemeClr val="lt1"/>
+          </a:fontRef>
+        </p:style>
+        <p:txBody>
+          <a:bodyPr rtlCol="0" anchor="ctr"/>
+          <a:lstStyle/>
+          <a:p>
+            <a:pPr algn="ctr"/>
+            <a:r>
+              <a:rPr lang="ko-KR" altLang="en-US" dirty="0" smtClean="0"/>
+              <a:t>종목 코드 </a:t>
+            </a:r>
+            <a:endParaRPr lang="ko-KR" altLang="en-US" dirty="0"/>
+          </a:p>
+        </p:txBody>
+      </p:sp>
     </p:spTree>
     <p:extLst>
       <p:ext uri="{BB962C8B-B14F-4D97-AF65-F5344CB8AC3E}">
@@ -5702,7 +6408,7 @@
         </p:blipFill>
         <p:spPr bwMode="auto">
           <a:xfrm>
-            <a:off x="1907704" y="1700808"/>
+            <a:off x="1269598" y="1340768"/>
             <a:ext cx="2603277" cy="3260075"/>
           </a:xfrm>
           <a:prstGeom prst="rect">
@@ -5743,7 +6449,7 @@
         </p:blipFill>
         <p:spPr bwMode="auto">
           <a:xfrm>
-            <a:off x="5019124" y="1052736"/>
+            <a:off x="5076056" y="1916832"/>
             <a:ext cx="2567607" cy="2183099"/>
           </a:xfrm>
           <a:prstGeom prst="rect">
@@ -5784,7 +6490,7 @@
         </p:blipFill>
         <p:spPr bwMode="auto">
           <a:xfrm>
-            <a:off x="5004048" y="3345375"/>
+            <a:off x="5868144" y="3638776"/>
             <a:ext cx="2597761" cy="2208737"/>
           </a:xfrm>
           <a:prstGeom prst="rect">
@@ -5802,6 +6508,123 @@
           </a:extLst>
         </p:spPr>
       </p:pic>
+      <p:cxnSp>
+        <p:nvCxnSpPr>
+          <p:cNvPr id="7" name="직선 화살표 연결선 6"/>
+          <p:cNvCxnSpPr/>
+          <p:nvPr/>
+        </p:nvCxnSpPr>
+        <p:spPr>
+          <a:xfrm flipV="1">
+            <a:off x="1691680" y="2636912"/>
+            <a:ext cx="3456384" cy="1152128"/>
+          </a:xfrm>
+          <a:prstGeom prst="straightConnector1">
+            <a:avLst/>
+          </a:prstGeom>
+          <a:ln>
+            <a:tailEnd type="arrow"/>
+          </a:ln>
+        </p:spPr>
+        <p:style>
+          <a:lnRef idx="3">
+            <a:schemeClr val="accent3"/>
+          </a:lnRef>
+          <a:fillRef idx="0">
+            <a:schemeClr val="accent3"/>
+          </a:fillRef>
+          <a:effectRef idx="2">
+            <a:schemeClr val="accent3"/>
+          </a:effectRef>
+          <a:fontRef idx="minor">
+            <a:schemeClr val="tx1"/>
+          </a:fontRef>
+        </p:style>
+      </p:cxnSp>
+      <p:cxnSp>
+        <p:nvCxnSpPr>
+          <p:cNvPr id="10" name="직선 화살표 연결선 9"/>
+          <p:cNvCxnSpPr/>
+          <p:nvPr/>
+        </p:nvCxnSpPr>
+        <p:spPr>
+          <a:xfrm>
+            <a:off x="2123728" y="3941440"/>
+            <a:ext cx="3672408" cy="999728"/>
+          </a:xfrm>
+          <a:prstGeom prst="straightConnector1">
+            <a:avLst/>
+          </a:prstGeom>
+          <a:ln>
+            <a:tailEnd type="arrow"/>
+          </a:ln>
+        </p:spPr>
+        <p:style>
+          <a:lnRef idx="3">
+            <a:schemeClr val="accent3"/>
+          </a:lnRef>
+          <a:fillRef idx="0">
+            <a:schemeClr val="accent3"/>
+          </a:fillRef>
+          <a:effectRef idx="2">
+            <a:schemeClr val="accent3"/>
+          </a:effectRef>
+          <a:fontRef idx="minor">
+            <a:schemeClr val="tx1"/>
+          </a:fontRef>
+        </p:style>
+      </p:cxnSp>
+      <p:sp>
+        <p:nvSpPr>
+          <p:cNvPr id="16" name="설명선 2(테두리 없음) 15"/>
+          <p:cNvSpPr/>
+          <p:nvPr/>
+        </p:nvSpPr>
+        <p:spPr>
+          <a:xfrm>
+            <a:off x="5292080" y="1034444"/>
+            <a:ext cx="1296144" cy="612648"/>
+          </a:xfrm>
+          <a:prstGeom prst="callout2">
+            <a:avLst>
+              <a:gd name="adj1" fmla="val 53760"/>
+              <a:gd name="adj2" fmla="val -6057"/>
+              <a:gd name="adj3" fmla="val 61131"/>
+              <a:gd name="adj4" fmla="val -15403"/>
+              <a:gd name="adj5" fmla="val 192654"/>
+              <a:gd name="adj6" fmla="val -200103"/>
+            </a:avLst>
+          </a:prstGeom>
+        </p:spPr>
+        <p:style>
+          <a:lnRef idx="2">
+            <a:schemeClr val="accent6">
+              <a:shade val="50000"/>
+            </a:schemeClr>
+          </a:lnRef>
+          <a:fillRef idx="1">
+            <a:schemeClr val="accent6"/>
+          </a:fillRef>
+          <a:effectRef idx="0">
+            <a:schemeClr val="accent6"/>
+          </a:effectRef>
+          <a:fontRef idx="minor">
+            <a:schemeClr val="lt1"/>
+          </a:fontRef>
+        </p:style>
+        <p:txBody>
+          <a:bodyPr rtlCol="0" anchor="ctr"/>
+          <a:lstStyle/>
+          <a:p>
+            <a:pPr algn="ctr"/>
+            <a:r>
+              <a:rPr lang="ko-KR" altLang="en-US" dirty="0" smtClean="0"/>
+              <a:t>종목 입력</a:t>
+            </a:r>
+            <a:endParaRPr lang="ko-KR" altLang="en-US" dirty="0"/>
+          </a:p>
+        </p:txBody>
+      </p:sp>
     </p:spTree>
     <p:extLst>
       <p:ext uri="{BB962C8B-B14F-4D97-AF65-F5344CB8AC3E}">
@@ -5848,14 +6671,13 @@
           <a:lstStyle/>
           <a:p>
             <a:r>
-              <a:rPr lang="en-US" altLang="ko-KR" dirty="0" smtClean="0"/>
+              <a:rPr lang="en-US" altLang="ko-KR" dirty="0"/>
               <a:t>Type B </a:t>
             </a:r>
             <a:r>
-              <a:rPr lang="ko-KR" altLang="en-US" dirty="0" smtClean="0"/>
+              <a:rPr lang="ko-KR" altLang="en-US" dirty="0"/>
               <a:t>버전 소개</a:t>
             </a:r>
-            <a:endParaRPr lang="ko-KR" altLang="en-US" dirty="0"/>
           </a:p>
         </p:txBody>
       </p:sp>
@@ -5876,66 +6698,7 @@
           <a:p>
             <a:r>
               <a:rPr lang="ko-KR" altLang="en-US" dirty="0" smtClean="0"/>
-              <a:t>온라인 실시간 상장종목 정보 로드</a:t>
-            </a:r>
-            <a:r>
-              <a:rPr lang="en-US" altLang="ko-KR" dirty="0" smtClean="0"/>
-              <a:t/>
-            </a:r>
-            <a:br>
-              <a:rPr lang="en-US" altLang="ko-KR" dirty="0" smtClean="0"/>
-            </a:br>
-            <a:r>
-              <a:rPr lang="ko-KR" altLang="en-US" dirty="0" smtClean="0"/>
-              <a:t> </a:t>
-            </a:r>
-            <a:r>
-              <a:rPr lang="en-US" altLang="ko-KR" dirty="0" smtClean="0"/>
-              <a:t>(</a:t>
-            </a:r>
-            <a:r>
-              <a:rPr lang="ko-KR" altLang="en-US" dirty="0" smtClean="0"/>
-              <a:t>별도 종목정보파일 필요 없음 </a:t>
-            </a:r>
-            <a:r>
-              <a:rPr lang="en-US" altLang="ko-KR" dirty="0" smtClean="0"/>
-              <a:t>)</a:t>
-            </a:r>
-          </a:p>
-          <a:p>
-            <a:r>
-              <a:rPr lang="ko-KR" altLang="en-US" dirty="0" smtClean="0"/>
-              <a:t>분석 결과 차트 창 기능</a:t>
-            </a:r>
-            <a:endParaRPr lang="en-US" altLang="ko-KR" dirty="0" smtClean="0"/>
-          </a:p>
-          <a:p>
-            <a:r>
-              <a:rPr lang="ko-KR" altLang="en-US" dirty="0" err="1" smtClean="0"/>
-              <a:t>날짜별</a:t>
-            </a:r>
-            <a:r>
-              <a:rPr lang="ko-KR" altLang="en-US" dirty="0" smtClean="0"/>
-              <a:t> 종목 가격 비교 차트 제공 </a:t>
-            </a:r>
-            <a:endParaRPr lang="en-US" altLang="ko-KR" dirty="0" smtClean="0"/>
-          </a:p>
-          <a:p>
-            <a:r>
-              <a:rPr lang="ko-KR" altLang="en-US" dirty="0" err="1" smtClean="0"/>
-              <a:t>날짜별</a:t>
-            </a:r>
-            <a:r>
-              <a:rPr lang="ko-KR" altLang="en-US" dirty="0" smtClean="0"/>
-              <a:t> 종목 가격 시세 리스트 </a:t>
-            </a:r>
-            <a:r>
-              <a:rPr lang="en-US" altLang="ko-KR" dirty="0" smtClean="0"/>
-              <a:t>csv</a:t>
-            </a:r>
-            <a:r>
-              <a:rPr lang="ko-KR" altLang="en-US" dirty="0" smtClean="0"/>
-              <a:t>저장 기능 제공 </a:t>
+              <a:t>종목의 시세 정보 출력</a:t>
             </a:r>
             <a:endParaRPr lang="ko-KR" altLang="en-US" dirty="0"/>
           </a:p>
@@ -5944,20 +6707,13 @@
     </p:spTree>
     <p:extLst>
       <p:ext uri="{BB962C8B-B14F-4D97-AF65-F5344CB8AC3E}">
-        <p14:creationId xmlns:p14="http://schemas.microsoft.com/office/powerpoint/2010/main" val="3095927278"/>
+        <p14:creationId xmlns:p14="http://schemas.microsoft.com/office/powerpoint/2010/main" val="3660345124"/>
       </p:ext>
     </p:extLst>
   </p:cSld>
   <p:clrMapOvr>
     <a:masterClrMapping/>
   </p:clrMapOvr>
-  <p:timing>
-    <p:tnLst>
-      <p:par>
-        <p:cTn id="1" dur="indefinite" restart="never" nodeType="tmRoot"/>
-      </p:par>
-    </p:tnLst>
-  </p:timing>
 </p:sld>
 </file>
 
@@ -5994,13 +6750,14 @@
           <a:lstStyle/>
           <a:p>
             <a:r>
-              <a:rPr lang="ko-KR" altLang="en-US" dirty="0" smtClean="0"/>
-              <a:t>내</a:t>
-            </a:r>
-            <a:r>
-              <a:rPr lang="ko-KR" altLang="en-US" dirty="0"/>
-              <a:t>용</a:t>
-            </a:r>
+              <a:rPr lang="en-US" altLang="ko-KR" dirty="0" smtClean="0"/>
+              <a:t>Type B </a:t>
+            </a:r>
+            <a:r>
+              <a:rPr lang="ko-KR" altLang="en-US" dirty="0" smtClean="0"/>
+              <a:t>버전 소개</a:t>
+            </a:r>
+            <a:endParaRPr lang="ko-KR" altLang="en-US" dirty="0"/>
           </a:p>
         </p:txBody>
       </p:sp>
@@ -6014,16 +6771,9 @@
             <p:ph idx="1"/>
           </p:nvPr>
         </p:nvSpPr>
-        <p:spPr>
-          <a:xfrm>
-            <a:off x="502920" y="530352"/>
-            <a:ext cx="8183880" cy="4626840"/>
-          </a:xfrm>
-        </p:spPr>
-        <p:txBody>
-          <a:bodyPr>
-            <a:normAutofit fontScale="92500" lnSpcReduction="20000"/>
-          </a:bodyPr>
+        <p:spPr/>
+        <p:txBody>
+          <a:bodyPr/>
           <a:lstStyle/>
           <a:p>
             <a:endParaRPr lang="en-US" altLang="ko-KR" dirty="0" smtClean="0"/>
@@ -6031,231 +6781,71 @@
           <a:p>
             <a:r>
               <a:rPr lang="ko-KR" altLang="en-US" dirty="0" smtClean="0"/>
-              <a:t>개발 언어</a:t>
+              <a:t>온라인 </a:t>
+            </a:r>
+            <a:r>
+              <a:rPr lang="ko-KR" altLang="en-US" dirty="0" smtClean="0"/>
+              <a:t>실시간 상장종목 정보 로드</a:t>
+            </a:r>
+            <a:r>
+              <a:rPr lang="en-US" altLang="ko-KR" dirty="0" smtClean="0"/>
+              <a:t/>
+            </a:r>
+            <a:br>
+              <a:rPr lang="en-US" altLang="ko-KR" dirty="0" smtClean="0"/>
+            </a:br>
+            <a:r>
+              <a:rPr lang="ko-KR" altLang="en-US" dirty="0" smtClean="0"/>
+              <a:t> </a:t>
+            </a:r>
+            <a:r>
+              <a:rPr lang="en-US" altLang="ko-KR" dirty="0" smtClean="0"/>
+              <a:t>(</a:t>
+            </a:r>
+            <a:r>
+              <a:rPr lang="ko-KR" altLang="en-US" dirty="0" smtClean="0"/>
+              <a:t>별도 종목정보파일 필요 없음 </a:t>
+            </a:r>
+            <a:r>
+              <a:rPr lang="en-US" altLang="ko-KR" dirty="0" smtClean="0"/>
+              <a:t>)</a:t>
+            </a:r>
+          </a:p>
+          <a:p>
+            <a:r>
+              <a:rPr lang="ko-KR" altLang="en-US" dirty="0" smtClean="0"/>
+              <a:t>분석 결과 차트 창 기능</a:t>
             </a:r>
             <a:endParaRPr lang="en-US" altLang="ko-KR" dirty="0" smtClean="0"/>
           </a:p>
           <a:p>
-            <a:pPr lvl="1"/>
+            <a:r>
+              <a:rPr lang="ko-KR" altLang="en-US" dirty="0" err="1" smtClean="0"/>
+              <a:t>날짜별</a:t>
+            </a:r>
+            <a:r>
+              <a:rPr lang="ko-KR" altLang="en-US" dirty="0" smtClean="0"/>
+              <a:t> 종목 가격 비교 차트 제공 </a:t>
+            </a:r>
+            <a:endParaRPr lang="en-US" altLang="ko-KR" dirty="0" smtClean="0"/>
+          </a:p>
+          <a:p>
+            <a:r>
+              <a:rPr lang="ko-KR" altLang="en-US" dirty="0" err="1" smtClean="0"/>
+              <a:t>날짜별</a:t>
+            </a:r>
+            <a:r>
+              <a:rPr lang="ko-KR" altLang="en-US" dirty="0" smtClean="0"/>
+              <a:t> 종목 가격 시세 리스트 </a:t>
+            </a:r>
             <a:r>
               <a:rPr lang="en-US" altLang="ko-KR" dirty="0" smtClean="0"/>
-              <a:t>Python</a:t>
-            </a:r>
-          </a:p>
-          <a:p>
-            <a:pPr lvl="1"/>
-            <a:endParaRPr lang="en-US" altLang="ko-KR" dirty="0" smtClean="0"/>
-          </a:p>
-          <a:p>
-            <a:r>
-              <a:rPr lang="ko-KR" altLang="en-US" dirty="0" smtClean="0"/>
-              <a:t>라이브러리</a:t>
-            </a:r>
-            <a:r>
-              <a:rPr lang="en-US" altLang="ko-KR" dirty="0" smtClean="0"/>
-              <a:t>, </a:t>
-            </a:r>
-            <a:r>
-              <a:rPr lang="ko-KR" altLang="en-US" dirty="0" smtClean="0"/>
-              <a:t>툴</a:t>
-            </a:r>
-            <a:endParaRPr lang="en-US" altLang="ko-KR" dirty="0" smtClean="0"/>
-          </a:p>
-          <a:p>
-            <a:pPr lvl="1"/>
-            <a:r>
-              <a:rPr lang="en-US" altLang="ko-KR" dirty="0" smtClean="0"/>
-              <a:t>pandas, </a:t>
-            </a:r>
-            <a:r>
-              <a:rPr lang="en-US" altLang="ko-KR" dirty="0" err="1" smtClean="0"/>
-              <a:t>numpy</a:t>
-            </a:r>
-            <a:r>
-              <a:rPr lang="en-US" altLang="ko-KR" dirty="0" smtClean="0"/>
-              <a:t> :  </a:t>
-            </a:r>
-            <a:r>
-              <a:rPr lang="ko-KR" altLang="en-US" dirty="0" smtClean="0"/>
-              <a:t>데이터 </a:t>
-            </a:r>
-            <a:r>
-              <a:rPr lang="ko-KR" altLang="en-US" dirty="0" err="1" smtClean="0"/>
-              <a:t>처리및</a:t>
-            </a:r>
-            <a:r>
-              <a:rPr lang="ko-KR" altLang="en-US" dirty="0" smtClean="0"/>
-              <a:t>  통</a:t>
-            </a:r>
-            <a:r>
-              <a:rPr lang="ko-KR" altLang="en-US" dirty="0"/>
-              <a:t>계</a:t>
-            </a:r>
-            <a:r>
-              <a:rPr lang="ko-KR" altLang="en-US" dirty="0" smtClean="0"/>
-              <a:t>함수</a:t>
-            </a:r>
-            <a:r>
-              <a:rPr lang="en-US" altLang="ko-KR" dirty="0" smtClean="0"/>
-              <a:t> </a:t>
-            </a:r>
-          </a:p>
-          <a:p>
-            <a:pPr lvl="1"/>
-            <a:r>
-              <a:rPr lang="en-US" altLang="ko-KR" dirty="0" smtClean="0"/>
-              <a:t>pandas-</a:t>
-            </a:r>
-            <a:r>
-              <a:rPr lang="en-US" altLang="ko-KR" dirty="0" err="1" smtClean="0"/>
-              <a:t>datareader</a:t>
-            </a:r>
-            <a:r>
-              <a:rPr lang="en-US" altLang="ko-KR" dirty="0" smtClean="0"/>
-              <a:t>: </a:t>
-            </a:r>
-            <a:r>
-              <a:rPr lang="ko-KR" altLang="en-US" dirty="0" smtClean="0"/>
-              <a:t>주식 정보 조회</a:t>
-            </a:r>
-            <a:endParaRPr lang="en-US" altLang="ko-KR" dirty="0" smtClean="0"/>
-          </a:p>
-          <a:p>
-            <a:pPr lvl="1"/>
-            <a:r>
-              <a:rPr lang="en-US" altLang="ko-KR" dirty="0" err="1" smtClean="0"/>
-              <a:t>matplotlib</a:t>
-            </a:r>
-            <a:r>
-              <a:rPr lang="en-US" altLang="ko-KR" dirty="0" smtClean="0"/>
-              <a:t> : </a:t>
-            </a:r>
-            <a:r>
-              <a:rPr lang="ko-KR" altLang="en-US" dirty="0" smtClean="0"/>
-              <a:t>차트 그래프</a:t>
-            </a:r>
-            <a:endParaRPr lang="en-US" altLang="ko-KR" dirty="0" smtClean="0"/>
-          </a:p>
-          <a:p>
-            <a:pPr lvl="1"/>
-            <a:r>
-              <a:rPr lang="en-US" altLang="ko-KR" dirty="0" smtClean="0"/>
-              <a:t>PyQt5, PyQt5-tools: GUI </a:t>
-            </a:r>
-            <a:r>
-              <a:rPr lang="ko-KR" altLang="en-US" dirty="0" smtClean="0"/>
-              <a:t>라이브러리</a:t>
-            </a:r>
-            <a:r>
-              <a:rPr lang="en-US" altLang="ko-KR" dirty="0" smtClean="0"/>
-              <a:t>, GUI </a:t>
-            </a:r>
-            <a:r>
-              <a:rPr lang="ko-KR" altLang="en-US" dirty="0" smtClean="0"/>
-              <a:t>툴</a:t>
-            </a:r>
-            <a:endParaRPr lang="en-US" altLang="ko-KR" dirty="0" smtClean="0"/>
-          </a:p>
-          <a:p>
-            <a:pPr lvl="1"/>
-            <a:r>
-              <a:rPr lang="en-US" altLang="ko-KR" dirty="0" err="1" smtClean="0"/>
-              <a:t>pyinstaller</a:t>
-            </a:r>
-            <a:r>
-              <a:rPr lang="en-US" altLang="ko-KR" dirty="0" smtClean="0"/>
-              <a:t> : exe </a:t>
-            </a:r>
-            <a:r>
-              <a:rPr lang="ko-KR" altLang="en-US" dirty="0" err="1" smtClean="0"/>
-              <a:t>배포툴</a:t>
-            </a:r>
-            <a:endParaRPr lang="en-US" altLang="ko-KR" dirty="0" smtClean="0"/>
-          </a:p>
-          <a:p>
-            <a:pPr lvl="1"/>
-            <a:r>
-              <a:rPr lang="ko-KR" altLang="en-US" dirty="0" smtClean="0"/>
-              <a:t>시세정보</a:t>
-            </a:r>
-            <a:r>
-              <a:rPr lang="en-US" altLang="ko-KR" dirty="0" smtClean="0"/>
-              <a:t>: </a:t>
-            </a:r>
-            <a:r>
-              <a:rPr lang="en-US" altLang="ko-KR" dirty="0" smtClean="0">
-                <a:hlinkClick r:id="rId2"/>
-              </a:rPr>
-              <a:t>finance.naver.com/</a:t>
-            </a:r>
-            <a:r>
-              <a:rPr lang="en-US" altLang="ko-KR" dirty="0" smtClean="0"/>
-              <a:t>, </a:t>
-            </a:r>
-            <a:r>
-              <a:rPr lang="en-US" altLang="ko-KR" dirty="0" smtClean="0">
-                <a:hlinkClick r:id="rId3"/>
-              </a:rPr>
-              <a:t>finance.yahoo.com</a:t>
-            </a:r>
-            <a:r>
-              <a:rPr lang="en-US" altLang="ko-KR" dirty="0">
-                <a:hlinkClick r:id="rId3"/>
-              </a:rPr>
-              <a:t>/</a:t>
-            </a:r>
-            <a:endParaRPr lang="en-US" altLang="ko-KR" dirty="0" smtClean="0"/>
-          </a:p>
-          <a:p>
-            <a:pPr lvl="1"/>
-            <a:endParaRPr lang="en-US" altLang="ko-KR" dirty="0"/>
-          </a:p>
-          <a:p>
-            <a:r>
-              <a:rPr lang="ko-KR" altLang="en-US" dirty="0" smtClean="0"/>
-              <a:t>상품 코드</a:t>
-            </a:r>
-            <a:r>
-              <a:rPr lang="en-US" altLang="ko-KR" dirty="0" smtClean="0"/>
-              <a:t>,</a:t>
-            </a:r>
-            <a:r>
-              <a:rPr lang="ko-KR" altLang="en-US" dirty="0" smtClean="0"/>
-              <a:t>심볼 데이터</a:t>
-            </a:r>
-            <a:endParaRPr lang="en-US" altLang="ko-KR" dirty="0" smtClean="0"/>
-          </a:p>
-          <a:p>
-            <a:pPr lvl="1"/>
-            <a:r>
-              <a:rPr lang="en-US" altLang="ko-KR" dirty="0">
-                <a:hlinkClick r:id="rId4"/>
-              </a:rPr>
-              <a:t>https://kind.krx.co.kr</a:t>
-            </a:r>
-            <a:r>
-              <a:rPr lang="en-US" altLang="ko-KR" dirty="0"/>
-              <a:t> </a:t>
-            </a:r>
-            <a:r>
-              <a:rPr lang="en-US" altLang="ko-KR" dirty="0" smtClean="0"/>
-              <a:t>, </a:t>
-            </a:r>
-            <a:r>
-              <a:rPr lang="en-US" altLang="ko-KR" dirty="0" smtClean="0">
-                <a:hlinkClick r:id="rId5"/>
-              </a:rPr>
-              <a:t>www.nasdaq.com</a:t>
-            </a:r>
-            <a:r>
-              <a:rPr lang="en-US" altLang="ko-KR" dirty="0">
-                <a:hlinkClick r:id="rId5"/>
-              </a:rPr>
-              <a:t>/</a:t>
-            </a:r>
-            <a:endParaRPr lang="en-US" altLang="ko-KR" dirty="0" smtClean="0"/>
-          </a:p>
-          <a:p>
+              <a:t>csv</a:t>
+            </a:r>
+            <a:r>
+              <a:rPr lang="ko-KR" altLang="en-US" dirty="0" smtClean="0"/>
+              <a:t>저장 기능 제공 </a:t>
+            </a:r>
             <a:endParaRPr lang="ko-KR" altLang="en-US" dirty="0"/>
           </a:p>
         </p:txBody>
@@ -6263,7 +6853,7 @@
     </p:spTree>
     <p:extLst>
       <p:ext uri="{BB962C8B-B14F-4D97-AF65-F5344CB8AC3E}">
-        <p14:creationId xmlns:p14="http://schemas.microsoft.com/office/powerpoint/2010/main" val="796276897"/>
+        <p14:creationId xmlns:p14="http://schemas.microsoft.com/office/powerpoint/2010/main" val="3095927278"/>
       </p:ext>
     </p:extLst>
   </p:cSld>
